--- a/Slides/Slides-PPT/0 - Introduction.pptx
+++ b/Slides/Slides-PPT/0 - Introduction.pptx
@@ -6102,7 +6102,7 @@
           <a:p>
             <a:fld id="{43386AF1-EF24-4659-9089-2771856A9EA2}" type="datetimeFigureOut">
               <a:rPr lang="en-US" smtClean="0"/>
-              <a:t>8/23/2023</a:t>
+              <a:t>1/7/2024</a:t>
             </a:fld>
             <a:endParaRPr lang="en-US"/>
           </a:p>
@@ -9506,7 +9506,7 @@
           <a:p>
             <a:fld id="{418859FD-4A18-469D-9E4F-A454099EA4DE}" type="datetime1">
               <a:rPr lang="en-US" smtClean="0"/>
-              <a:t>8/23/2023</a:t>
+              <a:t>1/7/2024</a:t>
             </a:fld>
             <a:endParaRPr lang="en-US"/>
           </a:p>
@@ -9676,7 +9676,7 @@
           <a:p>
             <a:fld id="{72873ED7-5ED7-450C-B7ED-EBEF21310B7F}" type="datetime1">
               <a:rPr lang="en-US" smtClean="0"/>
-              <a:t>8/23/2023</a:t>
+              <a:t>1/7/2024</a:t>
             </a:fld>
             <a:endParaRPr lang="en-US"/>
           </a:p>
@@ -9856,7 +9856,7 @@
           <a:p>
             <a:fld id="{FA1AB8CA-26D9-4181-B37D-04409D1280D0}" type="datetime1">
               <a:rPr lang="en-US" smtClean="0"/>
-              <a:t>8/23/2023</a:t>
+              <a:t>1/7/2024</a:t>
             </a:fld>
             <a:endParaRPr lang="en-US"/>
           </a:p>
@@ -10026,7 +10026,7 @@
           <a:p>
             <a:fld id="{8203E536-4418-4D9E-A3E0-E88528F28E4B}" type="datetime1">
               <a:rPr lang="en-US" smtClean="0"/>
-              <a:t>8/23/2023</a:t>
+              <a:t>1/7/2024</a:t>
             </a:fld>
             <a:endParaRPr lang="en-US"/>
           </a:p>
@@ -10272,7 +10272,7 @@
           <a:p>
             <a:fld id="{93E23BC6-0CCD-4AB2-81CA-43E3CCD5EE51}" type="datetime1">
               <a:rPr lang="en-US" smtClean="0"/>
-              <a:t>8/23/2023</a:t>
+              <a:t>1/7/2024</a:t>
             </a:fld>
             <a:endParaRPr lang="en-US"/>
           </a:p>
@@ -10504,7 +10504,7 @@
           <a:p>
             <a:fld id="{17AA098F-DA8A-47AA-A10B-42006A055DDF}" type="datetime1">
               <a:rPr lang="en-US" smtClean="0"/>
-              <a:t>8/23/2023</a:t>
+              <a:t>1/7/2024</a:t>
             </a:fld>
             <a:endParaRPr lang="en-US"/>
           </a:p>
@@ -10871,7 +10871,7 @@
           <a:p>
             <a:fld id="{A94D786E-0AE6-47C8-9B09-C40597C94076}" type="datetime1">
               <a:rPr lang="en-US" smtClean="0"/>
-              <a:t>8/23/2023</a:t>
+              <a:t>1/7/2024</a:t>
             </a:fld>
             <a:endParaRPr lang="en-US"/>
           </a:p>
@@ -10989,7 +10989,7 @@
           <a:p>
             <a:fld id="{3F04DAE0-74C7-4D5E-AF3C-B9894D5D19BF}" type="datetime1">
               <a:rPr lang="en-US" smtClean="0"/>
-              <a:t>8/23/2023</a:t>
+              <a:t>1/7/2024</a:t>
             </a:fld>
             <a:endParaRPr lang="en-US"/>
           </a:p>
@@ -11084,7 +11084,7 @@
           <a:p>
             <a:fld id="{91786827-E8F4-4379-8EF1-6428733FD3BC}" type="datetime1">
               <a:rPr lang="en-US" smtClean="0"/>
-              <a:t>8/23/2023</a:t>
+              <a:t>1/7/2024</a:t>
             </a:fld>
             <a:endParaRPr lang="en-US"/>
           </a:p>
@@ -11361,7 +11361,7 @@
           <a:p>
             <a:fld id="{B509088F-57A8-4376-9CF0-0496E10BAF0A}" type="datetime1">
               <a:rPr lang="en-US" smtClean="0"/>
-              <a:t>8/23/2023</a:t>
+              <a:t>1/7/2024</a:t>
             </a:fld>
             <a:endParaRPr lang="en-US"/>
           </a:p>
@@ -11618,7 +11618,7 @@
           <a:p>
             <a:fld id="{F5D09DD1-D364-4683-964F-0C5BCF070FBA}" type="datetime1">
               <a:rPr lang="en-US" smtClean="0"/>
-              <a:t>8/23/2023</a:t>
+              <a:t>1/7/2024</a:t>
             </a:fld>
             <a:endParaRPr lang="en-US"/>
           </a:p>
@@ -11831,7 +11831,7 @@
           <a:p>
             <a:fld id="{265B2B3D-9642-4A81-AE7C-4F307D91E481}" type="datetime1">
               <a:rPr lang="en-US" smtClean="0"/>
-              <a:t>8/23/2023</a:t>
+              <a:t>1/7/2024</a:t>
             </a:fld>
             <a:endParaRPr lang="en-US"/>
           </a:p>
@@ -12388,7 +12388,7 @@
                 </a:solidFill>
                 <a:latin typeface="Gotham Bold" pitchFamily="50" charset="0"/>
               </a:rPr>
-              <a:t>COP 3530 : Fall 2023</a:t>
+              <a:t>COP 3530 : Spring 2024</a:t>
             </a:r>
             <a:endParaRPr kumimoji="0" lang="en-US" sz="4800" b="0" i="0" u="none" strike="noStrike" kern="1200" cap="none" spc="0" normalizeH="0" baseline="0" noProof="0" dirty="0">
               <a:ln>
@@ -13114,7 +13114,25 @@
                     </a:solidFill>
                     <a:latin typeface="Consolas" panose="020B0609020204030204" pitchFamily="49" charset="0"/>
                   </a:rPr>
-                  <a:t>on Tue and Thu live or </a:t>
+                  <a:t>on Mon, Wed, </a:t>
+                </a:r>
+                <a:r>
+                  <a:rPr lang="en-US" dirty="0">
+                    <a:solidFill>
+                      <a:srgbClr val="EB6E19"/>
+                    </a:solidFill>
+                    <a:latin typeface="Consolas" panose="020B0609020204030204" pitchFamily="49" charset="0"/>
+                  </a:rPr>
+                  <a:t>Fri </a:t>
+                </a:r>
+                <a:r>
+                  <a:rPr lang="en-US" sz="1800" dirty="0">
+                    <a:solidFill>
+                      <a:srgbClr val="EB6E19"/>
+                    </a:solidFill>
+                    <a:latin typeface="Consolas" panose="020B0609020204030204" pitchFamily="49" charset="0"/>
+                  </a:rPr>
+                  <a:t>live or </a:t>
                 </a:r>
                 <a:r>
                   <a:rPr lang="en-US" dirty="0">
@@ -13862,7 +13880,7 @@
                 </a:solidFill>
                 <a:latin typeface="Consolas" panose="020B0609020204030204" pitchFamily="49" charset="0"/>
               </a:rPr>
-              <a:t>Tuesday 4:05-6 pm</a:t>
+              <a:t>Monday 4:30-6:30 pm</a:t>
             </a:r>
           </a:p>
           <a:p>
@@ -16243,7 +16261,7 @@
           <p:nvPr>
             <p:extLst>
               <p:ext uri="{D42A27DB-BD31-4B8C-83A1-F6EECF244321}">
-                <p14:modId xmlns:p14="http://schemas.microsoft.com/office/powerpoint/2010/main" val="1159983846"/>
+                <p14:modId xmlns:p14="http://schemas.microsoft.com/office/powerpoint/2010/main" val="257300418"/>
               </p:ext>
             </p:extLst>
           </p:nvPr>
@@ -18425,7 +18443,7 @@
                           <a:ea typeface="+mn-ea"/>
                           <a:cs typeface="+mn-cs"/>
                         </a:rPr>
-                        <a:t>Up to 2%</a:t>
+                        <a:t>Up to 3%</a:t>
                       </a:r>
                     </a:p>
                   </a:txBody>
@@ -18697,7 +18715,7 @@
                           <a:effectLst/>
                           <a:latin typeface="Consolas" panose="020B0609020204030204" pitchFamily="49" charset="0"/>
                         </a:rPr>
-                        <a:t>102%</a:t>
+                        <a:t>103%</a:t>
                       </a:r>
                       <a:endParaRPr lang="en-US" sz="1600" b="0" dirty="0">
                         <a:solidFill>
@@ -19300,10 +19318,10 @@
       </p:grpSp>
       <p:graphicFrame>
         <p:nvGraphicFramePr>
-          <p:cNvPr id="4" name="Table 3">
+          <p:cNvPr id="5" name="Table 4">
             <a:extLst>
               <a:ext uri="{FF2B5EF4-FFF2-40B4-BE49-F238E27FC236}">
-                <a16:creationId xmlns:a16="http://schemas.microsoft.com/office/drawing/2014/main" id="{93F88924-148C-A25E-5E81-A308E4B2EE1A}"/>
+                <a16:creationId xmlns:a16="http://schemas.microsoft.com/office/drawing/2014/main" id="{AAC4BACA-DA31-7E6A-31C5-442872DE38DC}"/>
               </a:ext>
             </a:extLst>
           </p:cNvPr>
@@ -19313,14 +19331,14 @@
           <p:nvPr>
             <p:extLst>
               <p:ext uri="{D42A27DB-BD31-4B8C-83A1-F6EECF244321}">
-                <p14:modId xmlns:p14="http://schemas.microsoft.com/office/powerpoint/2010/main" val="2018206087"/>
+                <p14:modId xmlns:p14="http://schemas.microsoft.com/office/powerpoint/2010/main" val="2959682448"/>
               </p:ext>
             </p:extLst>
           </p:nvPr>
         </p:nvGraphicFramePr>
         <p:xfrm>
-          <a:off x="1038443" y="1599616"/>
-          <a:ext cx="9838532" cy="4480560"/>
+          <a:off x="1476278" y="1581609"/>
+          <a:ext cx="9267922" cy="4630341"/>
         </p:xfrm>
         <a:graphic>
           <a:graphicData uri="http://schemas.openxmlformats.org/drawingml/2006/table">
@@ -19329,43 +19347,43 @@
                 <a:tableStyleId>{5940675A-B579-460E-94D1-54222C63F5DA}</a:tableStyleId>
               </a:tblPr>
               <a:tblGrid>
-                <a:gridCol w="921247">
+                <a:gridCol w="867817">
                   <a:extLst>
                     <a:ext uri="{9D8B030D-6E8A-4147-A177-3AD203B41FA5}">
-                      <a16:colId xmlns:a16="http://schemas.microsoft.com/office/drawing/2014/main" val="3457911842"/>
+                      <a16:colId xmlns:a16="http://schemas.microsoft.com/office/drawing/2014/main" val="1937761586"/>
                     </a:ext>
                   </a:extLst>
                 </a:gridCol>
-                <a:gridCol w="1157587">
+                <a:gridCol w="1090451">
                   <a:extLst>
                     <a:ext uri="{9D8B030D-6E8A-4147-A177-3AD203B41FA5}">
-                      <a16:colId xmlns:a16="http://schemas.microsoft.com/office/drawing/2014/main" val="2805922906"/>
+                      <a16:colId xmlns:a16="http://schemas.microsoft.com/office/drawing/2014/main" val="1123835872"/>
                     </a:ext>
                   </a:extLst>
                 </a:gridCol>
-                <a:gridCol w="1157587">
+                <a:gridCol w="1090451">
                   <a:extLst>
                     <a:ext uri="{9D8B030D-6E8A-4147-A177-3AD203B41FA5}">
-                      <a16:colId xmlns:a16="http://schemas.microsoft.com/office/drawing/2014/main" val="3547475271"/>
+                      <a16:colId xmlns:a16="http://schemas.microsoft.com/office/drawing/2014/main" val="4075283450"/>
                     </a:ext>
                   </a:extLst>
                 </a:gridCol>
-                <a:gridCol w="4283076">
+                <a:gridCol w="4034667">
                   <a:extLst>
                     <a:ext uri="{9D8B030D-6E8A-4147-A177-3AD203B41FA5}">
-                      <a16:colId xmlns:a16="http://schemas.microsoft.com/office/drawing/2014/main" val="2148504785"/>
+                      <a16:colId xmlns:a16="http://schemas.microsoft.com/office/drawing/2014/main" val="508186272"/>
                     </a:ext>
                   </a:extLst>
                 </a:gridCol>
-                <a:gridCol w="2319035">
+                <a:gridCol w="2184536">
                   <a:extLst>
                     <a:ext uri="{9D8B030D-6E8A-4147-A177-3AD203B41FA5}">
-                      <a16:colId xmlns:a16="http://schemas.microsoft.com/office/drawing/2014/main" val="2338378776"/>
+                      <a16:colId xmlns:a16="http://schemas.microsoft.com/office/drawing/2014/main" val="481761980"/>
                     </a:ext>
                   </a:extLst>
                 </a:gridCol>
               </a:tblGrid>
-              <a:tr h="175895">
+              <a:tr h="248278">
                 <a:tc>
                   <a:txBody>
                     <a:bodyPr/>
@@ -19380,24 +19398,32 @@
                         </a:spcAft>
                       </a:pPr>
                       <a:r>
-                        <a:rPr lang="en-US" sz="1600" dirty="0">
+                        <a:rPr lang="en-US" sz="1400" dirty="0">
                           <a:solidFill>
-                            <a:schemeClr val="accent2"/>
+                            <a:srgbClr val="1D9EFF"/>
                           </a:solidFill>
                           <a:effectLst/>
                           <a:latin typeface="Consolas" panose="020B0609020204030204" pitchFamily="49" charset="0"/>
-                          <a:ea typeface="Roboto" panose="02000000000000000000" pitchFamily="2" charset="0"/>
-                          <a:cs typeface="Roboto" panose="02000000000000000000" pitchFamily="2" charset="0"/>
                         </a:rPr>
                         <a:t>Week</a:t>
                       </a:r>
+                      <a:endParaRPr lang="en-US" sz="1400" dirty="0">
+                        <a:solidFill>
+                          <a:srgbClr val="1D9EFF"/>
+                        </a:solidFill>
+                        <a:effectLst/>
+                        <a:latin typeface="Consolas" panose="020B0609020204030204" pitchFamily="49" charset="0"/>
+                        <a:ea typeface="Times New Roman" panose="02020603050405020304" pitchFamily="18" charset="0"/>
+                        <a:cs typeface="Times New Roman" panose="02020603050405020304" pitchFamily="18" charset="0"/>
+                      </a:endParaRPr>
                     </a:p>
                   </a:txBody>
                   <a:tcPr marL="68580" marR="68580" marT="0" marB="0" anchor="b">
                     <a:lnL w="12700" cap="flat" cmpd="sng" algn="ctr">
                       <a:solidFill>
-                        <a:schemeClr val="bg2">
-                          <a:lumMod val="25000"/>
+                        <a:schemeClr val="tx1">
+                          <a:lumMod val="75000"/>
+                          <a:lumOff val="25000"/>
                         </a:schemeClr>
                       </a:solidFill>
                       <a:prstDash val="solid"/>
@@ -19407,8 +19433,9 @@
                     </a:lnL>
                     <a:lnR w="12700" cap="flat" cmpd="sng" algn="ctr">
                       <a:solidFill>
-                        <a:schemeClr val="bg2">
-                          <a:lumMod val="25000"/>
+                        <a:schemeClr val="tx1">
+                          <a:lumMod val="75000"/>
+                          <a:lumOff val="25000"/>
                         </a:schemeClr>
                       </a:solidFill>
                       <a:prstDash val="solid"/>
@@ -19418,8 +19445,9 @@
                     </a:lnR>
                     <a:lnT w="12700" cap="flat" cmpd="sng" algn="ctr">
                       <a:solidFill>
-                        <a:schemeClr val="bg2">
-                          <a:lumMod val="25000"/>
+                        <a:schemeClr val="tx1">
+                          <a:lumMod val="75000"/>
+                          <a:lumOff val="25000"/>
                         </a:schemeClr>
                       </a:solidFill>
                       <a:prstDash val="solid"/>
@@ -19429,8 +19457,9 @@
                     </a:lnT>
                     <a:lnB w="12700" cap="flat" cmpd="sng" algn="ctr">
                       <a:solidFill>
-                        <a:schemeClr val="bg2">
-                          <a:lumMod val="25000"/>
+                        <a:schemeClr val="tx1">
+                          <a:lumMod val="75000"/>
+                          <a:lumOff val="25000"/>
                         </a:schemeClr>
                       </a:solidFill>
                       <a:prstDash val="solid"/>
@@ -19454,24 +19483,32 @@
                         </a:spcAft>
                       </a:pPr>
                       <a:r>
-                        <a:rPr lang="en-US" sz="1600" dirty="0">
+                        <a:rPr lang="en-US" sz="1400" dirty="0">
                           <a:solidFill>
-                            <a:schemeClr val="accent2"/>
+                            <a:srgbClr val="1D9EFF"/>
                           </a:solidFill>
                           <a:effectLst/>
                           <a:latin typeface="Consolas" panose="020B0609020204030204" pitchFamily="49" charset="0"/>
-                          <a:ea typeface="Roboto" panose="02000000000000000000" pitchFamily="2" charset="0"/>
-                          <a:cs typeface="Roboto" panose="02000000000000000000" pitchFamily="2" charset="0"/>
                         </a:rPr>
                         <a:t>Dates</a:t>
                       </a:r>
+                      <a:endParaRPr lang="en-US" sz="1400" dirty="0">
+                        <a:solidFill>
+                          <a:srgbClr val="1D9EFF"/>
+                        </a:solidFill>
+                        <a:effectLst/>
+                        <a:latin typeface="Consolas" panose="020B0609020204030204" pitchFamily="49" charset="0"/>
+                        <a:ea typeface="Times New Roman" panose="02020603050405020304" pitchFamily="18" charset="0"/>
+                        <a:cs typeface="Times New Roman" panose="02020603050405020304" pitchFamily="18" charset="0"/>
+                      </a:endParaRPr>
                     </a:p>
                   </a:txBody>
                   <a:tcPr marL="68580" marR="68580" marT="0" marB="0" anchor="b">
                     <a:lnL w="12700" cap="flat" cmpd="sng" algn="ctr">
                       <a:solidFill>
-                        <a:schemeClr val="bg2">
-                          <a:lumMod val="25000"/>
+                        <a:schemeClr val="tx1">
+                          <a:lumMod val="75000"/>
+                          <a:lumOff val="25000"/>
                         </a:schemeClr>
                       </a:solidFill>
                       <a:prstDash val="solid"/>
@@ -19481,8 +19518,9 @@
                     </a:lnL>
                     <a:lnR w="12700" cap="flat" cmpd="sng" algn="ctr">
                       <a:solidFill>
-                        <a:schemeClr val="bg2">
-                          <a:lumMod val="25000"/>
+                        <a:schemeClr val="tx1">
+                          <a:lumMod val="75000"/>
+                          <a:lumOff val="25000"/>
                         </a:schemeClr>
                       </a:solidFill>
                       <a:prstDash val="solid"/>
@@ -19492,8 +19530,9 @@
                     </a:lnR>
                     <a:lnT w="12700" cap="flat" cmpd="sng" algn="ctr">
                       <a:solidFill>
-                        <a:schemeClr val="bg2">
-                          <a:lumMod val="25000"/>
+                        <a:schemeClr val="tx1">
+                          <a:lumMod val="75000"/>
+                          <a:lumOff val="25000"/>
                         </a:schemeClr>
                       </a:solidFill>
                       <a:prstDash val="solid"/>
@@ -19503,8 +19542,9 @@
                     </a:lnT>
                     <a:lnB w="12700" cap="flat" cmpd="sng" algn="ctr">
                       <a:solidFill>
-                        <a:schemeClr val="bg2">
-                          <a:lumMod val="25000"/>
+                        <a:schemeClr val="tx1">
+                          <a:lumMod val="75000"/>
+                          <a:lumOff val="25000"/>
                         </a:schemeClr>
                       </a:solidFill>
                       <a:prstDash val="solid"/>
@@ -19538,24 +19578,32 @@
                         </a:spcAft>
                       </a:pPr>
                       <a:r>
-                        <a:rPr lang="en-US" sz="1600" dirty="0">
+                        <a:rPr lang="en-US" sz="1400" dirty="0">
                           <a:solidFill>
-                            <a:schemeClr val="accent2"/>
+                            <a:srgbClr val="1D9EFF"/>
                           </a:solidFill>
                           <a:effectLst/>
                           <a:latin typeface="Consolas" panose="020B0609020204030204" pitchFamily="49" charset="0"/>
-                          <a:ea typeface="Roboto" panose="02000000000000000000" pitchFamily="2" charset="0"/>
-                          <a:cs typeface="Roboto" panose="02000000000000000000" pitchFamily="2" charset="0"/>
                         </a:rPr>
                         <a:t>Topic</a:t>
                       </a:r>
+                      <a:endParaRPr lang="en-US" sz="1400" dirty="0">
+                        <a:solidFill>
+                          <a:srgbClr val="1D9EFF"/>
+                        </a:solidFill>
+                        <a:effectLst/>
+                        <a:latin typeface="Consolas" panose="020B0609020204030204" pitchFamily="49" charset="0"/>
+                        <a:ea typeface="Times New Roman" panose="02020603050405020304" pitchFamily="18" charset="0"/>
+                        <a:cs typeface="Times New Roman" panose="02020603050405020304" pitchFamily="18" charset="0"/>
+                      </a:endParaRPr>
                     </a:p>
                   </a:txBody>
                   <a:tcPr marL="68580" marR="68580" marT="0" marB="0" anchor="b">
                     <a:lnL w="12700" cap="flat" cmpd="sng" algn="ctr">
                       <a:solidFill>
-                        <a:schemeClr val="bg2">
-                          <a:lumMod val="25000"/>
+                        <a:schemeClr val="tx1">
+                          <a:lumMod val="75000"/>
+                          <a:lumOff val="25000"/>
                         </a:schemeClr>
                       </a:solidFill>
                       <a:prstDash val="solid"/>
@@ -19565,8 +19613,9 @@
                     </a:lnL>
                     <a:lnR w="12700" cap="flat" cmpd="sng" algn="ctr">
                       <a:solidFill>
-                        <a:schemeClr val="bg2">
-                          <a:lumMod val="25000"/>
+                        <a:schemeClr val="tx1">
+                          <a:lumMod val="75000"/>
+                          <a:lumOff val="25000"/>
                         </a:schemeClr>
                       </a:solidFill>
                       <a:prstDash val="solid"/>
@@ -19576,8 +19625,9 @@
                     </a:lnR>
                     <a:lnT w="12700" cap="flat" cmpd="sng" algn="ctr">
                       <a:solidFill>
-                        <a:schemeClr val="bg2">
-                          <a:lumMod val="25000"/>
+                        <a:schemeClr val="tx1">
+                          <a:lumMod val="75000"/>
+                          <a:lumOff val="25000"/>
                         </a:schemeClr>
                       </a:solidFill>
                       <a:prstDash val="solid"/>
@@ -19587,8 +19637,9 @@
                     </a:lnT>
                     <a:lnB w="12700" cap="flat" cmpd="sng" algn="ctr">
                       <a:solidFill>
-                        <a:schemeClr val="bg2">
-                          <a:lumMod val="25000"/>
+                        <a:schemeClr val="tx1">
+                          <a:lumMod val="75000"/>
+                          <a:lumOff val="25000"/>
                         </a:schemeClr>
                       </a:solidFill>
                       <a:prstDash val="solid"/>
@@ -19612,24 +19663,32 @@
                         </a:spcAft>
                       </a:pPr>
                       <a:r>
-                        <a:rPr lang="en-US" sz="1600" dirty="0">
+                        <a:rPr lang="en-US" sz="1400" dirty="0">
                           <a:solidFill>
-                            <a:schemeClr val="accent2"/>
+                            <a:srgbClr val="1D9EFF"/>
                           </a:solidFill>
                           <a:effectLst/>
                           <a:latin typeface="Consolas" panose="020B0609020204030204" pitchFamily="49" charset="0"/>
-                          <a:ea typeface="Roboto" panose="02000000000000000000" pitchFamily="2" charset="0"/>
-                          <a:cs typeface="Roboto" panose="02000000000000000000" pitchFamily="2" charset="0"/>
                         </a:rPr>
                         <a:t>Deadlines</a:t>
                       </a:r>
+                      <a:endParaRPr lang="en-US" sz="1400" dirty="0">
+                        <a:solidFill>
+                          <a:srgbClr val="1D9EFF"/>
+                        </a:solidFill>
+                        <a:effectLst/>
+                        <a:latin typeface="Consolas" panose="020B0609020204030204" pitchFamily="49" charset="0"/>
+                        <a:ea typeface="Times New Roman" panose="02020603050405020304" pitchFamily="18" charset="0"/>
+                        <a:cs typeface="Times New Roman" panose="02020603050405020304" pitchFamily="18" charset="0"/>
+                      </a:endParaRPr>
                     </a:p>
                   </a:txBody>
                   <a:tcPr marL="68580" marR="68580" marT="0" marB="0" anchor="b">
                     <a:lnL w="12700" cap="flat" cmpd="sng" algn="ctr">
                       <a:solidFill>
-                        <a:schemeClr val="bg2">
-                          <a:lumMod val="25000"/>
+                        <a:schemeClr val="tx1">
+                          <a:lumMod val="75000"/>
+                          <a:lumOff val="25000"/>
                         </a:schemeClr>
                       </a:solidFill>
                       <a:prstDash val="solid"/>
@@ -19639,8 +19698,9 @@
                     </a:lnL>
                     <a:lnR w="12700" cap="flat" cmpd="sng" algn="ctr">
                       <a:solidFill>
-                        <a:schemeClr val="bg2">
-                          <a:lumMod val="25000"/>
+                        <a:schemeClr val="tx1">
+                          <a:lumMod val="75000"/>
+                          <a:lumOff val="25000"/>
                         </a:schemeClr>
                       </a:solidFill>
                       <a:prstDash val="solid"/>
@@ -19650,8 +19710,9 @@
                     </a:lnR>
                     <a:lnT w="12700" cap="flat" cmpd="sng" algn="ctr">
                       <a:solidFill>
-                        <a:schemeClr val="bg2">
-                          <a:lumMod val="25000"/>
+                        <a:schemeClr val="tx1">
+                          <a:lumMod val="75000"/>
+                          <a:lumOff val="25000"/>
                         </a:schemeClr>
                       </a:solidFill>
                       <a:prstDash val="solid"/>
@@ -19661,8 +19722,9 @@
                     </a:lnT>
                     <a:lnB w="12700" cap="flat" cmpd="sng" algn="ctr">
                       <a:solidFill>
-                        <a:schemeClr val="bg2">
-                          <a:lumMod val="25000"/>
+                        <a:schemeClr val="tx1">
+                          <a:lumMod val="75000"/>
+                          <a:lumOff val="25000"/>
                         </a:schemeClr>
                       </a:solidFill>
                       <a:prstDash val="solid"/>
@@ -19674,11 +19736,11 @@
                 </a:tc>
                 <a:extLst>
                   <a:ext uri="{0D108BD9-81ED-4DB2-BD59-A6C34878D82A}">
-                    <a16:rowId xmlns:a16="http://schemas.microsoft.com/office/drawing/2014/main" val="714465302"/>
+                    <a16:rowId xmlns:a16="http://schemas.microsoft.com/office/drawing/2014/main" val="839370677"/>
                   </a:ext>
                 </a:extLst>
               </a:tr>
-              <a:tr h="175895">
+              <a:tr h="248278">
                 <a:tc>
                   <a:txBody>
                     <a:bodyPr/>
@@ -19693,24 +19755,32 @@
                         </a:spcAft>
                       </a:pPr>
                       <a:r>
-                        <a:rPr lang="en-US" sz="1600">
+                        <a:rPr lang="en-US" sz="1400">
                           <a:solidFill>
                             <a:schemeClr val="bg1"/>
                           </a:solidFill>
                           <a:effectLst/>
                           <a:latin typeface="Consolas" panose="020B0609020204030204" pitchFamily="49" charset="0"/>
-                          <a:ea typeface="Roboto" panose="02000000000000000000" pitchFamily="2" charset="0"/>
-                          <a:cs typeface="Roboto" panose="02000000000000000000" pitchFamily="2" charset="0"/>
                         </a:rPr>
                         <a:t>1</a:t>
                       </a:r>
+                      <a:endParaRPr lang="en-US" sz="1400">
+                        <a:solidFill>
+                          <a:schemeClr val="bg1"/>
+                        </a:solidFill>
+                        <a:effectLst/>
+                        <a:latin typeface="Consolas" panose="020B0609020204030204" pitchFamily="49" charset="0"/>
+                        <a:ea typeface="Times New Roman" panose="02020603050405020304" pitchFamily="18" charset="0"/>
+                        <a:cs typeface="Times New Roman" panose="02020603050405020304" pitchFamily="18" charset="0"/>
+                      </a:endParaRPr>
                     </a:p>
                   </a:txBody>
                   <a:tcPr marL="68580" marR="68580" marT="0" marB="0" anchor="b">
                     <a:lnL w="12700" cap="flat" cmpd="sng" algn="ctr">
                       <a:solidFill>
-                        <a:schemeClr val="bg2">
-                          <a:lumMod val="25000"/>
+                        <a:schemeClr val="tx1">
+                          <a:lumMod val="75000"/>
+                          <a:lumOff val="25000"/>
                         </a:schemeClr>
                       </a:solidFill>
                       <a:prstDash val="solid"/>
@@ -19720,8 +19790,9 @@
                     </a:lnL>
                     <a:lnR w="12700" cap="flat" cmpd="sng" algn="ctr">
                       <a:solidFill>
-                        <a:schemeClr val="bg2">
-                          <a:lumMod val="25000"/>
+                        <a:schemeClr val="tx1">
+                          <a:lumMod val="75000"/>
+                          <a:lumOff val="25000"/>
                         </a:schemeClr>
                       </a:solidFill>
                       <a:prstDash val="solid"/>
@@ -19731,8 +19802,9 @@
                     </a:lnR>
                     <a:lnT w="12700" cap="flat" cmpd="sng" algn="ctr">
                       <a:solidFill>
-                        <a:schemeClr val="bg2">
-                          <a:lumMod val="25000"/>
+                        <a:schemeClr val="tx1">
+                          <a:lumMod val="75000"/>
+                          <a:lumOff val="25000"/>
                         </a:schemeClr>
                       </a:solidFill>
                       <a:prstDash val="solid"/>
@@ -19742,8 +19814,9 @@
                     </a:lnT>
                     <a:lnB w="12700" cap="flat" cmpd="sng" algn="ctr">
                       <a:solidFill>
-                        <a:schemeClr val="bg2">
-                          <a:lumMod val="25000"/>
+                        <a:schemeClr val="tx1">
+                          <a:lumMod val="75000"/>
+                          <a:lumOff val="25000"/>
                         </a:schemeClr>
                       </a:solidFill>
                       <a:prstDash val="solid"/>
@@ -19767,24 +19840,32 @@
                         </a:spcAft>
                       </a:pPr>
                       <a:r>
-                        <a:rPr lang="en-US" sz="1600">
+                        <a:rPr lang="en-US" sz="1400">
                           <a:solidFill>
                             <a:schemeClr val="bg1"/>
                           </a:solidFill>
                           <a:effectLst/>
                           <a:latin typeface="Consolas" panose="020B0609020204030204" pitchFamily="49" charset="0"/>
-                          <a:ea typeface="Roboto" panose="02000000000000000000" pitchFamily="2" charset="0"/>
-                          <a:cs typeface="Roboto" panose="02000000000000000000" pitchFamily="2" charset="0"/>
                         </a:rPr>
-                        <a:t>24-Aug</a:t>
+                        <a:t>8-Jan</a:t>
                       </a:r>
+                      <a:endParaRPr lang="en-US" sz="1400">
+                        <a:solidFill>
+                          <a:schemeClr val="bg1"/>
+                        </a:solidFill>
+                        <a:effectLst/>
+                        <a:latin typeface="Consolas" panose="020B0609020204030204" pitchFamily="49" charset="0"/>
+                        <a:ea typeface="Times New Roman" panose="02020603050405020304" pitchFamily="18" charset="0"/>
+                        <a:cs typeface="Times New Roman" panose="02020603050405020304" pitchFamily="18" charset="0"/>
+                      </a:endParaRPr>
                     </a:p>
                   </a:txBody>
-                  <a:tcPr marL="68580" marR="68580" marT="0" marB="0">
+                  <a:tcPr marL="68580" marR="68580" marT="0" marB="0" anchor="b">
                     <a:lnL w="12700" cap="flat" cmpd="sng" algn="ctr">
                       <a:solidFill>
-                        <a:schemeClr val="bg2">
-                          <a:lumMod val="25000"/>
+                        <a:schemeClr val="tx1">
+                          <a:lumMod val="75000"/>
+                          <a:lumOff val="25000"/>
                         </a:schemeClr>
                       </a:solidFill>
                       <a:prstDash val="solid"/>
@@ -19794,8 +19875,9 @@
                     </a:lnL>
                     <a:lnR w="12700" cap="flat" cmpd="sng" algn="ctr">
                       <a:solidFill>
-                        <a:schemeClr val="bg2">
-                          <a:lumMod val="25000"/>
+                        <a:schemeClr val="tx1">
+                          <a:lumMod val="75000"/>
+                          <a:lumOff val="25000"/>
                         </a:schemeClr>
                       </a:solidFill>
                       <a:prstDash val="solid"/>
@@ -19805,8 +19887,9 @@
                     </a:lnR>
                     <a:lnT w="12700" cap="flat" cmpd="sng" algn="ctr">
                       <a:solidFill>
-                        <a:schemeClr val="bg2">
-                          <a:lumMod val="25000"/>
+                        <a:schemeClr val="tx1">
+                          <a:lumMod val="75000"/>
+                          <a:lumOff val="25000"/>
                         </a:schemeClr>
                       </a:solidFill>
                       <a:prstDash val="solid"/>
@@ -19816,8 +19899,9 @@
                     </a:lnT>
                     <a:lnB w="12700" cap="flat" cmpd="sng" algn="ctr">
                       <a:solidFill>
-                        <a:schemeClr val="bg2">
-                          <a:lumMod val="25000"/>
+                        <a:schemeClr val="tx1">
+                          <a:lumMod val="75000"/>
+                          <a:lumOff val="25000"/>
                         </a:schemeClr>
                       </a:solidFill>
                       <a:prstDash val="solid"/>
@@ -19841,24 +19925,32 @@
                         </a:spcAft>
                       </a:pPr>
                       <a:r>
-                        <a:rPr lang="en-US" sz="1600">
+                        <a:rPr lang="en-US" sz="1400">
                           <a:solidFill>
                             <a:schemeClr val="bg1"/>
                           </a:solidFill>
                           <a:effectLst/>
                           <a:latin typeface="Consolas" panose="020B0609020204030204" pitchFamily="49" charset="0"/>
-                          <a:ea typeface="Roboto" panose="02000000000000000000" pitchFamily="2" charset="0"/>
-                          <a:cs typeface="Roboto" panose="02000000000000000000" pitchFamily="2" charset="0"/>
                         </a:rPr>
-                        <a:t>27-Aug</a:t>
+                        <a:t>14-Jan</a:t>
                       </a:r>
+                      <a:endParaRPr lang="en-US" sz="1400">
+                        <a:solidFill>
+                          <a:schemeClr val="bg1"/>
+                        </a:solidFill>
+                        <a:effectLst/>
+                        <a:latin typeface="Consolas" panose="020B0609020204030204" pitchFamily="49" charset="0"/>
+                        <a:ea typeface="Times New Roman" panose="02020603050405020304" pitchFamily="18" charset="0"/>
+                        <a:cs typeface="Times New Roman" panose="02020603050405020304" pitchFamily="18" charset="0"/>
+                      </a:endParaRPr>
                     </a:p>
                   </a:txBody>
-                  <a:tcPr marL="68580" marR="68580" marT="0" marB="0">
+                  <a:tcPr marL="68580" marR="68580" marT="0" marB="0" anchor="b">
                     <a:lnL w="12700" cap="flat" cmpd="sng" algn="ctr">
                       <a:solidFill>
-                        <a:schemeClr val="bg2">
-                          <a:lumMod val="25000"/>
+                        <a:schemeClr val="tx1">
+                          <a:lumMod val="75000"/>
+                          <a:lumOff val="25000"/>
                         </a:schemeClr>
                       </a:solidFill>
                       <a:prstDash val="solid"/>
@@ -19868,8 +19960,9 @@
                     </a:lnL>
                     <a:lnR w="12700" cap="flat" cmpd="sng" algn="ctr">
                       <a:solidFill>
-                        <a:schemeClr val="bg2">
-                          <a:lumMod val="25000"/>
+                        <a:schemeClr val="tx1">
+                          <a:lumMod val="75000"/>
+                          <a:lumOff val="25000"/>
                         </a:schemeClr>
                       </a:solidFill>
                       <a:prstDash val="solid"/>
@@ -19879,8 +19972,9 @@
                     </a:lnR>
                     <a:lnT w="12700" cap="flat" cmpd="sng" algn="ctr">
                       <a:solidFill>
-                        <a:schemeClr val="bg2">
-                          <a:lumMod val="25000"/>
+                        <a:schemeClr val="tx1">
+                          <a:lumMod val="75000"/>
+                          <a:lumOff val="25000"/>
                         </a:schemeClr>
                       </a:solidFill>
                       <a:prstDash val="solid"/>
@@ -19890,8 +19984,9 @@
                     </a:lnT>
                     <a:lnB w="12700" cap="flat" cmpd="sng" algn="ctr">
                       <a:solidFill>
-                        <a:schemeClr val="bg2">
-                          <a:lumMod val="25000"/>
+                        <a:schemeClr val="tx1">
+                          <a:lumMod val="75000"/>
+                          <a:lumOff val="25000"/>
                         </a:schemeClr>
                       </a:solidFill>
                       <a:prstDash val="solid"/>
@@ -19915,24 +20010,32 @@
                         </a:spcAft>
                       </a:pPr>
                       <a:r>
-                        <a:rPr lang="en-US" sz="1600">
+                        <a:rPr lang="en-US" sz="1400">
                           <a:solidFill>
                             <a:schemeClr val="bg1"/>
                           </a:solidFill>
                           <a:effectLst/>
                           <a:latin typeface="Consolas" panose="020B0609020204030204" pitchFamily="49" charset="0"/>
-                          <a:ea typeface="Roboto" panose="02000000000000000000" pitchFamily="2" charset="0"/>
-                          <a:cs typeface="Roboto" panose="02000000000000000000" pitchFamily="2" charset="0"/>
                         </a:rPr>
-                        <a:t>Course Introduction </a:t>
+                        <a:t>Course Introduction/ Algorithm Analysis </a:t>
                       </a:r>
+                      <a:endParaRPr lang="en-US" sz="1400">
+                        <a:solidFill>
+                          <a:schemeClr val="bg1"/>
+                        </a:solidFill>
+                        <a:effectLst/>
+                        <a:latin typeface="Consolas" panose="020B0609020204030204" pitchFamily="49" charset="0"/>
+                        <a:ea typeface="Times New Roman" panose="02020603050405020304" pitchFamily="18" charset="0"/>
+                        <a:cs typeface="Times New Roman" panose="02020603050405020304" pitchFamily="18" charset="0"/>
+                      </a:endParaRPr>
                     </a:p>
                   </a:txBody>
                   <a:tcPr marL="68580" marR="68580" marT="0" marB="0" anchor="b">
                     <a:lnL w="12700" cap="flat" cmpd="sng" algn="ctr">
                       <a:solidFill>
-                        <a:schemeClr val="bg2">
-                          <a:lumMod val="25000"/>
+                        <a:schemeClr val="tx1">
+                          <a:lumMod val="75000"/>
+                          <a:lumOff val="25000"/>
                         </a:schemeClr>
                       </a:solidFill>
                       <a:prstDash val="solid"/>
@@ -19942,8 +20045,9 @@
                     </a:lnL>
                     <a:lnR w="12700" cap="flat" cmpd="sng" algn="ctr">
                       <a:solidFill>
-                        <a:schemeClr val="bg2">
-                          <a:lumMod val="25000"/>
+                        <a:schemeClr val="tx1">
+                          <a:lumMod val="75000"/>
+                          <a:lumOff val="25000"/>
                         </a:schemeClr>
                       </a:solidFill>
                       <a:prstDash val="solid"/>
@@ -19953,8 +20057,9 @@
                     </a:lnR>
                     <a:lnT w="12700" cap="flat" cmpd="sng" algn="ctr">
                       <a:solidFill>
-                        <a:schemeClr val="bg2">
-                          <a:lumMod val="25000"/>
+                        <a:schemeClr val="tx1">
+                          <a:lumMod val="75000"/>
+                          <a:lumOff val="25000"/>
                         </a:schemeClr>
                       </a:solidFill>
                       <a:prstDash val="solid"/>
@@ -19964,8 +20069,9 @@
                     </a:lnT>
                     <a:lnB w="12700" cap="flat" cmpd="sng" algn="ctr">
                       <a:solidFill>
-                        <a:schemeClr val="bg2">
-                          <a:lumMod val="25000"/>
+                        <a:schemeClr val="tx1">
+                          <a:lumMod val="75000"/>
+                          <a:lumOff val="25000"/>
                         </a:schemeClr>
                       </a:solidFill>
                       <a:prstDash val="solid"/>
@@ -19989,24 +20095,32 @@
                         </a:spcAft>
                       </a:pPr>
                       <a:r>
-                        <a:rPr lang="en-US" sz="1600">
+                        <a:rPr lang="en-US" sz="1400">
                           <a:solidFill>
                             <a:schemeClr val="bg1"/>
                           </a:solidFill>
                           <a:effectLst/>
                           <a:latin typeface="Consolas" panose="020B0609020204030204" pitchFamily="49" charset="0"/>
-                          <a:ea typeface="Roboto" panose="02000000000000000000" pitchFamily="2" charset="0"/>
-                          <a:cs typeface="Roboto" panose="02000000000000000000" pitchFamily="2" charset="0"/>
                         </a:rPr>
                         <a:t> </a:t>
                       </a:r>
+                      <a:endParaRPr lang="en-US" sz="1400">
+                        <a:solidFill>
+                          <a:schemeClr val="bg1"/>
+                        </a:solidFill>
+                        <a:effectLst/>
+                        <a:latin typeface="Consolas" panose="020B0609020204030204" pitchFamily="49" charset="0"/>
+                        <a:ea typeface="Times New Roman" panose="02020603050405020304" pitchFamily="18" charset="0"/>
+                        <a:cs typeface="Times New Roman" panose="02020603050405020304" pitchFamily="18" charset="0"/>
+                      </a:endParaRPr>
                     </a:p>
                   </a:txBody>
                   <a:tcPr marL="68580" marR="68580" marT="0" marB="0" anchor="b">
                     <a:lnL w="12700" cap="flat" cmpd="sng" algn="ctr">
                       <a:solidFill>
-                        <a:schemeClr val="bg2">
-                          <a:lumMod val="25000"/>
+                        <a:schemeClr val="tx1">
+                          <a:lumMod val="75000"/>
+                          <a:lumOff val="25000"/>
                         </a:schemeClr>
                       </a:solidFill>
                       <a:prstDash val="solid"/>
@@ -20016,8 +20130,9 @@
                     </a:lnL>
                     <a:lnR w="12700" cap="flat" cmpd="sng" algn="ctr">
                       <a:solidFill>
-                        <a:schemeClr val="bg2">
-                          <a:lumMod val="25000"/>
+                        <a:schemeClr val="tx1">
+                          <a:lumMod val="75000"/>
+                          <a:lumOff val="25000"/>
                         </a:schemeClr>
                       </a:solidFill>
                       <a:prstDash val="solid"/>
@@ -20027,8 +20142,9 @@
                     </a:lnR>
                     <a:lnT w="12700" cap="flat" cmpd="sng" algn="ctr">
                       <a:solidFill>
-                        <a:schemeClr val="bg2">
-                          <a:lumMod val="25000"/>
+                        <a:schemeClr val="tx1">
+                          <a:lumMod val="75000"/>
+                          <a:lumOff val="25000"/>
                         </a:schemeClr>
                       </a:solidFill>
                       <a:prstDash val="solid"/>
@@ -20038,8 +20154,9 @@
                     </a:lnT>
                     <a:lnB w="12700" cap="flat" cmpd="sng" algn="ctr">
                       <a:solidFill>
-                        <a:schemeClr val="bg2">
-                          <a:lumMod val="25000"/>
+                        <a:schemeClr val="tx1">
+                          <a:lumMod val="75000"/>
+                          <a:lumOff val="25000"/>
                         </a:schemeClr>
                       </a:solidFill>
                       <a:prstDash val="solid"/>
@@ -20051,11 +20168,11 @@
                 </a:tc>
                 <a:extLst>
                   <a:ext uri="{0D108BD9-81ED-4DB2-BD59-A6C34878D82A}">
-                    <a16:rowId xmlns:a16="http://schemas.microsoft.com/office/drawing/2014/main" val="1017820881"/>
+                    <a16:rowId xmlns:a16="http://schemas.microsoft.com/office/drawing/2014/main" val="9810315"/>
                   </a:ext>
                 </a:extLst>
               </a:tr>
-              <a:tr h="175895">
+              <a:tr h="248278">
                 <a:tc>
                   <a:txBody>
                     <a:bodyPr/>
@@ -20070,24 +20187,32 @@
                         </a:spcAft>
                       </a:pPr>
                       <a:r>
-                        <a:rPr lang="en-US" sz="1600">
+                        <a:rPr lang="en-US" sz="1400">
                           <a:solidFill>
                             <a:schemeClr val="bg1"/>
                           </a:solidFill>
                           <a:effectLst/>
                           <a:latin typeface="Consolas" panose="020B0609020204030204" pitchFamily="49" charset="0"/>
-                          <a:ea typeface="Roboto" panose="02000000000000000000" pitchFamily="2" charset="0"/>
-                          <a:cs typeface="Roboto" panose="02000000000000000000" pitchFamily="2" charset="0"/>
                         </a:rPr>
                         <a:t>2</a:t>
                       </a:r>
+                      <a:endParaRPr lang="en-US" sz="1400">
+                        <a:solidFill>
+                          <a:schemeClr val="bg1"/>
+                        </a:solidFill>
+                        <a:effectLst/>
+                        <a:latin typeface="Consolas" panose="020B0609020204030204" pitchFamily="49" charset="0"/>
+                        <a:ea typeface="Times New Roman" panose="02020603050405020304" pitchFamily="18" charset="0"/>
+                        <a:cs typeface="Times New Roman" panose="02020603050405020304" pitchFamily="18" charset="0"/>
+                      </a:endParaRPr>
                     </a:p>
                   </a:txBody>
                   <a:tcPr marL="68580" marR="68580" marT="0" marB="0" anchor="b">
                     <a:lnL w="12700" cap="flat" cmpd="sng" algn="ctr">
                       <a:solidFill>
-                        <a:schemeClr val="bg2">
-                          <a:lumMod val="25000"/>
+                        <a:schemeClr val="tx1">
+                          <a:lumMod val="75000"/>
+                          <a:lumOff val="25000"/>
                         </a:schemeClr>
                       </a:solidFill>
                       <a:prstDash val="solid"/>
@@ -20097,8 +20222,9 @@
                     </a:lnL>
                     <a:lnR w="12700" cap="flat" cmpd="sng" algn="ctr">
                       <a:solidFill>
-                        <a:schemeClr val="bg2">
-                          <a:lumMod val="25000"/>
+                        <a:schemeClr val="tx1">
+                          <a:lumMod val="75000"/>
+                          <a:lumOff val="25000"/>
                         </a:schemeClr>
                       </a:solidFill>
                       <a:prstDash val="solid"/>
@@ -20108,8 +20234,9 @@
                     </a:lnR>
                     <a:lnT w="12700" cap="flat" cmpd="sng" algn="ctr">
                       <a:solidFill>
-                        <a:schemeClr val="bg2">
-                          <a:lumMod val="25000"/>
+                        <a:schemeClr val="tx1">
+                          <a:lumMod val="75000"/>
+                          <a:lumOff val="25000"/>
                         </a:schemeClr>
                       </a:solidFill>
                       <a:prstDash val="solid"/>
@@ -20119,8 +20246,9 @@
                     </a:lnT>
                     <a:lnB w="12700" cap="flat" cmpd="sng" algn="ctr">
                       <a:solidFill>
-                        <a:schemeClr val="bg2">
-                          <a:lumMod val="25000"/>
+                        <a:schemeClr val="tx1">
+                          <a:lumMod val="75000"/>
+                          <a:lumOff val="25000"/>
                         </a:schemeClr>
                       </a:solidFill>
                       <a:prstDash val="solid"/>
@@ -20144,24 +20272,32 @@
                         </a:spcAft>
                       </a:pPr>
                       <a:r>
-                        <a:rPr lang="en-US" sz="1600">
+                        <a:rPr lang="en-US" sz="1400">
                           <a:solidFill>
                             <a:schemeClr val="bg1"/>
                           </a:solidFill>
                           <a:effectLst/>
                           <a:latin typeface="Consolas" panose="020B0609020204030204" pitchFamily="49" charset="0"/>
-                          <a:ea typeface="Roboto" panose="02000000000000000000" pitchFamily="2" charset="0"/>
-                          <a:cs typeface="Roboto" panose="02000000000000000000" pitchFamily="2" charset="0"/>
                         </a:rPr>
-                        <a:t>28-Aug</a:t>
+                        <a:t>15-Jan</a:t>
                       </a:r>
+                      <a:endParaRPr lang="en-US" sz="1400">
+                        <a:solidFill>
+                          <a:schemeClr val="bg1"/>
+                        </a:solidFill>
+                        <a:effectLst/>
+                        <a:latin typeface="Consolas" panose="020B0609020204030204" pitchFamily="49" charset="0"/>
+                        <a:ea typeface="Times New Roman" panose="02020603050405020304" pitchFamily="18" charset="0"/>
+                        <a:cs typeface="Times New Roman" panose="02020603050405020304" pitchFamily="18" charset="0"/>
+                      </a:endParaRPr>
                     </a:p>
                   </a:txBody>
-                  <a:tcPr marL="68580" marR="68580" marT="0" marB="0">
+                  <a:tcPr marL="68580" marR="68580" marT="0" marB="0" anchor="b">
                     <a:lnL w="12700" cap="flat" cmpd="sng" algn="ctr">
                       <a:solidFill>
-                        <a:schemeClr val="bg2">
-                          <a:lumMod val="25000"/>
+                        <a:schemeClr val="tx1">
+                          <a:lumMod val="75000"/>
+                          <a:lumOff val="25000"/>
                         </a:schemeClr>
                       </a:solidFill>
                       <a:prstDash val="solid"/>
@@ -20171,8 +20307,9 @@
                     </a:lnL>
                     <a:lnR w="12700" cap="flat" cmpd="sng" algn="ctr">
                       <a:solidFill>
-                        <a:schemeClr val="bg2">
-                          <a:lumMod val="25000"/>
+                        <a:schemeClr val="tx1">
+                          <a:lumMod val="75000"/>
+                          <a:lumOff val="25000"/>
                         </a:schemeClr>
                       </a:solidFill>
                       <a:prstDash val="solid"/>
@@ -20182,8 +20319,9 @@
                     </a:lnR>
                     <a:lnT w="12700" cap="flat" cmpd="sng" algn="ctr">
                       <a:solidFill>
-                        <a:schemeClr val="bg2">
-                          <a:lumMod val="25000"/>
+                        <a:schemeClr val="tx1">
+                          <a:lumMod val="75000"/>
+                          <a:lumOff val="25000"/>
                         </a:schemeClr>
                       </a:solidFill>
                       <a:prstDash val="solid"/>
@@ -20193,8 +20331,9 @@
                     </a:lnT>
                     <a:lnB w="12700" cap="flat" cmpd="sng" algn="ctr">
                       <a:solidFill>
-                        <a:schemeClr val="bg2">
-                          <a:lumMod val="25000"/>
+                        <a:schemeClr val="tx1">
+                          <a:lumMod val="75000"/>
+                          <a:lumOff val="25000"/>
                         </a:schemeClr>
                       </a:solidFill>
                       <a:prstDash val="solid"/>
@@ -20218,24 +20357,32 @@
                         </a:spcAft>
                       </a:pPr>
                       <a:r>
-                        <a:rPr lang="en-US" sz="1600">
+                        <a:rPr lang="en-US" sz="1400">
                           <a:solidFill>
                             <a:schemeClr val="bg1"/>
                           </a:solidFill>
                           <a:effectLst/>
                           <a:latin typeface="Consolas" panose="020B0609020204030204" pitchFamily="49" charset="0"/>
-                          <a:ea typeface="Roboto" panose="02000000000000000000" pitchFamily="2" charset="0"/>
-                          <a:cs typeface="Roboto" panose="02000000000000000000" pitchFamily="2" charset="0"/>
                         </a:rPr>
-                        <a:t>3-Sep</a:t>
+                        <a:t>21-Jan</a:t>
                       </a:r>
+                      <a:endParaRPr lang="en-US" sz="1400">
+                        <a:solidFill>
+                          <a:schemeClr val="bg1"/>
+                        </a:solidFill>
+                        <a:effectLst/>
+                        <a:latin typeface="Consolas" panose="020B0609020204030204" pitchFamily="49" charset="0"/>
+                        <a:ea typeface="Times New Roman" panose="02020603050405020304" pitchFamily="18" charset="0"/>
+                        <a:cs typeface="Times New Roman" panose="02020603050405020304" pitchFamily="18" charset="0"/>
+                      </a:endParaRPr>
                     </a:p>
                   </a:txBody>
-                  <a:tcPr marL="68580" marR="68580" marT="0" marB="0">
+                  <a:tcPr marL="68580" marR="68580" marT="0" marB="0" anchor="b">
                     <a:lnL w="12700" cap="flat" cmpd="sng" algn="ctr">
                       <a:solidFill>
-                        <a:schemeClr val="bg2">
-                          <a:lumMod val="25000"/>
+                        <a:schemeClr val="tx1">
+                          <a:lumMod val="75000"/>
+                          <a:lumOff val="25000"/>
                         </a:schemeClr>
                       </a:solidFill>
                       <a:prstDash val="solid"/>
@@ -20245,8 +20392,9 @@
                     </a:lnL>
                     <a:lnR w="12700" cap="flat" cmpd="sng" algn="ctr">
                       <a:solidFill>
-                        <a:schemeClr val="bg2">
-                          <a:lumMod val="25000"/>
+                        <a:schemeClr val="tx1">
+                          <a:lumMod val="75000"/>
+                          <a:lumOff val="25000"/>
                         </a:schemeClr>
                       </a:solidFill>
                       <a:prstDash val="solid"/>
@@ -20256,8 +20404,9 @@
                     </a:lnR>
                     <a:lnT w="12700" cap="flat" cmpd="sng" algn="ctr">
                       <a:solidFill>
-                        <a:schemeClr val="bg2">
-                          <a:lumMod val="25000"/>
+                        <a:schemeClr val="tx1">
+                          <a:lumMod val="75000"/>
+                          <a:lumOff val="25000"/>
                         </a:schemeClr>
                       </a:solidFill>
                       <a:prstDash val="solid"/>
@@ -20267,8 +20416,9 @@
                     </a:lnT>
                     <a:lnB w="12700" cap="flat" cmpd="sng" algn="ctr">
                       <a:solidFill>
-                        <a:schemeClr val="bg2">
-                          <a:lumMod val="25000"/>
+                        <a:schemeClr val="tx1">
+                          <a:lumMod val="75000"/>
+                          <a:lumOff val="25000"/>
                         </a:schemeClr>
                       </a:solidFill>
                       <a:prstDash val="solid"/>
@@ -20292,24 +20442,32 @@
                         </a:spcAft>
                       </a:pPr>
                       <a:r>
-                        <a:rPr lang="en-US" sz="1600">
+                        <a:rPr lang="en-US" sz="1400">
                           <a:solidFill>
                             <a:schemeClr val="bg1"/>
                           </a:solidFill>
                           <a:effectLst/>
                           <a:latin typeface="Consolas" panose="020B0609020204030204" pitchFamily="49" charset="0"/>
-                          <a:ea typeface="Roboto" panose="02000000000000000000" pitchFamily="2" charset="0"/>
-                          <a:cs typeface="Roboto" panose="02000000000000000000" pitchFamily="2" charset="0"/>
                         </a:rPr>
-                        <a:t>Algorithm Analysis</a:t>
+                        <a:t>List, Stacks, &amp; Queues</a:t>
                       </a:r>
+                      <a:endParaRPr lang="en-US" sz="1400">
+                        <a:solidFill>
+                          <a:schemeClr val="bg1"/>
+                        </a:solidFill>
+                        <a:effectLst/>
+                        <a:latin typeface="Consolas" panose="020B0609020204030204" pitchFamily="49" charset="0"/>
+                        <a:ea typeface="Times New Roman" panose="02020603050405020304" pitchFamily="18" charset="0"/>
+                        <a:cs typeface="Times New Roman" panose="02020603050405020304" pitchFamily="18" charset="0"/>
+                      </a:endParaRPr>
                     </a:p>
                   </a:txBody>
                   <a:tcPr marL="68580" marR="68580" marT="0" marB="0" anchor="b">
                     <a:lnL w="12700" cap="flat" cmpd="sng" algn="ctr">
                       <a:solidFill>
-                        <a:schemeClr val="bg2">
-                          <a:lumMod val="25000"/>
+                        <a:schemeClr val="tx1">
+                          <a:lumMod val="75000"/>
+                          <a:lumOff val="25000"/>
                         </a:schemeClr>
                       </a:solidFill>
                       <a:prstDash val="solid"/>
@@ -20319,8 +20477,9 @@
                     </a:lnL>
                     <a:lnR w="12700" cap="flat" cmpd="sng" algn="ctr">
                       <a:solidFill>
-                        <a:schemeClr val="bg2">
-                          <a:lumMod val="25000"/>
+                        <a:schemeClr val="tx1">
+                          <a:lumMod val="75000"/>
+                          <a:lumOff val="25000"/>
                         </a:schemeClr>
                       </a:solidFill>
                       <a:prstDash val="solid"/>
@@ -20330,8 +20489,9 @@
                     </a:lnR>
                     <a:lnT w="12700" cap="flat" cmpd="sng" algn="ctr">
                       <a:solidFill>
-                        <a:schemeClr val="bg2">
-                          <a:lumMod val="25000"/>
+                        <a:schemeClr val="tx1">
+                          <a:lumMod val="75000"/>
+                          <a:lumOff val="25000"/>
                         </a:schemeClr>
                       </a:solidFill>
                       <a:prstDash val="solid"/>
@@ -20341,8 +20501,9 @@
                     </a:lnT>
                     <a:lnB w="12700" cap="flat" cmpd="sng" algn="ctr">
                       <a:solidFill>
-                        <a:schemeClr val="bg2">
-                          <a:lumMod val="25000"/>
+                        <a:schemeClr val="tx1">
+                          <a:lumMod val="75000"/>
+                          <a:lumOff val="25000"/>
                         </a:schemeClr>
                       </a:solidFill>
                       <a:prstDash val="solid"/>
@@ -20366,69 +20527,62 @@
                         </a:spcAft>
                       </a:pPr>
                       <a:r>
-                        <a:rPr lang="en-US" sz="1600">
+                        <a:rPr lang="en-US" sz="1400">
                           <a:solidFill>
                             <a:schemeClr val="bg1"/>
                           </a:solidFill>
                           <a:effectLst/>
                           <a:latin typeface="Consolas" panose="020B0609020204030204" pitchFamily="49" charset="0"/>
-                          <a:ea typeface="Roboto" panose="02000000000000000000" pitchFamily="2" charset="0"/>
-                          <a:cs typeface="Roboto" panose="02000000000000000000" pitchFamily="2" charset="0"/>
                         </a:rPr>
                         <a:t>Q</a:t>
                       </a:r>
                       <a:r>
-                        <a:rPr lang="en-US" sz="1600" baseline="-25000">
+                        <a:rPr lang="en-US" sz="1400" baseline="-25000">
                           <a:solidFill>
                             <a:schemeClr val="bg1"/>
                           </a:solidFill>
                           <a:effectLst/>
                           <a:latin typeface="Consolas" panose="020B0609020204030204" pitchFamily="49" charset="0"/>
-                          <a:ea typeface="Roboto" panose="02000000000000000000" pitchFamily="2" charset="0"/>
-                          <a:cs typeface="Roboto" panose="02000000000000000000" pitchFamily="2" charset="0"/>
                         </a:rPr>
                         <a:t>1, </a:t>
                       </a:r>
                       <a:r>
-                        <a:rPr lang="en-US" sz="1600">
+                        <a:rPr lang="en-US" sz="1400">
                           <a:solidFill>
                             <a:schemeClr val="bg1"/>
                           </a:solidFill>
                           <a:effectLst/>
                           <a:latin typeface="Consolas" panose="020B0609020204030204" pitchFamily="49" charset="0"/>
-                          <a:ea typeface="Roboto" panose="02000000000000000000" pitchFamily="2" charset="0"/>
-                          <a:cs typeface="Roboto" panose="02000000000000000000" pitchFamily="2" charset="0"/>
                         </a:rPr>
                         <a:t>Q</a:t>
                       </a:r>
                       <a:r>
-                        <a:rPr lang="en-US" sz="1600" baseline="-25000">
+                        <a:rPr lang="en-US" sz="1400" baseline="-25000">
                           <a:solidFill>
                             <a:schemeClr val="bg1"/>
                           </a:solidFill>
                           <a:effectLst/>
                           <a:latin typeface="Consolas" panose="020B0609020204030204" pitchFamily="49" charset="0"/>
-                          <a:ea typeface="Roboto" panose="02000000000000000000" pitchFamily="2" charset="0"/>
-                          <a:cs typeface="Roboto" panose="02000000000000000000" pitchFamily="2" charset="0"/>
                         </a:rPr>
                         <a:t>2</a:t>
                       </a:r>
-                      <a:endParaRPr lang="en-US" sz="1600">
+                      <a:endParaRPr lang="en-US" sz="1400">
                         <a:solidFill>
                           <a:schemeClr val="bg1"/>
                         </a:solidFill>
                         <a:effectLst/>
                         <a:latin typeface="Consolas" panose="020B0609020204030204" pitchFamily="49" charset="0"/>
-                        <a:ea typeface="Roboto" panose="02000000000000000000" pitchFamily="2" charset="0"/>
-                        <a:cs typeface="Roboto" panose="02000000000000000000" pitchFamily="2" charset="0"/>
+                        <a:ea typeface="Times New Roman" panose="02020603050405020304" pitchFamily="18" charset="0"/>
+                        <a:cs typeface="Times New Roman" panose="02020603050405020304" pitchFamily="18" charset="0"/>
                       </a:endParaRPr>
                     </a:p>
                   </a:txBody>
                   <a:tcPr marL="68580" marR="68580" marT="0" marB="0" anchor="b">
                     <a:lnL w="12700" cap="flat" cmpd="sng" algn="ctr">
                       <a:solidFill>
-                        <a:schemeClr val="bg2">
-                          <a:lumMod val="25000"/>
+                        <a:schemeClr val="tx1">
+                          <a:lumMod val="75000"/>
+                          <a:lumOff val="25000"/>
                         </a:schemeClr>
                       </a:solidFill>
                       <a:prstDash val="solid"/>
@@ -20438,8 +20592,9 @@
                     </a:lnL>
                     <a:lnR w="12700" cap="flat" cmpd="sng" algn="ctr">
                       <a:solidFill>
-                        <a:schemeClr val="bg2">
-                          <a:lumMod val="25000"/>
+                        <a:schemeClr val="tx1">
+                          <a:lumMod val="75000"/>
+                          <a:lumOff val="25000"/>
                         </a:schemeClr>
                       </a:solidFill>
                       <a:prstDash val="solid"/>
@@ -20449,8 +20604,9 @@
                     </a:lnR>
                     <a:lnT w="12700" cap="flat" cmpd="sng" algn="ctr">
                       <a:solidFill>
-                        <a:schemeClr val="bg2">
-                          <a:lumMod val="25000"/>
+                        <a:schemeClr val="tx1">
+                          <a:lumMod val="75000"/>
+                          <a:lumOff val="25000"/>
                         </a:schemeClr>
                       </a:solidFill>
                       <a:prstDash val="solid"/>
@@ -20460,8 +20616,9 @@
                     </a:lnT>
                     <a:lnB w="12700" cap="flat" cmpd="sng" algn="ctr">
                       <a:solidFill>
-                        <a:schemeClr val="bg2">
-                          <a:lumMod val="25000"/>
+                        <a:schemeClr val="tx1">
+                          <a:lumMod val="75000"/>
+                          <a:lumOff val="25000"/>
                         </a:schemeClr>
                       </a:solidFill>
                       <a:prstDash val="solid"/>
@@ -20473,11 +20630,11 @@
                 </a:tc>
                 <a:extLst>
                   <a:ext uri="{0D108BD9-81ED-4DB2-BD59-A6C34878D82A}">
-                    <a16:rowId xmlns:a16="http://schemas.microsoft.com/office/drawing/2014/main" val="3446051475"/>
+                    <a16:rowId xmlns:a16="http://schemas.microsoft.com/office/drawing/2014/main" val="3411133948"/>
                   </a:ext>
                 </a:extLst>
               </a:tr>
-              <a:tr h="175895">
+              <a:tr h="248278">
                 <a:tc>
                   <a:txBody>
                     <a:bodyPr/>
@@ -20492,24 +20649,32 @@
                         </a:spcAft>
                       </a:pPr>
                       <a:r>
-                        <a:rPr lang="en-US" sz="1600">
+                        <a:rPr lang="en-US" sz="1400">
                           <a:solidFill>
                             <a:schemeClr val="bg1"/>
                           </a:solidFill>
                           <a:effectLst/>
                           <a:latin typeface="Consolas" panose="020B0609020204030204" pitchFamily="49" charset="0"/>
-                          <a:ea typeface="Roboto" panose="02000000000000000000" pitchFamily="2" charset="0"/>
-                          <a:cs typeface="Roboto" panose="02000000000000000000" pitchFamily="2" charset="0"/>
                         </a:rPr>
                         <a:t>3</a:t>
                       </a:r>
+                      <a:endParaRPr lang="en-US" sz="1400">
+                        <a:solidFill>
+                          <a:schemeClr val="bg1"/>
+                        </a:solidFill>
+                        <a:effectLst/>
+                        <a:latin typeface="Consolas" panose="020B0609020204030204" pitchFamily="49" charset="0"/>
+                        <a:ea typeface="Times New Roman" panose="02020603050405020304" pitchFamily="18" charset="0"/>
+                        <a:cs typeface="Times New Roman" panose="02020603050405020304" pitchFamily="18" charset="0"/>
+                      </a:endParaRPr>
                     </a:p>
                   </a:txBody>
                   <a:tcPr marL="68580" marR="68580" marT="0" marB="0" anchor="b">
                     <a:lnL w="12700" cap="flat" cmpd="sng" algn="ctr">
                       <a:solidFill>
-                        <a:schemeClr val="bg2">
-                          <a:lumMod val="25000"/>
+                        <a:schemeClr val="tx1">
+                          <a:lumMod val="75000"/>
+                          <a:lumOff val="25000"/>
                         </a:schemeClr>
                       </a:solidFill>
                       <a:prstDash val="solid"/>
@@ -20519,8 +20684,9 @@
                     </a:lnL>
                     <a:lnR w="12700" cap="flat" cmpd="sng" algn="ctr">
                       <a:solidFill>
-                        <a:schemeClr val="bg2">
-                          <a:lumMod val="25000"/>
+                        <a:schemeClr val="tx1">
+                          <a:lumMod val="75000"/>
+                          <a:lumOff val="25000"/>
                         </a:schemeClr>
                       </a:solidFill>
                       <a:prstDash val="solid"/>
@@ -20530,8 +20696,9 @@
                     </a:lnR>
                     <a:lnT w="12700" cap="flat" cmpd="sng" algn="ctr">
                       <a:solidFill>
-                        <a:schemeClr val="bg2">
-                          <a:lumMod val="25000"/>
+                        <a:schemeClr val="tx1">
+                          <a:lumMod val="75000"/>
+                          <a:lumOff val="25000"/>
                         </a:schemeClr>
                       </a:solidFill>
                       <a:prstDash val="solid"/>
@@ -20541,8 +20708,9 @@
                     </a:lnT>
                     <a:lnB w="12700" cap="flat" cmpd="sng" algn="ctr">
                       <a:solidFill>
-                        <a:schemeClr val="bg2">
-                          <a:lumMod val="25000"/>
+                        <a:schemeClr val="tx1">
+                          <a:lumMod val="75000"/>
+                          <a:lumOff val="25000"/>
                         </a:schemeClr>
                       </a:solidFill>
                       <a:prstDash val="solid"/>
@@ -20566,24 +20734,32 @@
                         </a:spcAft>
                       </a:pPr>
                       <a:r>
-                        <a:rPr lang="en-US" sz="1600">
+                        <a:rPr lang="en-US" sz="1400">
                           <a:solidFill>
                             <a:schemeClr val="bg1"/>
                           </a:solidFill>
                           <a:effectLst/>
                           <a:latin typeface="Consolas" panose="020B0609020204030204" pitchFamily="49" charset="0"/>
-                          <a:ea typeface="Roboto" panose="02000000000000000000" pitchFamily="2" charset="0"/>
-                          <a:cs typeface="Roboto" panose="02000000000000000000" pitchFamily="2" charset="0"/>
                         </a:rPr>
-                        <a:t>4-Sep</a:t>
+                        <a:t>22-Jan</a:t>
                       </a:r>
+                      <a:endParaRPr lang="en-US" sz="1400">
+                        <a:solidFill>
+                          <a:schemeClr val="bg1"/>
+                        </a:solidFill>
+                        <a:effectLst/>
+                        <a:latin typeface="Consolas" panose="020B0609020204030204" pitchFamily="49" charset="0"/>
+                        <a:ea typeface="Times New Roman" panose="02020603050405020304" pitchFamily="18" charset="0"/>
+                        <a:cs typeface="Times New Roman" panose="02020603050405020304" pitchFamily="18" charset="0"/>
+                      </a:endParaRPr>
                     </a:p>
                   </a:txBody>
-                  <a:tcPr marL="68580" marR="68580" marT="0" marB="0">
+                  <a:tcPr marL="68580" marR="68580" marT="0" marB="0" anchor="b">
                     <a:lnL w="12700" cap="flat" cmpd="sng" algn="ctr">
                       <a:solidFill>
-                        <a:schemeClr val="bg2">
-                          <a:lumMod val="25000"/>
+                        <a:schemeClr val="tx1">
+                          <a:lumMod val="75000"/>
+                          <a:lumOff val="25000"/>
                         </a:schemeClr>
                       </a:solidFill>
                       <a:prstDash val="solid"/>
@@ -20593,8 +20769,9 @@
                     </a:lnL>
                     <a:lnR w="12700" cap="flat" cmpd="sng" algn="ctr">
                       <a:solidFill>
-                        <a:schemeClr val="bg2">
-                          <a:lumMod val="25000"/>
+                        <a:schemeClr val="tx1">
+                          <a:lumMod val="75000"/>
+                          <a:lumOff val="25000"/>
                         </a:schemeClr>
                       </a:solidFill>
                       <a:prstDash val="solid"/>
@@ -20604,8 +20781,9 @@
                     </a:lnR>
                     <a:lnT w="12700" cap="flat" cmpd="sng" algn="ctr">
                       <a:solidFill>
-                        <a:schemeClr val="bg2">
-                          <a:lumMod val="25000"/>
+                        <a:schemeClr val="tx1">
+                          <a:lumMod val="75000"/>
+                          <a:lumOff val="25000"/>
                         </a:schemeClr>
                       </a:solidFill>
                       <a:prstDash val="solid"/>
@@ -20615,8 +20793,9 @@
                     </a:lnT>
                     <a:lnB w="12700" cap="flat" cmpd="sng" algn="ctr">
                       <a:solidFill>
-                        <a:schemeClr val="bg2">
-                          <a:lumMod val="25000"/>
+                        <a:schemeClr val="tx1">
+                          <a:lumMod val="75000"/>
+                          <a:lumOff val="25000"/>
                         </a:schemeClr>
                       </a:solidFill>
                       <a:prstDash val="solid"/>
@@ -20640,24 +20819,32 @@
                         </a:spcAft>
                       </a:pPr>
                       <a:r>
-                        <a:rPr lang="en-US" sz="1600">
+                        <a:rPr lang="en-US" sz="1400">
                           <a:solidFill>
                             <a:schemeClr val="bg1"/>
                           </a:solidFill>
                           <a:effectLst/>
                           <a:latin typeface="Consolas" panose="020B0609020204030204" pitchFamily="49" charset="0"/>
-                          <a:ea typeface="Roboto" panose="02000000000000000000" pitchFamily="2" charset="0"/>
-                          <a:cs typeface="Roboto" panose="02000000000000000000" pitchFamily="2" charset="0"/>
                         </a:rPr>
-                        <a:t>10-Sep</a:t>
+                        <a:t>28-Jan</a:t>
                       </a:r>
+                      <a:endParaRPr lang="en-US" sz="1400">
+                        <a:solidFill>
+                          <a:schemeClr val="bg1"/>
+                        </a:solidFill>
+                        <a:effectLst/>
+                        <a:latin typeface="Consolas" panose="020B0609020204030204" pitchFamily="49" charset="0"/>
+                        <a:ea typeface="Times New Roman" panose="02020603050405020304" pitchFamily="18" charset="0"/>
+                        <a:cs typeface="Times New Roman" panose="02020603050405020304" pitchFamily="18" charset="0"/>
+                      </a:endParaRPr>
                     </a:p>
                   </a:txBody>
-                  <a:tcPr marL="68580" marR="68580" marT="0" marB="0">
+                  <a:tcPr marL="68580" marR="68580" marT="0" marB="0" anchor="b">
                     <a:lnL w="12700" cap="flat" cmpd="sng" algn="ctr">
                       <a:solidFill>
-                        <a:schemeClr val="bg2">
-                          <a:lumMod val="25000"/>
+                        <a:schemeClr val="tx1">
+                          <a:lumMod val="75000"/>
+                          <a:lumOff val="25000"/>
                         </a:schemeClr>
                       </a:solidFill>
                       <a:prstDash val="solid"/>
@@ -20667,8 +20854,9 @@
                     </a:lnL>
                     <a:lnR w="12700" cap="flat" cmpd="sng" algn="ctr">
                       <a:solidFill>
-                        <a:schemeClr val="bg2">
-                          <a:lumMod val="25000"/>
+                        <a:schemeClr val="tx1">
+                          <a:lumMod val="75000"/>
+                          <a:lumOff val="25000"/>
                         </a:schemeClr>
                       </a:solidFill>
                       <a:prstDash val="solid"/>
@@ -20678,8 +20866,9 @@
                     </a:lnR>
                     <a:lnT w="12700" cap="flat" cmpd="sng" algn="ctr">
                       <a:solidFill>
-                        <a:schemeClr val="bg2">
-                          <a:lumMod val="25000"/>
+                        <a:schemeClr val="tx1">
+                          <a:lumMod val="75000"/>
+                          <a:lumOff val="25000"/>
                         </a:schemeClr>
                       </a:solidFill>
                       <a:prstDash val="solid"/>
@@ -20689,8 +20878,9 @@
                     </a:lnT>
                     <a:lnB w="12700" cap="flat" cmpd="sng" algn="ctr">
                       <a:solidFill>
-                        <a:schemeClr val="bg2">
-                          <a:lumMod val="25000"/>
+                        <a:schemeClr val="tx1">
+                          <a:lumMod val="75000"/>
+                          <a:lumOff val="25000"/>
                         </a:schemeClr>
                       </a:solidFill>
                       <a:prstDash val="solid"/>
@@ -20714,24 +20904,32 @@
                         </a:spcAft>
                       </a:pPr>
                       <a:r>
-                        <a:rPr lang="en-US" sz="1600">
+                        <a:rPr lang="en-US" sz="1400">
                           <a:solidFill>
                             <a:schemeClr val="bg1"/>
                           </a:solidFill>
                           <a:effectLst/>
                           <a:latin typeface="Consolas" panose="020B0609020204030204" pitchFamily="49" charset="0"/>
-                          <a:ea typeface="Roboto" panose="02000000000000000000" pitchFamily="2" charset="0"/>
-                          <a:cs typeface="Roboto" panose="02000000000000000000" pitchFamily="2" charset="0"/>
                         </a:rPr>
-                        <a:t>List, Stacks, &amp; Queues</a:t>
+                        <a:t>Trees &amp; Traversals</a:t>
                       </a:r>
+                      <a:endParaRPr lang="en-US" sz="1400">
+                        <a:solidFill>
+                          <a:schemeClr val="bg1"/>
+                        </a:solidFill>
+                        <a:effectLst/>
+                        <a:latin typeface="Consolas" panose="020B0609020204030204" pitchFamily="49" charset="0"/>
+                        <a:ea typeface="Times New Roman" panose="02020603050405020304" pitchFamily="18" charset="0"/>
+                        <a:cs typeface="Times New Roman" panose="02020603050405020304" pitchFamily="18" charset="0"/>
+                      </a:endParaRPr>
                     </a:p>
                   </a:txBody>
                   <a:tcPr marL="68580" marR="68580" marT="0" marB="0" anchor="b">
                     <a:lnL w="12700" cap="flat" cmpd="sng" algn="ctr">
                       <a:solidFill>
-                        <a:schemeClr val="bg2">
-                          <a:lumMod val="25000"/>
+                        <a:schemeClr val="tx1">
+                          <a:lumMod val="75000"/>
+                          <a:lumOff val="25000"/>
                         </a:schemeClr>
                       </a:solidFill>
                       <a:prstDash val="solid"/>
@@ -20741,8 +20939,9 @@
                     </a:lnL>
                     <a:lnR w="12700" cap="flat" cmpd="sng" algn="ctr">
                       <a:solidFill>
-                        <a:schemeClr val="bg2">
-                          <a:lumMod val="25000"/>
+                        <a:schemeClr val="tx1">
+                          <a:lumMod val="75000"/>
+                          <a:lumOff val="25000"/>
                         </a:schemeClr>
                       </a:solidFill>
                       <a:prstDash val="solid"/>
@@ -20752,8 +20951,9 @@
                     </a:lnR>
                     <a:lnT w="12700" cap="flat" cmpd="sng" algn="ctr">
                       <a:solidFill>
-                        <a:schemeClr val="bg2">
-                          <a:lumMod val="25000"/>
+                        <a:schemeClr val="tx1">
+                          <a:lumMod val="75000"/>
+                          <a:lumOff val="25000"/>
                         </a:schemeClr>
                       </a:solidFill>
                       <a:prstDash val="solid"/>
@@ -20763,8 +20963,9 @@
                     </a:lnT>
                     <a:lnB w="12700" cap="flat" cmpd="sng" algn="ctr">
                       <a:solidFill>
-                        <a:schemeClr val="bg2">
-                          <a:lumMod val="25000"/>
+                        <a:schemeClr val="tx1">
+                          <a:lumMod val="75000"/>
+                          <a:lumOff val="25000"/>
                         </a:schemeClr>
                       </a:solidFill>
                       <a:prstDash val="solid"/>
@@ -20788,45 +20989,42 @@
                         </a:spcAft>
                       </a:pPr>
                       <a:r>
-                        <a:rPr lang="en-US" sz="1600">
+                        <a:rPr lang="en-US" sz="1400">
                           <a:solidFill>
                             <a:schemeClr val="bg1"/>
                           </a:solidFill>
                           <a:effectLst/>
                           <a:latin typeface="Consolas" panose="020B0609020204030204" pitchFamily="49" charset="0"/>
-                          <a:ea typeface="Roboto" panose="02000000000000000000" pitchFamily="2" charset="0"/>
-                          <a:cs typeface="Roboto" panose="02000000000000000000" pitchFamily="2" charset="0"/>
                         </a:rPr>
                         <a:t>Q</a:t>
                       </a:r>
                       <a:r>
-                        <a:rPr lang="en-US" sz="1600" baseline="-25000">
+                        <a:rPr lang="en-US" sz="1400" baseline="-25000">
                           <a:solidFill>
                             <a:schemeClr val="bg1"/>
                           </a:solidFill>
                           <a:effectLst/>
                           <a:latin typeface="Consolas" panose="020B0609020204030204" pitchFamily="49" charset="0"/>
-                          <a:ea typeface="Roboto" panose="02000000000000000000" pitchFamily="2" charset="0"/>
-                          <a:cs typeface="Roboto" panose="02000000000000000000" pitchFamily="2" charset="0"/>
                         </a:rPr>
                         <a:t>3</a:t>
                       </a:r>
-                      <a:endParaRPr lang="en-US" sz="1600">
+                      <a:endParaRPr lang="en-US" sz="1400">
                         <a:solidFill>
                           <a:schemeClr val="bg1"/>
                         </a:solidFill>
                         <a:effectLst/>
                         <a:latin typeface="Consolas" panose="020B0609020204030204" pitchFamily="49" charset="0"/>
-                        <a:ea typeface="Roboto" panose="02000000000000000000" pitchFamily="2" charset="0"/>
-                        <a:cs typeface="Roboto" panose="02000000000000000000" pitchFamily="2" charset="0"/>
+                        <a:ea typeface="Times New Roman" panose="02020603050405020304" pitchFamily="18" charset="0"/>
+                        <a:cs typeface="Times New Roman" panose="02020603050405020304" pitchFamily="18" charset="0"/>
                       </a:endParaRPr>
                     </a:p>
                   </a:txBody>
                   <a:tcPr marL="68580" marR="68580" marT="0" marB="0" anchor="b">
                     <a:lnL w="12700" cap="flat" cmpd="sng" algn="ctr">
                       <a:solidFill>
-                        <a:schemeClr val="bg2">
-                          <a:lumMod val="25000"/>
+                        <a:schemeClr val="tx1">
+                          <a:lumMod val="75000"/>
+                          <a:lumOff val="25000"/>
                         </a:schemeClr>
                       </a:solidFill>
                       <a:prstDash val="solid"/>
@@ -20836,8 +21034,9 @@
                     </a:lnL>
                     <a:lnR w="12700" cap="flat" cmpd="sng" algn="ctr">
                       <a:solidFill>
-                        <a:schemeClr val="bg2">
-                          <a:lumMod val="25000"/>
+                        <a:schemeClr val="tx1">
+                          <a:lumMod val="75000"/>
+                          <a:lumOff val="25000"/>
                         </a:schemeClr>
                       </a:solidFill>
                       <a:prstDash val="solid"/>
@@ -20847,8 +21046,9 @@
                     </a:lnR>
                     <a:lnT w="12700" cap="flat" cmpd="sng" algn="ctr">
                       <a:solidFill>
-                        <a:schemeClr val="bg2">
-                          <a:lumMod val="25000"/>
+                        <a:schemeClr val="tx1">
+                          <a:lumMod val="75000"/>
+                          <a:lumOff val="25000"/>
                         </a:schemeClr>
                       </a:solidFill>
                       <a:prstDash val="solid"/>
@@ -20858,8 +21058,9 @@
                     </a:lnT>
                     <a:lnB w="12700" cap="flat" cmpd="sng" algn="ctr">
                       <a:solidFill>
-                        <a:schemeClr val="bg2">
-                          <a:lumMod val="25000"/>
+                        <a:schemeClr val="tx1">
+                          <a:lumMod val="75000"/>
+                          <a:lumOff val="25000"/>
                         </a:schemeClr>
                       </a:solidFill>
                       <a:prstDash val="solid"/>
@@ -20871,11 +21072,11 @@
                 </a:tc>
                 <a:extLst>
                   <a:ext uri="{0D108BD9-81ED-4DB2-BD59-A6C34878D82A}">
-                    <a16:rowId xmlns:a16="http://schemas.microsoft.com/office/drawing/2014/main" val="3764214259"/>
+                    <a16:rowId xmlns:a16="http://schemas.microsoft.com/office/drawing/2014/main" val="2250555260"/>
                   </a:ext>
                 </a:extLst>
               </a:tr>
-              <a:tr h="191770">
+              <a:tr h="270686">
                 <a:tc>
                   <a:txBody>
                     <a:bodyPr/>
@@ -20890,24 +21091,32 @@
                         </a:spcAft>
                       </a:pPr>
                       <a:r>
-                        <a:rPr lang="en-US" sz="1600">
+                        <a:rPr lang="en-US" sz="1400">
                           <a:solidFill>
                             <a:schemeClr val="bg1"/>
                           </a:solidFill>
                           <a:effectLst/>
                           <a:latin typeface="Consolas" panose="020B0609020204030204" pitchFamily="49" charset="0"/>
-                          <a:ea typeface="Roboto" panose="02000000000000000000" pitchFamily="2" charset="0"/>
-                          <a:cs typeface="Roboto" panose="02000000000000000000" pitchFamily="2" charset="0"/>
                         </a:rPr>
                         <a:t>4</a:t>
                       </a:r>
+                      <a:endParaRPr lang="en-US" sz="1400">
+                        <a:solidFill>
+                          <a:schemeClr val="bg1"/>
+                        </a:solidFill>
+                        <a:effectLst/>
+                        <a:latin typeface="Consolas" panose="020B0609020204030204" pitchFamily="49" charset="0"/>
+                        <a:ea typeface="Times New Roman" panose="02020603050405020304" pitchFamily="18" charset="0"/>
+                        <a:cs typeface="Times New Roman" panose="02020603050405020304" pitchFamily="18" charset="0"/>
+                      </a:endParaRPr>
                     </a:p>
                   </a:txBody>
                   <a:tcPr marL="68580" marR="68580" marT="0" marB="0" anchor="b">
                     <a:lnL w="12700" cap="flat" cmpd="sng" algn="ctr">
                       <a:solidFill>
-                        <a:schemeClr val="bg2">
-                          <a:lumMod val="25000"/>
+                        <a:schemeClr val="tx1">
+                          <a:lumMod val="75000"/>
+                          <a:lumOff val="25000"/>
                         </a:schemeClr>
                       </a:solidFill>
                       <a:prstDash val="solid"/>
@@ -20917,8 +21126,9 @@
                     </a:lnL>
                     <a:lnR w="12700" cap="flat" cmpd="sng" algn="ctr">
                       <a:solidFill>
-                        <a:schemeClr val="bg2">
-                          <a:lumMod val="25000"/>
+                        <a:schemeClr val="tx1">
+                          <a:lumMod val="75000"/>
+                          <a:lumOff val="25000"/>
                         </a:schemeClr>
                       </a:solidFill>
                       <a:prstDash val="solid"/>
@@ -20928,8 +21138,9 @@
                     </a:lnR>
                     <a:lnT w="12700" cap="flat" cmpd="sng" algn="ctr">
                       <a:solidFill>
-                        <a:schemeClr val="bg2">
-                          <a:lumMod val="25000"/>
+                        <a:schemeClr val="tx1">
+                          <a:lumMod val="75000"/>
+                          <a:lumOff val="25000"/>
                         </a:schemeClr>
                       </a:solidFill>
                       <a:prstDash val="solid"/>
@@ -20939,8 +21150,9 @@
                     </a:lnT>
                     <a:lnB w="12700" cap="flat" cmpd="sng" algn="ctr">
                       <a:solidFill>
-                        <a:schemeClr val="bg2">
-                          <a:lumMod val="25000"/>
+                        <a:schemeClr val="tx1">
+                          <a:lumMod val="75000"/>
+                          <a:lumOff val="25000"/>
                         </a:schemeClr>
                       </a:solidFill>
                       <a:prstDash val="solid"/>
@@ -20964,24 +21176,32 @@
                         </a:spcAft>
                       </a:pPr>
                       <a:r>
-                        <a:rPr lang="en-US" sz="1600">
+                        <a:rPr lang="en-US" sz="1400">
                           <a:solidFill>
                             <a:schemeClr val="bg1"/>
                           </a:solidFill>
                           <a:effectLst/>
                           <a:latin typeface="Consolas" panose="020B0609020204030204" pitchFamily="49" charset="0"/>
-                          <a:ea typeface="Roboto" panose="02000000000000000000" pitchFamily="2" charset="0"/>
-                          <a:cs typeface="Roboto" panose="02000000000000000000" pitchFamily="2" charset="0"/>
                         </a:rPr>
-                        <a:t>11-Sep</a:t>
+                        <a:t>29-Jan</a:t>
                       </a:r>
+                      <a:endParaRPr lang="en-US" sz="1400">
+                        <a:solidFill>
+                          <a:schemeClr val="bg1"/>
+                        </a:solidFill>
+                        <a:effectLst/>
+                        <a:latin typeface="Consolas" panose="020B0609020204030204" pitchFamily="49" charset="0"/>
+                        <a:ea typeface="Times New Roman" panose="02020603050405020304" pitchFamily="18" charset="0"/>
+                        <a:cs typeface="Times New Roman" panose="02020603050405020304" pitchFamily="18" charset="0"/>
+                      </a:endParaRPr>
                     </a:p>
                   </a:txBody>
-                  <a:tcPr marL="68580" marR="68580" marT="0" marB="0">
+                  <a:tcPr marL="68580" marR="68580" marT="0" marB="0" anchor="b">
                     <a:lnL w="12700" cap="flat" cmpd="sng" algn="ctr">
                       <a:solidFill>
-                        <a:schemeClr val="bg2">
-                          <a:lumMod val="25000"/>
+                        <a:schemeClr val="tx1">
+                          <a:lumMod val="75000"/>
+                          <a:lumOff val="25000"/>
                         </a:schemeClr>
                       </a:solidFill>
                       <a:prstDash val="solid"/>
@@ -20991,8 +21211,9 @@
                     </a:lnL>
                     <a:lnR w="12700" cap="flat" cmpd="sng" algn="ctr">
                       <a:solidFill>
-                        <a:schemeClr val="bg2">
-                          <a:lumMod val="25000"/>
+                        <a:schemeClr val="tx1">
+                          <a:lumMod val="75000"/>
+                          <a:lumOff val="25000"/>
                         </a:schemeClr>
                       </a:solidFill>
                       <a:prstDash val="solid"/>
@@ -21002,8 +21223,9 @@
                     </a:lnR>
                     <a:lnT w="12700" cap="flat" cmpd="sng" algn="ctr">
                       <a:solidFill>
-                        <a:schemeClr val="bg2">
-                          <a:lumMod val="25000"/>
+                        <a:schemeClr val="tx1">
+                          <a:lumMod val="75000"/>
+                          <a:lumOff val="25000"/>
                         </a:schemeClr>
                       </a:solidFill>
                       <a:prstDash val="solid"/>
@@ -21013,8 +21235,9 @@
                     </a:lnT>
                     <a:lnB w="12700" cap="flat" cmpd="sng" algn="ctr">
                       <a:solidFill>
-                        <a:schemeClr val="bg2">
-                          <a:lumMod val="25000"/>
+                        <a:schemeClr val="tx1">
+                          <a:lumMod val="75000"/>
+                          <a:lumOff val="25000"/>
                         </a:schemeClr>
                       </a:solidFill>
                       <a:prstDash val="solid"/>
@@ -21038,24 +21261,32 @@
                         </a:spcAft>
                       </a:pPr>
                       <a:r>
-                        <a:rPr lang="en-US" sz="1600">
+                        <a:rPr lang="en-US" sz="1400">
                           <a:solidFill>
                             <a:schemeClr val="bg1"/>
                           </a:solidFill>
                           <a:effectLst/>
                           <a:latin typeface="Consolas" panose="020B0609020204030204" pitchFamily="49" charset="0"/>
-                          <a:ea typeface="Roboto" panose="02000000000000000000" pitchFamily="2" charset="0"/>
-                          <a:cs typeface="Roboto" panose="02000000000000000000" pitchFamily="2" charset="0"/>
                         </a:rPr>
-                        <a:t>17-Sep</a:t>
+                        <a:t>4-Feb</a:t>
                       </a:r>
+                      <a:endParaRPr lang="en-US" sz="1400">
+                        <a:solidFill>
+                          <a:schemeClr val="bg1"/>
+                        </a:solidFill>
+                        <a:effectLst/>
+                        <a:latin typeface="Consolas" panose="020B0609020204030204" pitchFamily="49" charset="0"/>
+                        <a:ea typeface="Times New Roman" panose="02020603050405020304" pitchFamily="18" charset="0"/>
+                        <a:cs typeface="Times New Roman" panose="02020603050405020304" pitchFamily="18" charset="0"/>
+                      </a:endParaRPr>
                     </a:p>
                   </a:txBody>
-                  <a:tcPr marL="68580" marR="68580" marT="0" marB="0">
+                  <a:tcPr marL="68580" marR="68580" marT="0" marB="0" anchor="b">
                     <a:lnL w="12700" cap="flat" cmpd="sng" algn="ctr">
                       <a:solidFill>
-                        <a:schemeClr val="bg2">
-                          <a:lumMod val="25000"/>
+                        <a:schemeClr val="tx1">
+                          <a:lumMod val="75000"/>
+                          <a:lumOff val="25000"/>
                         </a:schemeClr>
                       </a:solidFill>
                       <a:prstDash val="solid"/>
@@ -21065,8 +21296,9 @@
                     </a:lnL>
                     <a:lnR w="12700" cap="flat" cmpd="sng" algn="ctr">
                       <a:solidFill>
-                        <a:schemeClr val="bg2">
-                          <a:lumMod val="25000"/>
+                        <a:schemeClr val="tx1">
+                          <a:lumMod val="75000"/>
+                          <a:lumOff val="25000"/>
                         </a:schemeClr>
                       </a:solidFill>
                       <a:prstDash val="solid"/>
@@ -21076,8 +21308,9 @@
                     </a:lnR>
                     <a:lnT w="12700" cap="flat" cmpd="sng" algn="ctr">
                       <a:solidFill>
-                        <a:schemeClr val="bg2">
-                          <a:lumMod val="25000"/>
+                        <a:schemeClr val="tx1">
+                          <a:lumMod val="75000"/>
+                          <a:lumOff val="25000"/>
                         </a:schemeClr>
                       </a:solidFill>
                       <a:prstDash val="solid"/>
@@ -21087,8 +21320,9 @@
                     </a:lnT>
                     <a:lnB w="12700" cap="flat" cmpd="sng" algn="ctr">
                       <a:solidFill>
-                        <a:schemeClr val="bg2">
-                          <a:lumMod val="25000"/>
+                        <a:schemeClr val="tx1">
+                          <a:lumMod val="75000"/>
+                          <a:lumOff val="25000"/>
                         </a:schemeClr>
                       </a:solidFill>
                       <a:prstDash val="solid"/>
@@ -21112,24 +21346,32 @@
                         </a:spcAft>
                       </a:pPr>
                       <a:r>
-                        <a:rPr lang="en-US" sz="1600">
+                        <a:rPr lang="en-US" sz="1400">
                           <a:solidFill>
                             <a:schemeClr val="bg1"/>
                           </a:solidFill>
                           <a:effectLst/>
                           <a:latin typeface="Consolas" panose="020B0609020204030204" pitchFamily="49" charset="0"/>
-                          <a:ea typeface="Roboto" panose="02000000000000000000" pitchFamily="2" charset="0"/>
-                          <a:cs typeface="Roboto" panose="02000000000000000000" pitchFamily="2" charset="0"/>
                         </a:rPr>
-                        <a:t>Trees &amp; Traversals</a:t>
+                        <a:t>Balanced Trees 1</a:t>
                       </a:r>
+                      <a:endParaRPr lang="en-US" sz="1400">
+                        <a:solidFill>
+                          <a:schemeClr val="bg1"/>
+                        </a:solidFill>
+                        <a:effectLst/>
+                        <a:latin typeface="Consolas" panose="020B0609020204030204" pitchFamily="49" charset="0"/>
+                        <a:ea typeface="Times New Roman" panose="02020603050405020304" pitchFamily="18" charset="0"/>
+                        <a:cs typeface="Times New Roman" panose="02020603050405020304" pitchFamily="18" charset="0"/>
+                      </a:endParaRPr>
                     </a:p>
                   </a:txBody>
                   <a:tcPr marL="68580" marR="68580" marT="0" marB="0" anchor="b">
                     <a:lnL w="12700" cap="flat" cmpd="sng" algn="ctr">
                       <a:solidFill>
-                        <a:schemeClr val="bg2">
-                          <a:lumMod val="25000"/>
+                        <a:schemeClr val="tx1">
+                          <a:lumMod val="75000"/>
+                          <a:lumOff val="25000"/>
                         </a:schemeClr>
                       </a:solidFill>
                       <a:prstDash val="solid"/>
@@ -21139,8 +21381,9 @@
                     </a:lnL>
                     <a:lnR w="12700" cap="flat" cmpd="sng" algn="ctr">
                       <a:solidFill>
-                        <a:schemeClr val="bg2">
-                          <a:lumMod val="25000"/>
+                        <a:schemeClr val="tx1">
+                          <a:lumMod val="75000"/>
+                          <a:lumOff val="25000"/>
                         </a:schemeClr>
                       </a:solidFill>
                       <a:prstDash val="solid"/>
@@ -21150,8 +21393,9 @@
                     </a:lnR>
                     <a:lnT w="12700" cap="flat" cmpd="sng" algn="ctr">
                       <a:solidFill>
-                        <a:schemeClr val="bg2">
-                          <a:lumMod val="25000"/>
+                        <a:schemeClr val="tx1">
+                          <a:lumMod val="75000"/>
+                          <a:lumOff val="25000"/>
                         </a:schemeClr>
                       </a:solidFill>
                       <a:prstDash val="solid"/>
@@ -21161,8 +21405,9 @@
                     </a:lnT>
                     <a:lnB w="12700" cap="flat" cmpd="sng" algn="ctr">
                       <a:solidFill>
-                        <a:schemeClr val="bg2">
-                          <a:lumMod val="25000"/>
+                        <a:schemeClr val="tx1">
+                          <a:lumMod val="75000"/>
+                          <a:lumOff val="25000"/>
                         </a:schemeClr>
                       </a:solidFill>
                       <a:prstDash val="solid"/>
@@ -21186,45 +21431,42 @@
                         </a:spcAft>
                       </a:pPr>
                       <a:r>
-                        <a:rPr lang="en-US" sz="1600">
+                        <a:rPr lang="en-US" sz="1400">
                           <a:solidFill>
                             <a:schemeClr val="bg1"/>
                           </a:solidFill>
                           <a:effectLst/>
                           <a:latin typeface="Consolas" panose="020B0609020204030204" pitchFamily="49" charset="0"/>
-                          <a:ea typeface="Roboto" panose="02000000000000000000" pitchFamily="2" charset="0"/>
-                          <a:cs typeface="Roboto" panose="02000000000000000000" pitchFamily="2" charset="0"/>
                         </a:rPr>
                         <a:t>Q</a:t>
                       </a:r>
                       <a:r>
-                        <a:rPr lang="en-US" sz="1600" baseline="-25000">
+                        <a:rPr lang="en-US" sz="1400" baseline="-25000">
                           <a:solidFill>
                             <a:schemeClr val="bg1"/>
                           </a:solidFill>
                           <a:effectLst/>
                           <a:latin typeface="Consolas" panose="020B0609020204030204" pitchFamily="49" charset="0"/>
-                          <a:ea typeface="Roboto" panose="02000000000000000000" pitchFamily="2" charset="0"/>
-                          <a:cs typeface="Roboto" panose="02000000000000000000" pitchFamily="2" charset="0"/>
                         </a:rPr>
                         <a:t>4</a:t>
                       </a:r>
-                      <a:endParaRPr lang="en-US" sz="1600">
+                      <a:endParaRPr lang="en-US" sz="1400">
                         <a:solidFill>
                           <a:schemeClr val="bg1"/>
                         </a:solidFill>
                         <a:effectLst/>
                         <a:latin typeface="Consolas" panose="020B0609020204030204" pitchFamily="49" charset="0"/>
-                        <a:ea typeface="Roboto" panose="02000000000000000000" pitchFamily="2" charset="0"/>
-                        <a:cs typeface="Roboto" panose="02000000000000000000" pitchFamily="2" charset="0"/>
+                        <a:ea typeface="Times New Roman" panose="02020603050405020304" pitchFamily="18" charset="0"/>
+                        <a:cs typeface="Times New Roman" panose="02020603050405020304" pitchFamily="18" charset="0"/>
                       </a:endParaRPr>
                     </a:p>
                   </a:txBody>
                   <a:tcPr marL="68580" marR="68580" marT="0" marB="0" anchor="b">
                     <a:lnL w="12700" cap="flat" cmpd="sng" algn="ctr">
                       <a:solidFill>
-                        <a:schemeClr val="bg2">
-                          <a:lumMod val="25000"/>
+                        <a:schemeClr val="tx1">
+                          <a:lumMod val="75000"/>
+                          <a:lumOff val="25000"/>
                         </a:schemeClr>
                       </a:solidFill>
                       <a:prstDash val="solid"/>
@@ -21234,8 +21476,9 @@
                     </a:lnL>
                     <a:lnR w="12700" cap="flat" cmpd="sng" algn="ctr">
                       <a:solidFill>
-                        <a:schemeClr val="bg2">
-                          <a:lumMod val="25000"/>
+                        <a:schemeClr val="tx1">
+                          <a:lumMod val="75000"/>
+                          <a:lumOff val="25000"/>
                         </a:schemeClr>
                       </a:solidFill>
                       <a:prstDash val="solid"/>
@@ -21245,8 +21488,9 @@
                     </a:lnR>
                     <a:lnT w="12700" cap="flat" cmpd="sng" algn="ctr">
                       <a:solidFill>
-                        <a:schemeClr val="bg2">
-                          <a:lumMod val="25000"/>
+                        <a:schemeClr val="tx1">
+                          <a:lumMod val="75000"/>
+                          <a:lumOff val="25000"/>
                         </a:schemeClr>
                       </a:solidFill>
                       <a:prstDash val="solid"/>
@@ -21256,8 +21500,9 @@
                     </a:lnT>
                     <a:lnB w="12700" cap="flat" cmpd="sng" algn="ctr">
                       <a:solidFill>
-                        <a:schemeClr val="bg2">
-                          <a:lumMod val="25000"/>
+                        <a:schemeClr val="tx1">
+                          <a:lumMod val="75000"/>
+                          <a:lumOff val="25000"/>
                         </a:schemeClr>
                       </a:solidFill>
                       <a:prstDash val="solid"/>
@@ -21269,11 +21514,11 @@
                 </a:tc>
                 <a:extLst>
                   <a:ext uri="{0D108BD9-81ED-4DB2-BD59-A6C34878D82A}">
-                    <a16:rowId xmlns:a16="http://schemas.microsoft.com/office/drawing/2014/main" val="4049217116"/>
+                    <a16:rowId xmlns:a16="http://schemas.microsoft.com/office/drawing/2014/main" val="274801319"/>
                   </a:ext>
                 </a:extLst>
               </a:tr>
-              <a:tr h="175895">
+              <a:tr h="248278">
                 <a:tc>
                   <a:txBody>
                     <a:bodyPr/>
@@ -21288,24 +21533,32 @@
                         </a:spcAft>
                       </a:pPr>
                       <a:r>
-                        <a:rPr lang="en-US" sz="1600">
+                        <a:rPr lang="en-US" sz="1400">
                           <a:solidFill>
                             <a:schemeClr val="bg1"/>
                           </a:solidFill>
                           <a:effectLst/>
                           <a:latin typeface="Consolas" panose="020B0609020204030204" pitchFamily="49" charset="0"/>
-                          <a:ea typeface="Roboto" panose="02000000000000000000" pitchFamily="2" charset="0"/>
-                          <a:cs typeface="Roboto" panose="02000000000000000000" pitchFamily="2" charset="0"/>
                         </a:rPr>
                         <a:t>5</a:t>
                       </a:r>
+                      <a:endParaRPr lang="en-US" sz="1400">
+                        <a:solidFill>
+                          <a:schemeClr val="bg1"/>
+                        </a:solidFill>
+                        <a:effectLst/>
+                        <a:latin typeface="Consolas" panose="020B0609020204030204" pitchFamily="49" charset="0"/>
+                        <a:ea typeface="Times New Roman" panose="02020603050405020304" pitchFamily="18" charset="0"/>
+                        <a:cs typeface="Times New Roman" panose="02020603050405020304" pitchFamily="18" charset="0"/>
+                      </a:endParaRPr>
                     </a:p>
                   </a:txBody>
                   <a:tcPr marL="68580" marR="68580" marT="0" marB="0" anchor="b">
                     <a:lnL w="12700" cap="flat" cmpd="sng" algn="ctr">
                       <a:solidFill>
-                        <a:schemeClr val="bg2">
-                          <a:lumMod val="25000"/>
+                        <a:schemeClr val="tx1">
+                          <a:lumMod val="75000"/>
+                          <a:lumOff val="25000"/>
                         </a:schemeClr>
                       </a:solidFill>
                       <a:prstDash val="solid"/>
@@ -21315,8 +21568,9 @@
                     </a:lnL>
                     <a:lnR w="12700" cap="flat" cmpd="sng" algn="ctr">
                       <a:solidFill>
-                        <a:schemeClr val="bg2">
-                          <a:lumMod val="25000"/>
+                        <a:schemeClr val="tx1">
+                          <a:lumMod val="75000"/>
+                          <a:lumOff val="25000"/>
                         </a:schemeClr>
                       </a:solidFill>
                       <a:prstDash val="solid"/>
@@ -21326,8 +21580,9 @@
                     </a:lnR>
                     <a:lnT w="12700" cap="flat" cmpd="sng" algn="ctr">
                       <a:solidFill>
-                        <a:schemeClr val="bg2">
-                          <a:lumMod val="25000"/>
+                        <a:schemeClr val="tx1">
+                          <a:lumMod val="75000"/>
+                          <a:lumOff val="25000"/>
                         </a:schemeClr>
                       </a:solidFill>
                       <a:prstDash val="solid"/>
@@ -21337,8 +21592,9 @@
                     </a:lnT>
                     <a:lnB w="12700" cap="flat" cmpd="sng" algn="ctr">
                       <a:solidFill>
-                        <a:schemeClr val="bg2">
-                          <a:lumMod val="25000"/>
+                        <a:schemeClr val="tx1">
+                          <a:lumMod val="75000"/>
+                          <a:lumOff val="25000"/>
                         </a:schemeClr>
                       </a:solidFill>
                       <a:prstDash val="solid"/>
@@ -21362,24 +21618,32 @@
                         </a:spcAft>
                       </a:pPr>
                       <a:r>
-                        <a:rPr lang="en-US" sz="1600">
+                        <a:rPr lang="en-US" sz="1400">
                           <a:solidFill>
                             <a:schemeClr val="bg1"/>
                           </a:solidFill>
                           <a:effectLst/>
                           <a:latin typeface="Consolas" panose="020B0609020204030204" pitchFamily="49" charset="0"/>
-                          <a:ea typeface="Roboto" panose="02000000000000000000" pitchFamily="2" charset="0"/>
-                          <a:cs typeface="Roboto" panose="02000000000000000000" pitchFamily="2" charset="0"/>
                         </a:rPr>
-                        <a:t>18-Sep</a:t>
+                        <a:t>5-Feb</a:t>
                       </a:r>
+                      <a:endParaRPr lang="en-US" sz="1400">
+                        <a:solidFill>
+                          <a:schemeClr val="bg1"/>
+                        </a:solidFill>
+                        <a:effectLst/>
+                        <a:latin typeface="Consolas" panose="020B0609020204030204" pitchFamily="49" charset="0"/>
+                        <a:ea typeface="Times New Roman" panose="02020603050405020304" pitchFamily="18" charset="0"/>
+                        <a:cs typeface="Times New Roman" panose="02020603050405020304" pitchFamily="18" charset="0"/>
+                      </a:endParaRPr>
                     </a:p>
                   </a:txBody>
-                  <a:tcPr marL="68580" marR="68580" marT="0" marB="0">
+                  <a:tcPr marL="68580" marR="68580" marT="0" marB="0" anchor="b">
                     <a:lnL w="12700" cap="flat" cmpd="sng" algn="ctr">
                       <a:solidFill>
-                        <a:schemeClr val="bg2">
-                          <a:lumMod val="25000"/>
+                        <a:schemeClr val="tx1">
+                          <a:lumMod val="75000"/>
+                          <a:lumOff val="25000"/>
                         </a:schemeClr>
                       </a:solidFill>
                       <a:prstDash val="solid"/>
@@ -21389,8 +21653,9 @@
                     </a:lnL>
                     <a:lnR w="12700" cap="flat" cmpd="sng" algn="ctr">
                       <a:solidFill>
-                        <a:schemeClr val="bg2">
-                          <a:lumMod val="25000"/>
+                        <a:schemeClr val="tx1">
+                          <a:lumMod val="75000"/>
+                          <a:lumOff val="25000"/>
                         </a:schemeClr>
                       </a:solidFill>
                       <a:prstDash val="solid"/>
@@ -21400,8 +21665,9 @@
                     </a:lnR>
                     <a:lnT w="12700" cap="flat" cmpd="sng" algn="ctr">
                       <a:solidFill>
-                        <a:schemeClr val="bg2">
-                          <a:lumMod val="25000"/>
+                        <a:schemeClr val="tx1">
+                          <a:lumMod val="75000"/>
+                          <a:lumOff val="25000"/>
                         </a:schemeClr>
                       </a:solidFill>
                       <a:prstDash val="solid"/>
@@ -21411,8 +21677,9 @@
                     </a:lnT>
                     <a:lnB w="12700" cap="flat" cmpd="sng" algn="ctr">
                       <a:solidFill>
-                        <a:schemeClr val="bg2">
-                          <a:lumMod val="25000"/>
+                        <a:schemeClr val="tx1">
+                          <a:lumMod val="75000"/>
+                          <a:lumOff val="25000"/>
                         </a:schemeClr>
                       </a:solidFill>
                       <a:prstDash val="solid"/>
@@ -21436,24 +21703,32 @@
                         </a:spcAft>
                       </a:pPr>
                       <a:r>
-                        <a:rPr lang="en-US" sz="1600">
+                        <a:rPr lang="en-US" sz="1400">
                           <a:solidFill>
                             <a:schemeClr val="bg1"/>
                           </a:solidFill>
                           <a:effectLst/>
                           <a:latin typeface="Consolas" panose="020B0609020204030204" pitchFamily="49" charset="0"/>
-                          <a:ea typeface="Roboto" panose="02000000000000000000" pitchFamily="2" charset="0"/>
-                          <a:cs typeface="Roboto" panose="02000000000000000000" pitchFamily="2" charset="0"/>
                         </a:rPr>
-                        <a:t>24-Sep</a:t>
+                        <a:t>11-Feb</a:t>
                       </a:r>
+                      <a:endParaRPr lang="en-US" sz="1400">
+                        <a:solidFill>
+                          <a:schemeClr val="bg1"/>
+                        </a:solidFill>
+                        <a:effectLst/>
+                        <a:latin typeface="Consolas" panose="020B0609020204030204" pitchFamily="49" charset="0"/>
+                        <a:ea typeface="Times New Roman" panose="02020603050405020304" pitchFamily="18" charset="0"/>
+                        <a:cs typeface="Times New Roman" panose="02020603050405020304" pitchFamily="18" charset="0"/>
+                      </a:endParaRPr>
                     </a:p>
                   </a:txBody>
-                  <a:tcPr marL="68580" marR="68580" marT="0" marB="0">
+                  <a:tcPr marL="68580" marR="68580" marT="0" marB="0" anchor="b">
                     <a:lnL w="12700" cap="flat" cmpd="sng" algn="ctr">
                       <a:solidFill>
-                        <a:schemeClr val="bg2">
-                          <a:lumMod val="25000"/>
+                        <a:schemeClr val="tx1">
+                          <a:lumMod val="75000"/>
+                          <a:lumOff val="25000"/>
                         </a:schemeClr>
                       </a:solidFill>
                       <a:prstDash val="solid"/>
@@ -21463,8 +21738,9 @@
                     </a:lnL>
                     <a:lnR w="12700" cap="flat" cmpd="sng" algn="ctr">
                       <a:solidFill>
-                        <a:schemeClr val="bg2">
-                          <a:lumMod val="25000"/>
+                        <a:schemeClr val="tx1">
+                          <a:lumMod val="75000"/>
+                          <a:lumOff val="25000"/>
                         </a:schemeClr>
                       </a:solidFill>
                       <a:prstDash val="solid"/>
@@ -21474,8 +21750,9 @@
                     </a:lnR>
                     <a:lnT w="12700" cap="flat" cmpd="sng" algn="ctr">
                       <a:solidFill>
-                        <a:schemeClr val="bg2">
-                          <a:lumMod val="25000"/>
+                        <a:schemeClr val="tx1">
+                          <a:lumMod val="75000"/>
+                          <a:lumOff val="25000"/>
                         </a:schemeClr>
                       </a:solidFill>
                       <a:prstDash val="solid"/>
@@ -21485,8 +21762,9 @@
                     </a:lnT>
                     <a:lnB w="12700" cap="flat" cmpd="sng" algn="ctr">
                       <a:solidFill>
-                        <a:schemeClr val="bg2">
-                          <a:lumMod val="25000"/>
+                        <a:schemeClr val="tx1">
+                          <a:lumMod val="75000"/>
+                          <a:lumOff val="25000"/>
                         </a:schemeClr>
                       </a:solidFill>
                       <a:prstDash val="solid"/>
@@ -21510,24 +21788,32 @@
                         </a:spcAft>
                       </a:pPr>
                       <a:r>
-                        <a:rPr lang="en-US" sz="1600">
+                        <a:rPr lang="en-US" sz="1400">
                           <a:solidFill>
                             <a:schemeClr val="bg1"/>
                           </a:solidFill>
                           <a:effectLst/>
                           <a:latin typeface="Consolas" panose="020B0609020204030204" pitchFamily="49" charset="0"/>
-                          <a:ea typeface="Roboto" panose="02000000000000000000" pitchFamily="2" charset="0"/>
-                          <a:cs typeface="Roboto" panose="02000000000000000000" pitchFamily="2" charset="0"/>
                         </a:rPr>
-                        <a:t>Balanced Trees 1</a:t>
+                        <a:t>Balanced Trees 2</a:t>
                       </a:r>
+                      <a:endParaRPr lang="en-US" sz="1400">
+                        <a:solidFill>
+                          <a:schemeClr val="bg1"/>
+                        </a:solidFill>
+                        <a:effectLst/>
+                        <a:latin typeface="Consolas" panose="020B0609020204030204" pitchFamily="49" charset="0"/>
+                        <a:ea typeface="Times New Roman" panose="02020603050405020304" pitchFamily="18" charset="0"/>
+                        <a:cs typeface="Times New Roman" panose="02020603050405020304" pitchFamily="18" charset="0"/>
+                      </a:endParaRPr>
                     </a:p>
                   </a:txBody>
                   <a:tcPr marL="68580" marR="68580" marT="0" marB="0" anchor="b">
                     <a:lnL w="12700" cap="flat" cmpd="sng" algn="ctr">
                       <a:solidFill>
-                        <a:schemeClr val="bg2">
-                          <a:lumMod val="25000"/>
+                        <a:schemeClr val="tx1">
+                          <a:lumMod val="75000"/>
+                          <a:lumOff val="25000"/>
                         </a:schemeClr>
                       </a:solidFill>
                       <a:prstDash val="solid"/>
@@ -21537,8 +21823,9 @@
                     </a:lnL>
                     <a:lnR w="12700" cap="flat" cmpd="sng" algn="ctr">
                       <a:solidFill>
-                        <a:schemeClr val="bg2">
-                          <a:lumMod val="25000"/>
+                        <a:schemeClr val="tx1">
+                          <a:lumMod val="75000"/>
+                          <a:lumOff val="25000"/>
                         </a:schemeClr>
                       </a:solidFill>
                       <a:prstDash val="solid"/>
@@ -21548,8 +21835,9 @@
                     </a:lnR>
                     <a:lnT w="12700" cap="flat" cmpd="sng" algn="ctr">
                       <a:solidFill>
-                        <a:schemeClr val="bg2">
-                          <a:lumMod val="25000"/>
+                        <a:schemeClr val="tx1">
+                          <a:lumMod val="75000"/>
+                          <a:lumOff val="25000"/>
                         </a:schemeClr>
                       </a:solidFill>
                       <a:prstDash val="solid"/>
@@ -21559,8 +21847,9 @@
                     </a:lnT>
                     <a:lnB w="12700" cap="flat" cmpd="sng" algn="ctr">
                       <a:solidFill>
-                        <a:schemeClr val="bg2">
-                          <a:lumMod val="25000"/>
+                        <a:schemeClr val="tx1">
+                          <a:lumMod val="75000"/>
+                          <a:lumOff val="25000"/>
                         </a:schemeClr>
                       </a:solidFill>
                       <a:prstDash val="solid"/>
@@ -21584,45 +21873,42 @@
                         </a:spcAft>
                       </a:pPr>
                       <a:r>
-                        <a:rPr lang="en-US" sz="1600">
+                        <a:rPr lang="en-US" sz="1400">
                           <a:solidFill>
                             <a:schemeClr val="bg1"/>
                           </a:solidFill>
                           <a:effectLst/>
                           <a:latin typeface="Consolas" panose="020B0609020204030204" pitchFamily="49" charset="0"/>
-                          <a:ea typeface="Roboto" panose="02000000000000000000" pitchFamily="2" charset="0"/>
-                          <a:cs typeface="Roboto" panose="02000000000000000000" pitchFamily="2" charset="0"/>
                         </a:rPr>
                         <a:t>Q</a:t>
                       </a:r>
                       <a:r>
-                        <a:rPr lang="en-US" sz="1600" baseline="-25000">
+                        <a:rPr lang="en-US" sz="1400" baseline="-25000">
                           <a:solidFill>
                             <a:schemeClr val="bg1"/>
                           </a:solidFill>
                           <a:effectLst/>
                           <a:latin typeface="Consolas" panose="020B0609020204030204" pitchFamily="49" charset="0"/>
-                          <a:ea typeface="Roboto" panose="02000000000000000000" pitchFamily="2" charset="0"/>
-                          <a:cs typeface="Roboto" panose="02000000000000000000" pitchFamily="2" charset="0"/>
                         </a:rPr>
-                        <a:t>5</a:t>
+                        <a:t>5a</a:t>
                       </a:r>
-                      <a:endParaRPr lang="en-US" sz="1600">
+                      <a:endParaRPr lang="en-US" sz="1400">
                         <a:solidFill>
                           <a:schemeClr val="bg1"/>
                         </a:solidFill>
                         <a:effectLst/>
                         <a:latin typeface="Consolas" panose="020B0609020204030204" pitchFamily="49" charset="0"/>
-                        <a:ea typeface="Roboto" panose="02000000000000000000" pitchFamily="2" charset="0"/>
-                        <a:cs typeface="Roboto" panose="02000000000000000000" pitchFamily="2" charset="0"/>
+                        <a:ea typeface="Times New Roman" panose="02020603050405020304" pitchFamily="18" charset="0"/>
+                        <a:cs typeface="Times New Roman" panose="02020603050405020304" pitchFamily="18" charset="0"/>
                       </a:endParaRPr>
                     </a:p>
                   </a:txBody>
                   <a:tcPr marL="68580" marR="68580" marT="0" marB="0" anchor="b">
                     <a:lnL w="12700" cap="flat" cmpd="sng" algn="ctr">
                       <a:solidFill>
-                        <a:schemeClr val="bg2">
-                          <a:lumMod val="25000"/>
+                        <a:schemeClr val="tx1">
+                          <a:lumMod val="75000"/>
+                          <a:lumOff val="25000"/>
                         </a:schemeClr>
                       </a:solidFill>
                       <a:prstDash val="solid"/>
@@ -21632,8 +21918,9 @@
                     </a:lnL>
                     <a:lnR w="12700" cap="flat" cmpd="sng" algn="ctr">
                       <a:solidFill>
-                        <a:schemeClr val="bg2">
-                          <a:lumMod val="25000"/>
+                        <a:schemeClr val="tx1">
+                          <a:lumMod val="75000"/>
+                          <a:lumOff val="25000"/>
                         </a:schemeClr>
                       </a:solidFill>
                       <a:prstDash val="solid"/>
@@ -21643,8 +21930,9 @@
                     </a:lnR>
                     <a:lnT w="12700" cap="flat" cmpd="sng" algn="ctr">
                       <a:solidFill>
-                        <a:schemeClr val="bg2">
-                          <a:lumMod val="25000"/>
+                        <a:schemeClr val="tx1">
+                          <a:lumMod val="75000"/>
+                          <a:lumOff val="25000"/>
                         </a:schemeClr>
                       </a:solidFill>
                       <a:prstDash val="solid"/>
@@ -21654,8 +21942,9 @@
                     </a:lnT>
                     <a:lnB w="12700" cap="flat" cmpd="sng" algn="ctr">
                       <a:solidFill>
-                        <a:schemeClr val="bg2">
-                          <a:lumMod val="25000"/>
+                        <a:schemeClr val="tx1">
+                          <a:lumMod val="75000"/>
+                          <a:lumOff val="25000"/>
                         </a:schemeClr>
                       </a:solidFill>
                       <a:prstDash val="solid"/>
@@ -21667,11 +21956,11 @@
                 </a:tc>
                 <a:extLst>
                   <a:ext uri="{0D108BD9-81ED-4DB2-BD59-A6C34878D82A}">
-                    <a16:rowId xmlns:a16="http://schemas.microsoft.com/office/drawing/2014/main" val="1979974328"/>
+                    <a16:rowId xmlns:a16="http://schemas.microsoft.com/office/drawing/2014/main" val="1031829690"/>
                   </a:ext>
                 </a:extLst>
               </a:tr>
-              <a:tr h="175895">
+              <a:tr h="248278">
                 <a:tc>
                   <a:txBody>
                     <a:bodyPr/>
@@ -21686,24 +21975,32 @@
                         </a:spcAft>
                       </a:pPr>
                       <a:r>
-                        <a:rPr lang="en-US" sz="1600">
+                        <a:rPr lang="en-US" sz="1400">
                           <a:solidFill>
                             <a:schemeClr val="bg1"/>
                           </a:solidFill>
                           <a:effectLst/>
                           <a:latin typeface="Consolas" panose="020B0609020204030204" pitchFamily="49" charset="0"/>
-                          <a:ea typeface="Roboto" panose="02000000000000000000" pitchFamily="2" charset="0"/>
-                          <a:cs typeface="Roboto" panose="02000000000000000000" pitchFamily="2" charset="0"/>
                         </a:rPr>
                         <a:t>6</a:t>
                       </a:r>
+                      <a:endParaRPr lang="en-US" sz="1400">
+                        <a:solidFill>
+                          <a:schemeClr val="bg1"/>
+                        </a:solidFill>
+                        <a:effectLst/>
+                        <a:latin typeface="Consolas" panose="020B0609020204030204" pitchFamily="49" charset="0"/>
+                        <a:ea typeface="Times New Roman" panose="02020603050405020304" pitchFamily="18" charset="0"/>
+                        <a:cs typeface="Times New Roman" panose="02020603050405020304" pitchFamily="18" charset="0"/>
+                      </a:endParaRPr>
                     </a:p>
                   </a:txBody>
                   <a:tcPr marL="68580" marR="68580" marT="0" marB="0" anchor="b">
                     <a:lnL w="12700" cap="flat" cmpd="sng" algn="ctr">
                       <a:solidFill>
-                        <a:schemeClr val="bg2">
-                          <a:lumMod val="25000"/>
+                        <a:schemeClr val="tx1">
+                          <a:lumMod val="75000"/>
+                          <a:lumOff val="25000"/>
                         </a:schemeClr>
                       </a:solidFill>
                       <a:prstDash val="solid"/>
@@ -21713,8 +22010,9 @@
                     </a:lnL>
                     <a:lnR w="12700" cap="flat" cmpd="sng" algn="ctr">
                       <a:solidFill>
-                        <a:schemeClr val="bg2">
-                          <a:lumMod val="25000"/>
+                        <a:schemeClr val="tx1">
+                          <a:lumMod val="75000"/>
+                          <a:lumOff val="25000"/>
                         </a:schemeClr>
                       </a:solidFill>
                       <a:prstDash val="solid"/>
@@ -21724,8 +22022,9 @@
                     </a:lnR>
                     <a:lnT w="12700" cap="flat" cmpd="sng" algn="ctr">
                       <a:solidFill>
-                        <a:schemeClr val="bg2">
-                          <a:lumMod val="25000"/>
+                        <a:schemeClr val="tx1">
+                          <a:lumMod val="75000"/>
+                          <a:lumOff val="25000"/>
                         </a:schemeClr>
                       </a:solidFill>
                       <a:prstDash val="solid"/>
@@ -21735,8 +22034,9 @@
                     </a:lnT>
                     <a:lnB w="12700" cap="flat" cmpd="sng" algn="ctr">
                       <a:solidFill>
-                        <a:schemeClr val="bg2">
-                          <a:lumMod val="25000"/>
+                        <a:schemeClr val="tx1">
+                          <a:lumMod val="75000"/>
+                          <a:lumOff val="25000"/>
                         </a:schemeClr>
                       </a:solidFill>
                       <a:prstDash val="solid"/>
@@ -21760,24 +22060,32 @@
                         </a:spcAft>
                       </a:pPr>
                       <a:r>
-                        <a:rPr lang="en-US" sz="1600">
+                        <a:rPr lang="en-US" sz="1400">
                           <a:solidFill>
                             <a:schemeClr val="bg1"/>
                           </a:solidFill>
                           <a:effectLst/>
                           <a:latin typeface="Consolas" panose="020B0609020204030204" pitchFamily="49" charset="0"/>
-                          <a:ea typeface="Roboto" panose="02000000000000000000" pitchFamily="2" charset="0"/>
-                          <a:cs typeface="Roboto" panose="02000000000000000000" pitchFamily="2" charset="0"/>
                         </a:rPr>
-                        <a:t>25-Sep</a:t>
+                        <a:t>12-Feb</a:t>
                       </a:r>
+                      <a:endParaRPr lang="en-US" sz="1400">
+                        <a:solidFill>
+                          <a:schemeClr val="bg1"/>
+                        </a:solidFill>
+                        <a:effectLst/>
+                        <a:latin typeface="Consolas" panose="020B0609020204030204" pitchFamily="49" charset="0"/>
+                        <a:ea typeface="Times New Roman" panose="02020603050405020304" pitchFamily="18" charset="0"/>
+                        <a:cs typeface="Times New Roman" panose="02020603050405020304" pitchFamily="18" charset="0"/>
+                      </a:endParaRPr>
                     </a:p>
                   </a:txBody>
-                  <a:tcPr marL="68580" marR="68580" marT="0" marB="0">
+                  <a:tcPr marL="68580" marR="68580" marT="0" marB="0" anchor="b">
                     <a:lnL w="12700" cap="flat" cmpd="sng" algn="ctr">
                       <a:solidFill>
-                        <a:schemeClr val="bg2">
-                          <a:lumMod val="25000"/>
+                        <a:schemeClr val="tx1">
+                          <a:lumMod val="75000"/>
+                          <a:lumOff val="25000"/>
                         </a:schemeClr>
                       </a:solidFill>
                       <a:prstDash val="solid"/>
@@ -21787,8 +22095,9 @@
                     </a:lnL>
                     <a:lnR w="12700" cap="flat" cmpd="sng" algn="ctr">
                       <a:solidFill>
-                        <a:schemeClr val="bg2">
-                          <a:lumMod val="25000"/>
+                        <a:schemeClr val="tx1">
+                          <a:lumMod val="75000"/>
+                          <a:lumOff val="25000"/>
                         </a:schemeClr>
                       </a:solidFill>
                       <a:prstDash val="solid"/>
@@ -21798,8 +22107,9 @@
                     </a:lnR>
                     <a:lnT w="12700" cap="flat" cmpd="sng" algn="ctr">
                       <a:solidFill>
-                        <a:schemeClr val="bg2">
-                          <a:lumMod val="25000"/>
+                        <a:schemeClr val="tx1">
+                          <a:lumMod val="75000"/>
+                          <a:lumOff val="25000"/>
                         </a:schemeClr>
                       </a:solidFill>
                       <a:prstDash val="solid"/>
@@ -21809,8 +22119,9 @@
                     </a:lnT>
                     <a:lnB w="12700" cap="flat" cmpd="sng" algn="ctr">
                       <a:solidFill>
-                        <a:schemeClr val="bg2">
-                          <a:lumMod val="25000"/>
+                        <a:schemeClr val="tx1">
+                          <a:lumMod val="75000"/>
+                          <a:lumOff val="25000"/>
                         </a:schemeClr>
                       </a:solidFill>
                       <a:prstDash val="solid"/>
@@ -21834,24 +22145,32 @@
                         </a:spcAft>
                       </a:pPr>
                       <a:r>
-                        <a:rPr lang="en-US" sz="1600">
+                        <a:rPr lang="en-US" sz="1400">
                           <a:solidFill>
                             <a:schemeClr val="bg1"/>
                           </a:solidFill>
                           <a:effectLst/>
                           <a:latin typeface="Consolas" panose="020B0609020204030204" pitchFamily="49" charset="0"/>
-                          <a:ea typeface="Roboto" panose="02000000000000000000" pitchFamily="2" charset="0"/>
-                          <a:cs typeface="Roboto" panose="02000000000000000000" pitchFamily="2" charset="0"/>
                         </a:rPr>
-                        <a:t>1-Oct</a:t>
+                        <a:t>18-Feb</a:t>
                       </a:r>
+                      <a:endParaRPr lang="en-US" sz="1400">
+                        <a:solidFill>
+                          <a:schemeClr val="bg1"/>
+                        </a:solidFill>
+                        <a:effectLst/>
+                        <a:latin typeface="Consolas" panose="020B0609020204030204" pitchFamily="49" charset="0"/>
+                        <a:ea typeface="Times New Roman" panose="02020603050405020304" pitchFamily="18" charset="0"/>
+                        <a:cs typeface="Times New Roman" panose="02020603050405020304" pitchFamily="18" charset="0"/>
+                      </a:endParaRPr>
                     </a:p>
                   </a:txBody>
-                  <a:tcPr marL="68580" marR="68580" marT="0" marB="0">
+                  <a:tcPr marL="68580" marR="68580" marT="0" marB="0" anchor="b">
                     <a:lnL w="12700" cap="flat" cmpd="sng" algn="ctr">
                       <a:solidFill>
-                        <a:schemeClr val="bg2">
-                          <a:lumMod val="25000"/>
+                        <a:schemeClr val="tx1">
+                          <a:lumMod val="75000"/>
+                          <a:lumOff val="25000"/>
                         </a:schemeClr>
                       </a:solidFill>
                       <a:prstDash val="solid"/>
@@ -21861,8 +22180,9 @@
                     </a:lnL>
                     <a:lnR w="12700" cap="flat" cmpd="sng" algn="ctr">
                       <a:solidFill>
-                        <a:schemeClr val="bg2">
-                          <a:lumMod val="25000"/>
+                        <a:schemeClr val="tx1">
+                          <a:lumMod val="75000"/>
+                          <a:lumOff val="25000"/>
                         </a:schemeClr>
                       </a:solidFill>
                       <a:prstDash val="solid"/>
@@ -21872,8 +22192,9 @@
                     </a:lnR>
                     <a:lnT w="12700" cap="flat" cmpd="sng" algn="ctr">
                       <a:solidFill>
-                        <a:schemeClr val="bg2">
-                          <a:lumMod val="25000"/>
+                        <a:schemeClr val="tx1">
+                          <a:lumMod val="75000"/>
+                          <a:lumOff val="25000"/>
                         </a:schemeClr>
                       </a:solidFill>
                       <a:prstDash val="solid"/>
@@ -21883,8 +22204,9 @@
                     </a:lnT>
                     <a:lnB w="12700" cap="flat" cmpd="sng" algn="ctr">
                       <a:solidFill>
-                        <a:schemeClr val="bg2">
-                          <a:lumMod val="25000"/>
+                        <a:schemeClr val="tx1">
+                          <a:lumMod val="75000"/>
+                          <a:lumOff val="25000"/>
                         </a:schemeClr>
                       </a:solidFill>
                       <a:prstDash val="solid"/>
@@ -21908,24 +22230,32 @@
                         </a:spcAft>
                       </a:pPr>
                       <a:r>
-                        <a:rPr lang="en-US" sz="1600">
+                        <a:rPr lang="en-US" sz="1400">
                           <a:solidFill>
                             <a:schemeClr val="bg1"/>
                           </a:solidFill>
                           <a:effectLst/>
                           <a:latin typeface="Consolas" panose="020B0609020204030204" pitchFamily="49" charset="0"/>
-                          <a:ea typeface="Roboto" panose="02000000000000000000" pitchFamily="2" charset="0"/>
-                          <a:cs typeface="Roboto" panose="02000000000000000000" pitchFamily="2" charset="0"/>
                         </a:rPr>
-                        <a:t>Balanced Trees 2</a:t>
+                        <a:t>Heaps &amp; Priority Queues</a:t>
                       </a:r>
+                      <a:endParaRPr lang="en-US" sz="1400">
+                        <a:solidFill>
+                          <a:schemeClr val="bg1"/>
+                        </a:solidFill>
+                        <a:effectLst/>
+                        <a:latin typeface="Consolas" panose="020B0609020204030204" pitchFamily="49" charset="0"/>
+                        <a:ea typeface="Times New Roman" panose="02020603050405020304" pitchFamily="18" charset="0"/>
+                        <a:cs typeface="Times New Roman" panose="02020603050405020304" pitchFamily="18" charset="0"/>
+                      </a:endParaRPr>
                     </a:p>
                   </a:txBody>
                   <a:tcPr marL="68580" marR="68580" marT="0" marB="0" anchor="b">
                     <a:lnL w="12700" cap="flat" cmpd="sng" algn="ctr">
                       <a:solidFill>
-                        <a:schemeClr val="bg2">
-                          <a:lumMod val="25000"/>
+                        <a:schemeClr val="tx1">
+                          <a:lumMod val="75000"/>
+                          <a:lumOff val="25000"/>
                         </a:schemeClr>
                       </a:solidFill>
                       <a:prstDash val="solid"/>
@@ -21935,8 +22265,9 @@
                     </a:lnL>
                     <a:lnR w="12700" cap="flat" cmpd="sng" algn="ctr">
                       <a:solidFill>
-                        <a:schemeClr val="bg2">
-                          <a:lumMod val="25000"/>
+                        <a:schemeClr val="tx1">
+                          <a:lumMod val="75000"/>
+                          <a:lumOff val="25000"/>
                         </a:schemeClr>
                       </a:solidFill>
                       <a:prstDash val="solid"/>
@@ -21946,8 +22277,9 @@
                     </a:lnR>
                     <a:lnT w="12700" cap="flat" cmpd="sng" algn="ctr">
                       <a:solidFill>
-                        <a:schemeClr val="bg2">
-                          <a:lumMod val="25000"/>
+                        <a:schemeClr val="tx1">
+                          <a:lumMod val="75000"/>
+                          <a:lumOff val="25000"/>
                         </a:schemeClr>
                       </a:solidFill>
                       <a:prstDash val="solid"/>
@@ -21957,8 +22289,9 @@
                     </a:lnT>
                     <a:lnB w="12700" cap="flat" cmpd="sng" algn="ctr">
                       <a:solidFill>
-                        <a:schemeClr val="bg2">
-                          <a:lumMod val="25000"/>
+                        <a:schemeClr val="tx1">
+                          <a:lumMod val="75000"/>
+                          <a:lumOff val="25000"/>
                         </a:schemeClr>
                       </a:solidFill>
                       <a:prstDash val="solid"/>
@@ -21982,45 +22315,42 @@
                         </a:spcAft>
                       </a:pPr>
                       <a:r>
-                        <a:rPr lang="en-US" sz="1600">
+                        <a:rPr lang="en-US" sz="1400">
                           <a:solidFill>
                             <a:schemeClr val="bg1"/>
                           </a:solidFill>
                           <a:effectLst/>
                           <a:latin typeface="Consolas" panose="020B0609020204030204" pitchFamily="49" charset="0"/>
-                          <a:ea typeface="Roboto" panose="02000000000000000000" pitchFamily="2" charset="0"/>
-                          <a:cs typeface="Roboto" panose="02000000000000000000" pitchFamily="2" charset="0"/>
                         </a:rPr>
                         <a:t>Q</a:t>
                       </a:r>
                       <a:r>
-                        <a:rPr lang="en-US" sz="1600" baseline="-25000">
+                        <a:rPr lang="en-US" sz="1400" baseline="-25000">
                           <a:solidFill>
                             <a:schemeClr val="bg1"/>
                           </a:solidFill>
                           <a:effectLst/>
                           <a:latin typeface="Consolas" panose="020B0609020204030204" pitchFamily="49" charset="0"/>
-                          <a:ea typeface="Roboto" panose="02000000000000000000" pitchFamily="2" charset="0"/>
-                          <a:cs typeface="Roboto" panose="02000000000000000000" pitchFamily="2" charset="0"/>
                         </a:rPr>
-                        <a:t>6</a:t>
+                        <a:t>5b</a:t>
                       </a:r>
-                      <a:endParaRPr lang="en-US" sz="1600">
+                      <a:endParaRPr lang="en-US" sz="1400">
                         <a:solidFill>
                           <a:schemeClr val="bg1"/>
                         </a:solidFill>
                         <a:effectLst/>
                         <a:latin typeface="Consolas" panose="020B0609020204030204" pitchFamily="49" charset="0"/>
-                        <a:ea typeface="Roboto" panose="02000000000000000000" pitchFamily="2" charset="0"/>
-                        <a:cs typeface="Roboto" panose="02000000000000000000" pitchFamily="2" charset="0"/>
+                        <a:ea typeface="Times New Roman" panose="02020603050405020304" pitchFamily="18" charset="0"/>
+                        <a:cs typeface="Times New Roman" panose="02020603050405020304" pitchFamily="18" charset="0"/>
                       </a:endParaRPr>
                     </a:p>
                   </a:txBody>
                   <a:tcPr marL="68580" marR="68580" marT="0" marB="0" anchor="b">
                     <a:lnL w="12700" cap="flat" cmpd="sng" algn="ctr">
                       <a:solidFill>
-                        <a:schemeClr val="bg2">
-                          <a:lumMod val="25000"/>
+                        <a:schemeClr val="tx1">
+                          <a:lumMod val="75000"/>
+                          <a:lumOff val="25000"/>
                         </a:schemeClr>
                       </a:solidFill>
                       <a:prstDash val="solid"/>
@@ -22030,8 +22360,9 @@
                     </a:lnL>
                     <a:lnR w="12700" cap="flat" cmpd="sng" algn="ctr">
                       <a:solidFill>
-                        <a:schemeClr val="bg2">
-                          <a:lumMod val="25000"/>
+                        <a:schemeClr val="tx1">
+                          <a:lumMod val="75000"/>
+                          <a:lumOff val="25000"/>
                         </a:schemeClr>
                       </a:solidFill>
                       <a:prstDash val="solid"/>
@@ -22041,8 +22372,9 @@
                     </a:lnR>
                     <a:lnT w="12700" cap="flat" cmpd="sng" algn="ctr">
                       <a:solidFill>
-                        <a:schemeClr val="bg2">
-                          <a:lumMod val="25000"/>
+                        <a:schemeClr val="tx1">
+                          <a:lumMod val="75000"/>
+                          <a:lumOff val="25000"/>
                         </a:schemeClr>
                       </a:solidFill>
                       <a:prstDash val="solid"/>
@@ -22052,8 +22384,9 @@
                     </a:lnT>
                     <a:lnB w="12700" cap="flat" cmpd="sng" algn="ctr">
                       <a:solidFill>
-                        <a:schemeClr val="bg2">
-                          <a:lumMod val="25000"/>
+                        <a:schemeClr val="tx1">
+                          <a:lumMod val="75000"/>
+                          <a:lumOff val="25000"/>
                         </a:schemeClr>
                       </a:solidFill>
                       <a:prstDash val="solid"/>
@@ -22065,11 +22398,11 @@
                 </a:tc>
                 <a:extLst>
                   <a:ext uri="{0D108BD9-81ED-4DB2-BD59-A6C34878D82A}">
-                    <a16:rowId xmlns:a16="http://schemas.microsoft.com/office/drawing/2014/main" val="2949438793"/>
+                    <a16:rowId xmlns:a16="http://schemas.microsoft.com/office/drawing/2014/main" val="811287561"/>
                   </a:ext>
                 </a:extLst>
               </a:tr>
-              <a:tr h="175895">
+              <a:tr h="248278">
                 <a:tc>
                   <a:txBody>
                     <a:bodyPr/>
@@ -22084,24 +22417,32 @@
                         </a:spcAft>
                       </a:pPr>
                       <a:r>
-                        <a:rPr lang="en-US" sz="1600">
+                        <a:rPr lang="en-US" sz="1400">
                           <a:solidFill>
                             <a:schemeClr val="bg1"/>
                           </a:solidFill>
                           <a:effectLst/>
                           <a:latin typeface="Consolas" panose="020B0609020204030204" pitchFamily="49" charset="0"/>
-                          <a:ea typeface="Roboto" panose="02000000000000000000" pitchFamily="2" charset="0"/>
-                          <a:cs typeface="Roboto" panose="02000000000000000000" pitchFamily="2" charset="0"/>
                         </a:rPr>
                         <a:t>7</a:t>
                       </a:r>
+                      <a:endParaRPr lang="en-US" sz="1400">
+                        <a:solidFill>
+                          <a:schemeClr val="bg1"/>
+                        </a:solidFill>
+                        <a:effectLst/>
+                        <a:latin typeface="Consolas" panose="020B0609020204030204" pitchFamily="49" charset="0"/>
+                        <a:ea typeface="Times New Roman" panose="02020603050405020304" pitchFamily="18" charset="0"/>
+                        <a:cs typeface="Times New Roman" panose="02020603050405020304" pitchFamily="18" charset="0"/>
+                      </a:endParaRPr>
                     </a:p>
                   </a:txBody>
                   <a:tcPr marL="68580" marR="68580" marT="0" marB="0" anchor="b">
                     <a:lnL w="12700" cap="flat" cmpd="sng" algn="ctr">
                       <a:solidFill>
-                        <a:schemeClr val="bg2">
-                          <a:lumMod val="25000"/>
+                        <a:schemeClr val="tx1">
+                          <a:lumMod val="75000"/>
+                          <a:lumOff val="25000"/>
                         </a:schemeClr>
                       </a:solidFill>
                       <a:prstDash val="solid"/>
@@ -22111,8 +22452,9 @@
                     </a:lnL>
                     <a:lnR w="12700" cap="flat" cmpd="sng" algn="ctr">
                       <a:solidFill>
-                        <a:schemeClr val="bg2">
-                          <a:lumMod val="25000"/>
+                        <a:schemeClr val="tx1">
+                          <a:lumMod val="75000"/>
+                          <a:lumOff val="25000"/>
                         </a:schemeClr>
                       </a:solidFill>
                       <a:prstDash val="solid"/>
@@ -22122,8 +22464,9 @@
                     </a:lnR>
                     <a:lnT w="12700" cap="flat" cmpd="sng" algn="ctr">
                       <a:solidFill>
-                        <a:schemeClr val="bg2">
-                          <a:lumMod val="25000"/>
+                        <a:schemeClr val="tx1">
+                          <a:lumMod val="75000"/>
+                          <a:lumOff val="25000"/>
                         </a:schemeClr>
                       </a:solidFill>
                       <a:prstDash val="solid"/>
@@ -22133,8 +22476,9 @@
                     </a:lnT>
                     <a:lnB w="12700" cap="flat" cmpd="sng" algn="ctr">
                       <a:solidFill>
-                        <a:schemeClr val="bg2">
-                          <a:lumMod val="25000"/>
+                        <a:schemeClr val="tx1">
+                          <a:lumMod val="75000"/>
+                          <a:lumOff val="25000"/>
                         </a:schemeClr>
                       </a:solidFill>
                       <a:prstDash val="solid"/>
@@ -22158,24 +22502,32 @@
                         </a:spcAft>
                       </a:pPr>
                       <a:r>
-                        <a:rPr lang="en-US" sz="1600">
+                        <a:rPr lang="en-US" sz="1400">
                           <a:solidFill>
                             <a:schemeClr val="bg1"/>
                           </a:solidFill>
                           <a:effectLst/>
                           <a:latin typeface="Consolas" panose="020B0609020204030204" pitchFamily="49" charset="0"/>
-                          <a:ea typeface="Roboto" panose="02000000000000000000" pitchFamily="2" charset="0"/>
-                          <a:cs typeface="Roboto" panose="02000000000000000000" pitchFamily="2" charset="0"/>
                         </a:rPr>
-                        <a:t>2-Oct</a:t>
+                        <a:t>19-Feb</a:t>
                       </a:r>
+                      <a:endParaRPr lang="en-US" sz="1400">
+                        <a:solidFill>
+                          <a:schemeClr val="bg1"/>
+                        </a:solidFill>
+                        <a:effectLst/>
+                        <a:latin typeface="Consolas" panose="020B0609020204030204" pitchFamily="49" charset="0"/>
+                        <a:ea typeface="Times New Roman" panose="02020603050405020304" pitchFamily="18" charset="0"/>
+                        <a:cs typeface="Times New Roman" panose="02020603050405020304" pitchFamily="18" charset="0"/>
+                      </a:endParaRPr>
                     </a:p>
                   </a:txBody>
-                  <a:tcPr marL="68580" marR="68580" marT="0" marB="0">
+                  <a:tcPr marL="68580" marR="68580" marT="0" marB="0" anchor="b">
                     <a:lnL w="12700" cap="flat" cmpd="sng" algn="ctr">
                       <a:solidFill>
-                        <a:schemeClr val="bg2">
-                          <a:lumMod val="25000"/>
+                        <a:schemeClr val="tx1">
+                          <a:lumMod val="75000"/>
+                          <a:lumOff val="25000"/>
                         </a:schemeClr>
                       </a:solidFill>
                       <a:prstDash val="solid"/>
@@ -22185,8 +22537,9 @@
                     </a:lnL>
                     <a:lnR w="12700" cap="flat" cmpd="sng" algn="ctr">
                       <a:solidFill>
-                        <a:schemeClr val="bg2">
-                          <a:lumMod val="25000"/>
+                        <a:schemeClr val="tx1">
+                          <a:lumMod val="75000"/>
+                          <a:lumOff val="25000"/>
                         </a:schemeClr>
                       </a:solidFill>
                       <a:prstDash val="solid"/>
@@ -22196,8 +22549,9 @@
                     </a:lnR>
                     <a:lnT w="12700" cap="flat" cmpd="sng" algn="ctr">
                       <a:solidFill>
-                        <a:schemeClr val="bg2">
-                          <a:lumMod val="25000"/>
+                        <a:schemeClr val="tx1">
+                          <a:lumMod val="75000"/>
+                          <a:lumOff val="25000"/>
                         </a:schemeClr>
                       </a:solidFill>
                       <a:prstDash val="solid"/>
@@ -22207,8 +22561,9 @@
                     </a:lnT>
                     <a:lnB w="12700" cap="flat" cmpd="sng" algn="ctr">
                       <a:solidFill>
-                        <a:schemeClr val="bg2">
-                          <a:lumMod val="25000"/>
+                        <a:schemeClr val="tx1">
+                          <a:lumMod val="75000"/>
+                          <a:lumOff val="25000"/>
                         </a:schemeClr>
                       </a:solidFill>
                       <a:prstDash val="solid"/>
@@ -22232,24 +22587,32 @@
                         </a:spcAft>
                       </a:pPr>
                       <a:r>
-                        <a:rPr lang="en-US" sz="1600">
+                        <a:rPr lang="en-US" sz="1400">
                           <a:solidFill>
                             <a:schemeClr val="bg1"/>
                           </a:solidFill>
                           <a:effectLst/>
                           <a:latin typeface="Consolas" panose="020B0609020204030204" pitchFamily="49" charset="0"/>
-                          <a:ea typeface="Roboto" panose="02000000000000000000" pitchFamily="2" charset="0"/>
-                          <a:cs typeface="Roboto" panose="02000000000000000000" pitchFamily="2" charset="0"/>
                         </a:rPr>
-                        <a:t>8-Oct</a:t>
+                        <a:t>25-Feb</a:t>
                       </a:r>
+                      <a:endParaRPr lang="en-US" sz="1400">
+                        <a:solidFill>
+                          <a:schemeClr val="bg1"/>
+                        </a:solidFill>
+                        <a:effectLst/>
+                        <a:latin typeface="Consolas" panose="020B0609020204030204" pitchFamily="49" charset="0"/>
+                        <a:ea typeface="Times New Roman" panose="02020603050405020304" pitchFamily="18" charset="0"/>
+                        <a:cs typeface="Times New Roman" panose="02020603050405020304" pitchFamily="18" charset="0"/>
+                      </a:endParaRPr>
                     </a:p>
                   </a:txBody>
-                  <a:tcPr marL="68580" marR="68580" marT="0" marB="0">
+                  <a:tcPr marL="68580" marR="68580" marT="0" marB="0" anchor="b">
                     <a:lnL w="12700" cap="flat" cmpd="sng" algn="ctr">
                       <a:solidFill>
-                        <a:schemeClr val="bg2">
-                          <a:lumMod val="25000"/>
+                        <a:schemeClr val="tx1">
+                          <a:lumMod val="75000"/>
+                          <a:lumOff val="25000"/>
                         </a:schemeClr>
                       </a:solidFill>
                       <a:prstDash val="solid"/>
@@ -22259,8 +22622,9 @@
                     </a:lnL>
                     <a:lnR w="12700" cap="flat" cmpd="sng" algn="ctr">
                       <a:solidFill>
-                        <a:schemeClr val="bg2">
-                          <a:lumMod val="25000"/>
+                        <a:schemeClr val="tx1">
+                          <a:lumMod val="75000"/>
+                          <a:lumOff val="25000"/>
                         </a:schemeClr>
                       </a:solidFill>
                       <a:prstDash val="solid"/>
@@ -22270,8 +22634,9 @@
                     </a:lnR>
                     <a:lnT w="12700" cap="flat" cmpd="sng" algn="ctr">
                       <a:solidFill>
-                        <a:schemeClr val="bg2">
-                          <a:lumMod val="25000"/>
+                        <a:schemeClr val="tx1">
+                          <a:lumMod val="75000"/>
+                          <a:lumOff val="25000"/>
                         </a:schemeClr>
                       </a:solidFill>
                       <a:prstDash val="solid"/>
@@ -22281,8 +22646,9 @@
                     </a:lnT>
                     <a:lnB w="12700" cap="flat" cmpd="sng" algn="ctr">
                       <a:solidFill>
-                        <a:schemeClr val="bg2">
-                          <a:lumMod val="25000"/>
+                        <a:schemeClr val="tx1">
+                          <a:lumMod val="75000"/>
+                          <a:lumOff val="25000"/>
                         </a:schemeClr>
                       </a:solidFill>
                       <a:prstDash val="solid"/>
@@ -22306,24 +22672,32 @@
                         </a:spcAft>
                       </a:pPr>
                       <a:r>
-                        <a:rPr lang="en-US" sz="1600">
+                        <a:rPr lang="en-US" sz="1400">
                           <a:solidFill>
                             <a:schemeClr val="bg1"/>
                           </a:solidFill>
                           <a:effectLst/>
                           <a:latin typeface="Consolas" panose="020B0609020204030204" pitchFamily="49" charset="0"/>
-                          <a:ea typeface="Roboto" panose="02000000000000000000" pitchFamily="2" charset="0"/>
-                          <a:cs typeface="Roboto" panose="02000000000000000000" pitchFamily="2" charset="0"/>
                         </a:rPr>
-                        <a:t>Heaps &amp; Priority Queues</a:t>
+                        <a:t>Sorting</a:t>
                       </a:r>
+                      <a:endParaRPr lang="en-US" sz="1400">
+                        <a:solidFill>
+                          <a:schemeClr val="bg1"/>
+                        </a:solidFill>
+                        <a:effectLst/>
+                        <a:latin typeface="Consolas" panose="020B0609020204030204" pitchFamily="49" charset="0"/>
+                        <a:ea typeface="Times New Roman" panose="02020603050405020304" pitchFamily="18" charset="0"/>
+                        <a:cs typeface="Times New Roman" panose="02020603050405020304" pitchFamily="18" charset="0"/>
+                      </a:endParaRPr>
                     </a:p>
                   </a:txBody>
                   <a:tcPr marL="68580" marR="68580" marT="0" marB="0" anchor="b">
                     <a:lnL w="12700" cap="flat" cmpd="sng" algn="ctr">
                       <a:solidFill>
-                        <a:schemeClr val="bg2">
-                          <a:lumMod val="25000"/>
+                        <a:schemeClr val="tx1">
+                          <a:lumMod val="75000"/>
+                          <a:lumOff val="25000"/>
                         </a:schemeClr>
                       </a:solidFill>
                       <a:prstDash val="solid"/>
@@ -22333,8 +22707,9 @@
                     </a:lnL>
                     <a:lnR w="12700" cap="flat" cmpd="sng" algn="ctr">
                       <a:solidFill>
-                        <a:schemeClr val="bg2">
-                          <a:lumMod val="25000"/>
+                        <a:schemeClr val="tx1">
+                          <a:lumMod val="75000"/>
+                          <a:lumOff val="25000"/>
                         </a:schemeClr>
                       </a:solidFill>
                       <a:prstDash val="solid"/>
@@ -22344,8 +22719,9 @@
                     </a:lnR>
                     <a:lnT w="12700" cap="flat" cmpd="sng" algn="ctr">
                       <a:solidFill>
-                        <a:schemeClr val="bg2">
-                          <a:lumMod val="25000"/>
+                        <a:schemeClr val="tx1">
+                          <a:lumMod val="75000"/>
+                          <a:lumOff val="25000"/>
                         </a:schemeClr>
                       </a:solidFill>
                       <a:prstDash val="solid"/>
@@ -22355,8 +22731,9 @@
                     </a:lnT>
                     <a:lnB w="12700" cap="flat" cmpd="sng" algn="ctr">
                       <a:solidFill>
-                        <a:schemeClr val="bg2">
-                          <a:lumMod val="25000"/>
+                        <a:schemeClr val="tx1">
+                          <a:lumMod val="75000"/>
+                          <a:lumOff val="25000"/>
                         </a:schemeClr>
                       </a:solidFill>
                       <a:prstDash val="solid"/>
@@ -22380,45 +22757,62 @@
                         </a:spcAft>
                       </a:pPr>
                       <a:r>
-                        <a:rPr lang="en-US" sz="1600">
+                        <a:rPr lang="en-US" sz="1400">
                           <a:solidFill>
                             <a:schemeClr val="bg1"/>
                           </a:solidFill>
                           <a:effectLst/>
                           <a:latin typeface="Consolas" panose="020B0609020204030204" pitchFamily="49" charset="0"/>
-                          <a:ea typeface="Roboto" panose="02000000000000000000" pitchFamily="2" charset="0"/>
-                          <a:cs typeface="Roboto" panose="02000000000000000000" pitchFamily="2" charset="0"/>
                         </a:rPr>
                         <a:t>P</a:t>
                       </a:r>
                       <a:r>
-                        <a:rPr lang="en-US" sz="1600" baseline="-25000">
+                        <a:rPr lang="en-US" sz="1400" baseline="-25000">
                           <a:solidFill>
                             <a:schemeClr val="bg1"/>
                           </a:solidFill>
                           <a:effectLst/>
                           <a:latin typeface="Consolas" panose="020B0609020204030204" pitchFamily="49" charset="0"/>
-                          <a:ea typeface="Roboto" panose="02000000000000000000" pitchFamily="2" charset="0"/>
-                          <a:cs typeface="Roboto" panose="02000000000000000000" pitchFamily="2" charset="0"/>
                         </a:rPr>
-                        <a:t>1</a:t>
+                        <a:t>1, </a:t>
                       </a:r>
-                      <a:endParaRPr lang="en-US" sz="1600">
+                      <a:r>
+                        <a:rPr lang="en-US" sz="1400">
+                          <a:solidFill>
+                            <a:schemeClr val="bg1"/>
+                          </a:solidFill>
+                          <a:effectLst/>
+                          <a:latin typeface="Consolas" panose="020B0609020204030204" pitchFamily="49" charset="0"/>
+                        </a:rPr>
+                        <a:t>Q</a:t>
+                      </a:r>
+                      <a:r>
+                        <a:rPr lang="en-US" sz="1400" baseline="-25000">
+                          <a:solidFill>
+                            <a:schemeClr val="bg1"/>
+                          </a:solidFill>
+                          <a:effectLst/>
+                          <a:latin typeface="Consolas" panose="020B0609020204030204" pitchFamily="49" charset="0"/>
+                        </a:rPr>
+                        <a:t>6</a:t>
+                      </a:r>
+                      <a:endParaRPr lang="en-US" sz="1400">
                         <a:solidFill>
                           <a:schemeClr val="bg1"/>
                         </a:solidFill>
                         <a:effectLst/>
                         <a:latin typeface="Consolas" panose="020B0609020204030204" pitchFamily="49" charset="0"/>
-                        <a:ea typeface="Roboto" panose="02000000000000000000" pitchFamily="2" charset="0"/>
-                        <a:cs typeface="Roboto" panose="02000000000000000000" pitchFamily="2" charset="0"/>
+                        <a:ea typeface="Times New Roman" panose="02020603050405020304" pitchFamily="18" charset="0"/>
+                        <a:cs typeface="Times New Roman" panose="02020603050405020304" pitchFamily="18" charset="0"/>
                       </a:endParaRPr>
                     </a:p>
                   </a:txBody>
                   <a:tcPr marL="68580" marR="68580" marT="0" marB="0" anchor="ctr">
                     <a:lnL w="12700" cap="flat" cmpd="sng" algn="ctr">
                       <a:solidFill>
-                        <a:schemeClr val="bg2">
-                          <a:lumMod val="25000"/>
+                        <a:schemeClr val="tx1">
+                          <a:lumMod val="75000"/>
+                          <a:lumOff val="25000"/>
                         </a:schemeClr>
                       </a:solidFill>
                       <a:prstDash val="solid"/>
@@ -22428,8 +22822,9 @@
                     </a:lnL>
                     <a:lnR w="12700" cap="flat" cmpd="sng" algn="ctr">
                       <a:solidFill>
-                        <a:schemeClr val="bg2">
-                          <a:lumMod val="25000"/>
+                        <a:schemeClr val="tx1">
+                          <a:lumMod val="75000"/>
+                          <a:lumOff val="25000"/>
                         </a:schemeClr>
                       </a:solidFill>
                       <a:prstDash val="solid"/>
@@ -22439,8 +22834,9 @@
                     </a:lnR>
                     <a:lnT w="12700" cap="flat" cmpd="sng" algn="ctr">
                       <a:solidFill>
-                        <a:schemeClr val="bg2">
-                          <a:lumMod val="25000"/>
+                        <a:schemeClr val="tx1">
+                          <a:lumMod val="75000"/>
+                          <a:lumOff val="25000"/>
                         </a:schemeClr>
                       </a:solidFill>
                       <a:prstDash val="solid"/>
@@ -22450,8 +22846,9 @@
                     </a:lnT>
                     <a:lnB w="12700" cap="flat" cmpd="sng" algn="ctr">
                       <a:solidFill>
-                        <a:schemeClr val="bg2">
-                          <a:lumMod val="25000"/>
+                        <a:schemeClr val="tx1">
+                          <a:lumMod val="75000"/>
+                          <a:lumOff val="25000"/>
                         </a:schemeClr>
                       </a:solidFill>
                       <a:prstDash val="solid"/>
@@ -22463,11 +22860,11 @@
                 </a:tc>
                 <a:extLst>
                   <a:ext uri="{0D108BD9-81ED-4DB2-BD59-A6C34878D82A}">
-                    <a16:rowId xmlns:a16="http://schemas.microsoft.com/office/drawing/2014/main" val="115715265"/>
+                    <a16:rowId xmlns:a16="http://schemas.microsoft.com/office/drawing/2014/main" val="467241443"/>
                   </a:ext>
                 </a:extLst>
               </a:tr>
-              <a:tr h="175895">
+              <a:tr h="248278">
                 <a:tc>
                   <a:txBody>
                     <a:bodyPr/>
@@ -22482,24 +22879,32 @@
                         </a:spcAft>
                       </a:pPr>
                       <a:r>
-                        <a:rPr lang="en-US" sz="1600">
+                        <a:rPr lang="en-US" sz="1400">
                           <a:solidFill>
                             <a:schemeClr val="bg1"/>
                           </a:solidFill>
                           <a:effectLst/>
                           <a:latin typeface="Consolas" panose="020B0609020204030204" pitchFamily="49" charset="0"/>
-                          <a:ea typeface="Roboto" panose="02000000000000000000" pitchFamily="2" charset="0"/>
-                          <a:cs typeface="Roboto" panose="02000000000000000000" pitchFamily="2" charset="0"/>
                         </a:rPr>
                         <a:t>8</a:t>
                       </a:r>
+                      <a:endParaRPr lang="en-US" sz="1400">
+                        <a:solidFill>
+                          <a:schemeClr val="bg1"/>
+                        </a:solidFill>
+                        <a:effectLst/>
+                        <a:latin typeface="Consolas" panose="020B0609020204030204" pitchFamily="49" charset="0"/>
+                        <a:ea typeface="Times New Roman" panose="02020603050405020304" pitchFamily="18" charset="0"/>
+                        <a:cs typeface="Times New Roman" panose="02020603050405020304" pitchFamily="18" charset="0"/>
+                      </a:endParaRPr>
                     </a:p>
                   </a:txBody>
                   <a:tcPr marL="68580" marR="68580" marT="0" marB="0" anchor="b">
                     <a:lnL w="12700" cap="flat" cmpd="sng" algn="ctr">
                       <a:solidFill>
-                        <a:schemeClr val="bg2">
-                          <a:lumMod val="25000"/>
+                        <a:schemeClr val="tx1">
+                          <a:lumMod val="75000"/>
+                          <a:lumOff val="25000"/>
                         </a:schemeClr>
                       </a:solidFill>
                       <a:prstDash val="solid"/>
@@ -22509,8 +22914,9 @@
                     </a:lnL>
                     <a:lnR w="12700" cap="flat" cmpd="sng" algn="ctr">
                       <a:solidFill>
-                        <a:schemeClr val="bg2">
-                          <a:lumMod val="25000"/>
+                        <a:schemeClr val="tx1">
+                          <a:lumMod val="75000"/>
+                          <a:lumOff val="25000"/>
                         </a:schemeClr>
                       </a:solidFill>
                       <a:prstDash val="solid"/>
@@ -22520,8 +22926,9 @@
                     </a:lnR>
                     <a:lnT w="12700" cap="flat" cmpd="sng" algn="ctr">
                       <a:solidFill>
-                        <a:schemeClr val="bg2">
-                          <a:lumMod val="25000"/>
+                        <a:schemeClr val="tx1">
+                          <a:lumMod val="75000"/>
+                          <a:lumOff val="25000"/>
                         </a:schemeClr>
                       </a:solidFill>
                       <a:prstDash val="solid"/>
@@ -22531,8 +22938,9 @@
                     </a:lnT>
                     <a:lnB w="12700" cap="flat" cmpd="sng" algn="ctr">
                       <a:solidFill>
-                        <a:schemeClr val="bg2">
-                          <a:lumMod val="25000"/>
+                        <a:schemeClr val="tx1">
+                          <a:lumMod val="75000"/>
+                          <a:lumOff val="25000"/>
                         </a:schemeClr>
                       </a:solidFill>
                       <a:prstDash val="solid"/>
@@ -22556,24 +22964,32 @@
                         </a:spcAft>
                       </a:pPr>
                       <a:r>
-                        <a:rPr lang="en-US" sz="1600">
+                        <a:rPr lang="en-US" sz="1400">
                           <a:solidFill>
                             <a:schemeClr val="bg1"/>
                           </a:solidFill>
                           <a:effectLst/>
                           <a:latin typeface="Consolas" panose="020B0609020204030204" pitchFamily="49" charset="0"/>
-                          <a:ea typeface="Roboto" panose="02000000000000000000" pitchFamily="2" charset="0"/>
-                          <a:cs typeface="Roboto" panose="02000000000000000000" pitchFamily="2" charset="0"/>
                         </a:rPr>
-                        <a:t>9-Oct</a:t>
+                        <a:t>26-Feb</a:t>
                       </a:r>
+                      <a:endParaRPr lang="en-US" sz="1400">
+                        <a:solidFill>
+                          <a:schemeClr val="bg1"/>
+                        </a:solidFill>
+                        <a:effectLst/>
+                        <a:latin typeface="Consolas" panose="020B0609020204030204" pitchFamily="49" charset="0"/>
+                        <a:ea typeface="Times New Roman" panose="02020603050405020304" pitchFamily="18" charset="0"/>
+                        <a:cs typeface="Times New Roman" panose="02020603050405020304" pitchFamily="18" charset="0"/>
+                      </a:endParaRPr>
                     </a:p>
                   </a:txBody>
-                  <a:tcPr marL="68580" marR="68580" marT="0" marB="0">
+                  <a:tcPr marL="68580" marR="68580" marT="0" marB="0" anchor="b">
                     <a:lnL w="12700" cap="flat" cmpd="sng" algn="ctr">
                       <a:solidFill>
-                        <a:schemeClr val="bg2">
-                          <a:lumMod val="25000"/>
+                        <a:schemeClr val="tx1">
+                          <a:lumMod val="75000"/>
+                          <a:lumOff val="25000"/>
                         </a:schemeClr>
                       </a:solidFill>
                       <a:prstDash val="solid"/>
@@ -22583,8 +22999,9 @@
                     </a:lnL>
                     <a:lnR w="12700" cap="flat" cmpd="sng" algn="ctr">
                       <a:solidFill>
-                        <a:schemeClr val="bg2">
-                          <a:lumMod val="25000"/>
+                        <a:schemeClr val="tx1">
+                          <a:lumMod val="75000"/>
+                          <a:lumOff val="25000"/>
                         </a:schemeClr>
                       </a:solidFill>
                       <a:prstDash val="solid"/>
@@ -22594,8 +23011,9 @@
                     </a:lnR>
                     <a:lnT w="12700" cap="flat" cmpd="sng" algn="ctr">
                       <a:solidFill>
-                        <a:schemeClr val="bg2">
-                          <a:lumMod val="25000"/>
+                        <a:schemeClr val="tx1">
+                          <a:lumMod val="75000"/>
+                          <a:lumOff val="25000"/>
                         </a:schemeClr>
                       </a:solidFill>
                       <a:prstDash val="solid"/>
@@ -22605,8 +23023,9 @@
                     </a:lnT>
                     <a:lnB w="12700" cap="flat" cmpd="sng" algn="ctr">
                       <a:solidFill>
-                        <a:schemeClr val="bg2">
-                          <a:lumMod val="25000"/>
+                        <a:schemeClr val="tx1">
+                          <a:lumMod val="75000"/>
+                          <a:lumOff val="25000"/>
                         </a:schemeClr>
                       </a:solidFill>
                       <a:prstDash val="solid"/>
@@ -22630,24 +23049,32 @@
                         </a:spcAft>
                       </a:pPr>
                       <a:r>
-                        <a:rPr lang="en-US" sz="1600">
+                        <a:rPr lang="en-US" sz="1400">
                           <a:solidFill>
                             <a:schemeClr val="bg1"/>
                           </a:solidFill>
                           <a:effectLst/>
                           <a:latin typeface="Consolas" panose="020B0609020204030204" pitchFamily="49" charset="0"/>
-                          <a:ea typeface="Roboto" panose="02000000000000000000" pitchFamily="2" charset="0"/>
-                          <a:cs typeface="Roboto" panose="02000000000000000000" pitchFamily="2" charset="0"/>
                         </a:rPr>
-                        <a:t>15-Oct</a:t>
+                        <a:t>3-Mar</a:t>
                       </a:r>
+                      <a:endParaRPr lang="en-US" sz="1400">
+                        <a:solidFill>
+                          <a:schemeClr val="bg1"/>
+                        </a:solidFill>
+                        <a:effectLst/>
+                        <a:latin typeface="Consolas" panose="020B0609020204030204" pitchFamily="49" charset="0"/>
+                        <a:ea typeface="Times New Roman" panose="02020603050405020304" pitchFamily="18" charset="0"/>
+                        <a:cs typeface="Times New Roman" panose="02020603050405020304" pitchFamily="18" charset="0"/>
+                      </a:endParaRPr>
                     </a:p>
                   </a:txBody>
-                  <a:tcPr marL="68580" marR="68580" marT="0" marB="0">
+                  <a:tcPr marL="68580" marR="68580" marT="0" marB="0" anchor="b">
                     <a:lnL w="12700" cap="flat" cmpd="sng" algn="ctr">
                       <a:solidFill>
-                        <a:schemeClr val="bg2">
-                          <a:lumMod val="25000"/>
+                        <a:schemeClr val="tx1">
+                          <a:lumMod val="75000"/>
+                          <a:lumOff val="25000"/>
                         </a:schemeClr>
                       </a:solidFill>
                       <a:prstDash val="solid"/>
@@ -22657,8 +23084,9 @@
                     </a:lnL>
                     <a:lnR w="12700" cap="flat" cmpd="sng" algn="ctr">
                       <a:solidFill>
-                        <a:schemeClr val="bg2">
-                          <a:lumMod val="25000"/>
+                        <a:schemeClr val="tx1">
+                          <a:lumMod val="75000"/>
+                          <a:lumOff val="25000"/>
                         </a:schemeClr>
                       </a:solidFill>
                       <a:prstDash val="solid"/>
@@ -22668,8 +23096,9 @@
                     </a:lnR>
                     <a:lnT w="12700" cap="flat" cmpd="sng" algn="ctr">
                       <a:solidFill>
-                        <a:schemeClr val="bg2">
-                          <a:lumMod val="25000"/>
+                        <a:schemeClr val="tx1">
+                          <a:lumMod val="75000"/>
+                          <a:lumOff val="25000"/>
                         </a:schemeClr>
                       </a:solidFill>
                       <a:prstDash val="solid"/>
@@ -22679,8 +23108,9 @@
                     </a:lnT>
                     <a:lnB w="12700" cap="flat" cmpd="sng" algn="ctr">
                       <a:solidFill>
-                        <a:schemeClr val="bg2">
-                          <a:lumMod val="25000"/>
+                        <a:schemeClr val="tx1">
+                          <a:lumMod val="75000"/>
+                          <a:lumOff val="25000"/>
                         </a:schemeClr>
                       </a:solidFill>
                       <a:prstDash val="solid"/>
@@ -22704,24 +23134,38 @@
                         </a:spcAft>
                       </a:pPr>
                       <a:r>
-                        <a:rPr lang="en-US" sz="1600" dirty="0">
+                        <a:rPr lang="en-US" sz="1400" dirty="0">
                           <a:solidFill>
-                            <a:schemeClr val="accent2"/>
+                            <a:schemeClr val="accent2">
+                              <a:lumMod val="20000"/>
+                              <a:lumOff val="80000"/>
+                            </a:schemeClr>
                           </a:solidFill>
                           <a:effectLst/>
                           <a:latin typeface="Consolas" panose="020B0609020204030204" pitchFamily="49" charset="0"/>
-                          <a:ea typeface="Roboto" panose="02000000000000000000" pitchFamily="2" charset="0"/>
-                          <a:cs typeface="Roboto" panose="02000000000000000000" pitchFamily="2" charset="0"/>
                         </a:rPr>
-                        <a:t>Exam 1 – October 12</a:t>
+                        <a:t>Exam 1 (March 1)</a:t>
                       </a:r>
+                      <a:endParaRPr lang="en-US" sz="1400" dirty="0">
+                        <a:solidFill>
+                          <a:schemeClr val="accent2">
+                            <a:lumMod val="20000"/>
+                            <a:lumOff val="80000"/>
+                          </a:schemeClr>
+                        </a:solidFill>
+                        <a:effectLst/>
+                        <a:latin typeface="Consolas" panose="020B0609020204030204" pitchFamily="49" charset="0"/>
+                        <a:ea typeface="Times New Roman" panose="02020603050405020304" pitchFamily="18" charset="0"/>
+                        <a:cs typeface="Times New Roman" panose="02020603050405020304" pitchFamily="18" charset="0"/>
+                      </a:endParaRPr>
                     </a:p>
                   </a:txBody>
                   <a:tcPr marL="68580" marR="68580" marT="0" marB="0" anchor="ctr">
                     <a:lnL w="12700" cap="flat" cmpd="sng" algn="ctr">
                       <a:solidFill>
-                        <a:schemeClr val="bg2">
-                          <a:lumMod val="25000"/>
+                        <a:schemeClr val="tx1">
+                          <a:lumMod val="75000"/>
+                          <a:lumOff val="25000"/>
                         </a:schemeClr>
                       </a:solidFill>
                       <a:prstDash val="solid"/>
@@ -22731,8 +23175,9 @@
                     </a:lnL>
                     <a:lnR w="12700" cap="flat" cmpd="sng" algn="ctr">
                       <a:solidFill>
-                        <a:schemeClr val="bg2">
-                          <a:lumMod val="25000"/>
+                        <a:schemeClr val="tx1">
+                          <a:lumMod val="75000"/>
+                          <a:lumOff val="25000"/>
                         </a:schemeClr>
                       </a:solidFill>
                       <a:prstDash val="solid"/>
@@ -22742,8 +23187,9 @@
                     </a:lnR>
                     <a:lnT w="12700" cap="flat" cmpd="sng" algn="ctr">
                       <a:solidFill>
-                        <a:schemeClr val="bg2">
-                          <a:lumMod val="25000"/>
+                        <a:schemeClr val="tx1">
+                          <a:lumMod val="75000"/>
+                          <a:lumOff val="25000"/>
                         </a:schemeClr>
                       </a:solidFill>
                       <a:prstDash val="solid"/>
@@ -22753,8 +23199,9 @@
                     </a:lnT>
                     <a:lnB w="12700" cap="flat" cmpd="sng" algn="ctr">
                       <a:solidFill>
-                        <a:schemeClr val="bg2">
-                          <a:lumMod val="25000"/>
+                        <a:schemeClr val="tx1">
+                          <a:lumMod val="75000"/>
+                          <a:lumOff val="25000"/>
                         </a:schemeClr>
                       </a:solidFill>
                       <a:prstDash val="solid"/>
@@ -22778,45 +23225,42 @@
                         </a:spcAft>
                       </a:pPr>
                       <a:r>
-                        <a:rPr lang="en-US" sz="1600">
+                        <a:rPr lang="en-US" sz="1400">
                           <a:solidFill>
                             <a:schemeClr val="bg1"/>
                           </a:solidFill>
                           <a:effectLst/>
                           <a:latin typeface="Consolas" panose="020B0609020204030204" pitchFamily="49" charset="0"/>
-                          <a:ea typeface="Roboto" panose="02000000000000000000" pitchFamily="2" charset="0"/>
-                          <a:cs typeface="Roboto" panose="02000000000000000000" pitchFamily="2" charset="0"/>
                         </a:rPr>
                         <a:t>E</a:t>
                       </a:r>
                       <a:r>
-                        <a:rPr lang="en-US" sz="1600" baseline="-25000">
+                        <a:rPr lang="en-US" sz="1400" baseline="-25000">
                           <a:solidFill>
                             <a:schemeClr val="bg1"/>
                           </a:solidFill>
                           <a:effectLst/>
                           <a:latin typeface="Consolas" panose="020B0609020204030204" pitchFamily="49" charset="0"/>
-                          <a:ea typeface="Roboto" panose="02000000000000000000" pitchFamily="2" charset="0"/>
-                          <a:cs typeface="Roboto" panose="02000000000000000000" pitchFamily="2" charset="0"/>
                         </a:rPr>
                         <a:t>1</a:t>
                       </a:r>
-                      <a:endParaRPr lang="en-US" sz="1600">
+                      <a:endParaRPr lang="en-US" sz="1400">
                         <a:solidFill>
                           <a:schemeClr val="bg1"/>
                         </a:solidFill>
                         <a:effectLst/>
                         <a:latin typeface="Consolas" panose="020B0609020204030204" pitchFamily="49" charset="0"/>
-                        <a:ea typeface="Roboto" panose="02000000000000000000" pitchFamily="2" charset="0"/>
-                        <a:cs typeface="Roboto" panose="02000000000000000000" pitchFamily="2" charset="0"/>
+                        <a:ea typeface="Times New Roman" panose="02020603050405020304" pitchFamily="18" charset="0"/>
+                        <a:cs typeface="Times New Roman" panose="02020603050405020304" pitchFamily="18" charset="0"/>
                       </a:endParaRPr>
                     </a:p>
                   </a:txBody>
                   <a:tcPr marL="68580" marR="68580" marT="0" marB="0" anchor="b">
                     <a:lnL w="12700" cap="flat" cmpd="sng" algn="ctr">
                       <a:solidFill>
-                        <a:schemeClr val="bg2">
-                          <a:lumMod val="25000"/>
+                        <a:schemeClr val="tx1">
+                          <a:lumMod val="75000"/>
+                          <a:lumOff val="25000"/>
                         </a:schemeClr>
                       </a:solidFill>
                       <a:prstDash val="solid"/>
@@ -22826,8 +23270,9 @@
                     </a:lnL>
                     <a:lnR w="12700" cap="flat" cmpd="sng" algn="ctr">
                       <a:solidFill>
-                        <a:schemeClr val="bg2">
-                          <a:lumMod val="25000"/>
+                        <a:schemeClr val="tx1">
+                          <a:lumMod val="75000"/>
+                          <a:lumOff val="25000"/>
                         </a:schemeClr>
                       </a:solidFill>
                       <a:prstDash val="solid"/>
@@ -22837,8 +23282,9 @@
                     </a:lnR>
                     <a:lnT w="12700" cap="flat" cmpd="sng" algn="ctr">
                       <a:solidFill>
-                        <a:schemeClr val="bg2">
-                          <a:lumMod val="25000"/>
+                        <a:schemeClr val="tx1">
+                          <a:lumMod val="75000"/>
+                          <a:lumOff val="25000"/>
                         </a:schemeClr>
                       </a:solidFill>
                       <a:prstDash val="solid"/>
@@ -22848,8 +23294,9 @@
                     </a:lnT>
                     <a:lnB w="12700" cap="flat" cmpd="sng" algn="ctr">
                       <a:solidFill>
-                        <a:schemeClr val="bg2">
-                          <a:lumMod val="25000"/>
+                        <a:schemeClr val="tx1">
+                          <a:lumMod val="75000"/>
+                          <a:lumOff val="25000"/>
                         </a:schemeClr>
                       </a:solidFill>
                       <a:prstDash val="solid"/>
@@ -22861,11 +23308,11 @@
                 </a:tc>
                 <a:extLst>
                   <a:ext uri="{0D108BD9-81ED-4DB2-BD59-A6C34878D82A}">
-                    <a16:rowId xmlns:a16="http://schemas.microsoft.com/office/drawing/2014/main" val="2546371580"/>
+                    <a16:rowId xmlns:a16="http://schemas.microsoft.com/office/drawing/2014/main" val="2337673773"/>
                   </a:ext>
                 </a:extLst>
               </a:tr>
-              <a:tr h="175895">
+              <a:tr h="248278">
                 <a:tc>
                   <a:txBody>
                     <a:bodyPr/>
@@ -22880,24 +23327,32 @@
                         </a:spcAft>
                       </a:pPr>
                       <a:r>
-                        <a:rPr lang="en-US" sz="1600">
+                        <a:rPr lang="en-US" sz="1400">
                           <a:solidFill>
                             <a:schemeClr val="bg1"/>
                           </a:solidFill>
                           <a:effectLst/>
                           <a:latin typeface="Consolas" panose="020B0609020204030204" pitchFamily="49" charset="0"/>
-                          <a:ea typeface="Roboto" panose="02000000000000000000" pitchFamily="2" charset="0"/>
-                          <a:cs typeface="Roboto" panose="02000000000000000000" pitchFamily="2" charset="0"/>
                         </a:rPr>
                         <a:t>9</a:t>
                       </a:r>
+                      <a:endParaRPr lang="en-US" sz="1400">
+                        <a:solidFill>
+                          <a:schemeClr val="bg1"/>
+                        </a:solidFill>
+                        <a:effectLst/>
+                        <a:latin typeface="Consolas" panose="020B0609020204030204" pitchFamily="49" charset="0"/>
+                        <a:ea typeface="Times New Roman" panose="02020603050405020304" pitchFamily="18" charset="0"/>
+                        <a:cs typeface="Times New Roman" panose="02020603050405020304" pitchFamily="18" charset="0"/>
+                      </a:endParaRPr>
                     </a:p>
                   </a:txBody>
                   <a:tcPr marL="68580" marR="68580" marT="0" marB="0" anchor="b">
                     <a:lnL w="12700" cap="flat" cmpd="sng" algn="ctr">
                       <a:solidFill>
-                        <a:schemeClr val="bg2">
-                          <a:lumMod val="25000"/>
+                        <a:schemeClr val="tx1">
+                          <a:lumMod val="75000"/>
+                          <a:lumOff val="25000"/>
                         </a:schemeClr>
                       </a:solidFill>
                       <a:prstDash val="solid"/>
@@ -22907,8 +23362,9 @@
                     </a:lnL>
                     <a:lnR w="12700" cap="flat" cmpd="sng" algn="ctr">
                       <a:solidFill>
-                        <a:schemeClr val="bg2">
-                          <a:lumMod val="25000"/>
+                        <a:schemeClr val="tx1">
+                          <a:lumMod val="75000"/>
+                          <a:lumOff val="25000"/>
                         </a:schemeClr>
                       </a:solidFill>
                       <a:prstDash val="solid"/>
@@ -22918,8 +23374,9 @@
                     </a:lnR>
                     <a:lnT w="12700" cap="flat" cmpd="sng" algn="ctr">
                       <a:solidFill>
-                        <a:schemeClr val="bg2">
-                          <a:lumMod val="25000"/>
+                        <a:schemeClr val="tx1">
+                          <a:lumMod val="75000"/>
+                          <a:lumOff val="25000"/>
                         </a:schemeClr>
                       </a:solidFill>
                       <a:prstDash val="solid"/>
@@ -22929,8 +23386,9 @@
                     </a:lnT>
                     <a:lnB w="12700" cap="flat" cmpd="sng" algn="ctr">
                       <a:solidFill>
-                        <a:schemeClr val="bg2">
-                          <a:lumMod val="25000"/>
+                        <a:schemeClr val="tx1">
+                          <a:lumMod val="75000"/>
+                          <a:lumOff val="25000"/>
                         </a:schemeClr>
                       </a:solidFill>
                       <a:prstDash val="solid"/>
@@ -22954,24 +23412,32 @@
                         </a:spcAft>
                       </a:pPr>
                       <a:r>
-                        <a:rPr lang="en-US" sz="1600">
+                        <a:rPr lang="en-US" sz="1400">
                           <a:solidFill>
                             <a:schemeClr val="bg1"/>
                           </a:solidFill>
                           <a:effectLst/>
                           <a:latin typeface="Consolas" panose="020B0609020204030204" pitchFamily="49" charset="0"/>
-                          <a:ea typeface="Roboto" panose="02000000000000000000" pitchFamily="2" charset="0"/>
-                          <a:cs typeface="Roboto" panose="02000000000000000000" pitchFamily="2" charset="0"/>
                         </a:rPr>
-                        <a:t>16-Oct</a:t>
+                        <a:t>4-Mar</a:t>
                       </a:r>
+                      <a:endParaRPr lang="en-US" sz="1400">
+                        <a:solidFill>
+                          <a:schemeClr val="bg1"/>
+                        </a:solidFill>
+                        <a:effectLst/>
+                        <a:latin typeface="Consolas" panose="020B0609020204030204" pitchFamily="49" charset="0"/>
+                        <a:ea typeface="Times New Roman" panose="02020603050405020304" pitchFamily="18" charset="0"/>
+                        <a:cs typeface="Times New Roman" panose="02020603050405020304" pitchFamily="18" charset="0"/>
+                      </a:endParaRPr>
                     </a:p>
                   </a:txBody>
-                  <a:tcPr marL="68580" marR="68580" marT="0" marB="0">
+                  <a:tcPr marL="68580" marR="68580" marT="0" marB="0" anchor="b">
                     <a:lnL w="12700" cap="flat" cmpd="sng" algn="ctr">
                       <a:solidFill>
-                        <a:schemeClr val="bg2">
-                          <a:lumMod val="25000"/>
+                        <a:schemeClr val="tx1">
+                          <a:lumMod val="75000"/>
+                          <a:lumOff val="25000"/>
                         </a:schemeClr>
                       </a:solidFill>
                       <a:prstDash val="solid"/>
@@ -22981,8 +23447,9 @@
                     </a:lnL>
                     <a:lnR w="12700" cap="flat" cmpd="sng" algn="ctr">
                       <a:solidFill>
-                        <a:schemeClr val="bg2">
-                          <a:lumMod val="25000"/>
+                        <a:schemeClr val="tx1">
+                          <a:lumMod val="75000"/>
+                          <a:lumOff val="25000"/>
                         </a:schemeClr>
                       </a:solidFill>
                       <a:prstDash val="solid"/>
@@ -22992,8 +23459,9 @@
                     </a:lnR>
                     <a:lnT w="12700" cap="flat" cmpd="sng" algn="ctr">
                       <a:solidFill>
-                        <a:schemeClr val="bg2">
-                          <a:lumMod val="25000"/>
+                        <a:schemeClr val="tx1">
+                          <a:lumMod val="75000"/>
+                          <a:lumOff val="25000"/>
                         </a:schemeClr>
                       </a:solidFill>
                       <a:prstDash val="solid"/>
@@ -23003,8 +23471,9 @@
                     </a:lnT>
                     <a:lnB w="12700" cap="flat" cmpd="sng" algn="ctr">
                       <a:solidFill>
-                        <a:schemeClr val="bg2">
-                          <a:lumMod val="25000"/>
+                        <a:schemeClr val="tx1">
+                          <a:lumMod val="75000"/>
+                          <a:lumOff val="25000"/>
                         </a:schemeClr>
                       </a:solidFill>
                       <a:prstDash val="solid"/>
@@ -23028,24 +23497,32 @@
                         </a:spcAft>
                       </a:pPr>
                       <a:r>
-                        <a:rPr lang="en-US" sz="1600">
+                        <a:rPr lang="en-US" sz="1400">
                           <a:solidFill>
                             <a:schemeClr val="bg1"/>
                           </a:solidFill>
                           <a:effectLst/>
                           <a:latin typeface="Consolas" panose="020B0609020204030204" pitchFamily="49" charset="0"/>
-                          <a:ea typeface="Roboto" panose="02000000000000000000" pitchFamily="2" charset="0"/>
-                          <a:cs typeface="Roboto" panose="02000000000000000000" pitchFamily="2" charset="0"/>
                         </a:rPr>
-                        <a:t>22-Oct</a:t>
+                        <a:t>10-Mar</a:t>
                       </a:r>
+                      <a:endParaRPr lang="en-US" sz="1400">
+                        <a:solidFill>
+                          <a:schemeClr val="bg1"/>
+                        </a:solidFill>
+                        <a:effectLst/>
+                        <a:latin typeface="Consolas" panose="020B0609020204030204" pitchFamily="49" charset="0"/>
+                        <a:ea typeface="Times New Roman" panose="02020603050405020304" pitchFamily="18" charset="0"/>
+                        <a:cs typeface="Times New Roman" panose="02020603050405020304" pitchFamily="18" charset="0"/>
+                      </a:endParaRPr>
                     </a:p>
                   </a:txBody>
-                  <a:tcPr marL="68580" marR="68580" marT="0" marB="0">
+                  <a:tcPr marL="68580" marR="68580" marT="0" marB="0" anchor="b">
                     <a:lnL w="12700" cap="flat" cmpd="sng" algn="ctr">
                       <a:solidFill>
-                        <a:schemeClr val="bg2">
-                          <a:lumMod val="25000"/>
+                        <a:schemeClr val="tx1">
+                          <a:lumMod val="75000"/>
+                          <a:lumOff val="25000"/>
                         </a:schemeClr>
                       </a:solidFill>
                       <a:prstDash val="solid"/>
@@ -23055,8 +23532,9 @@
                     </a:lnL>
                     <a:lnR w="12700" cap="flat" cmpd="sng" algn="ctr">
                       <a:solidFill>
-                        <a:schemeClr val="bg2">
-                          <a:lumMod val="25000"/>
+                        <a:schemeClr val="tx1">
+                          <a:lumMod val="75000"/>
+                          <a:lumOff val="25000"/>
                         </a:schemeClr>
                       </a:solidFill>
                       <a:prstDash val="solid"/>
@@ -23066,8 +23544,9 @@
                     </a:lnR>
                     <a:lnT w="12700" cap="flat" cmpd="sng" algn="ctr">
                       <a:solidFill>
-                        <a:schemeClr val="bg2">
-                          <a:lumMod val="25000"/>
+                        <a:schemeClr val="tx1">
+                          <a:lumMod val="75000"/>
+                          <a:lumOff val="25000"/>
                         </a:schemeClr>
                       </a:solidFill>
                       <a:prstDash val="solid"/>
@@ -23077,8 +23556,9 @@
                     </a:lnT>
                     <a:lnB w="12700" cap="flat" cmpd="sng" algn="ctr">
                       <a:solidFill>
-                        <a:schemeClr val="bg2">
-                          <a:lumMod val="25000"/>
+                        <a:schemeClr val="tx1">
+                          <a:lumMod val="75000"/>
+                          <a:lumOff val="25000"/>
                         </a:schemeClr>
                       </a:solidFill>
                       <a:prstDash val="solid"/>
@@ -23102,24 +23582,32 @@
                         </a:spcAft>
                       </a:pPr>
                       <a:r>
-                        <a:rPr lang="en-US" sz="1600">
+                        <a:rPr lang="en-US" sz="1400">
                           <a:solidFill>
                             <a:schemeClr val="bg1"/>
                           </a:solidFill>
                           <a:effectLst/>
                           <a:latin typeface="Consolas" panose="020B0609020204030204" pitchFamily="49" charset="0"/>
-                          <a:ea typeface="Roboto" panose="02000000000000000000" pitchFamily="2" charset="0"/>
-                          <a:cs typeface="Roboto" panose="02000000000000000000" pitchFamily="2" charset="0"/>
                         </a:rPr>
-                        <a:t>Sorting</a:t>
+                        <a:t>Sets, Maps, &amp; Hashing</a:t>
                       </a:r>
+                      <a:endParaRPr lang="en-US" sz="1400">
+                        <a:solidFill>
+                          <a:schemeClr val="bg1"/>
+                        </a:solidFill>
+                        <a:effectLst/>
+                        <a:latin typeface="Consolas" panose="020B0609020204030204" pitchFamily="49" charset="0"/>
+                        <a:ea typeface="Times New Roman" panose="02020603050405020304" pitchFamily="18" charset="0"/>
+                        <a:cs typeface="Times New Roman" panose="02020603050405020304" pitchFamily="18" charset="0"/>
+                      </a:endParaRPr>
                     </a:p>
                   </a:txBody>
                   <a:tcPr marL="68580" marR="68580" marT="0" marB="0" anchor="b">
                     <a:lnL w="12700" cap="flat" cmpd="sng" algn="ctr">
                       <a:solidFill>
-                        <a:schemeClr val="bg2">
-                          <a:lumMod val="25000"/>
+                        <a:schemeClr val="tx1">
+                          <a:lumMod val="75000"/>
+                          <a:lumOff val="25000"/>
                         </a:schemeClr>
                       </a:solidFill>
                       <a:prstDash val="solid"/>
@@ -23129,8 +23617,9 @@
                     </a:lnL>
                     <a:lnR w="12700" cap="flat" cmpd="sng" algn="ctr">
                       <a:solidFill>
-                        <a:schemeClr val="bg2">
-                          <a:lumMod val="25000"/>
+                        <a:schemeClr val="tx1">
+                          <a:lumMod val="75000"/>
+                          <a:lumOff val="25000"/>
                         </a:schemeClr>
                       </a:solidFill>
                       <a:prstDash val="solid"/>
@@ -23140,8 +23629,9 @@
                     </a:lnR>
                     <a:lnT w="12700" cap="flat" cmpd="sng" algn="ctr">
                       <a:solidFill>
-                        <a:schemeClr val="bg2">
-                          <a:lumMod val="25000"/>
+                        <a:schemeClr val="tx1">
+                          <a:lumMod val="75000"/>
+                          <a:lumOff val="25000"/>
                         </a:schemeClr>
                       </a:solidFill>
                       <a:prstDash val="solid"/>
@@ -23151,8 +23641,9 @@
                     </a:lnT>
                     <a:lnB w="12700" cap="flat" cmpd="sng" algn="ctr">
                       <a:solidFill>
-                        <a:schemeClr val="bg2">
-                          <a:lumMod val="25000"/>
+                        <a:schemeClr val="tx1">
+                          <a:lumMod val="75000"/>
+                          <a:lumOff val="25000"/>
                         </a:schemeClr>
                       </a:solidFill>
                       <a:prstDash val="solid"/>
@@ -23176,45 +23667,42 @@
                         </a:spcAft>
                       </a:pPr>
                       <a:r>
-                        <a:rPr lang="en-US" sz="1600">
+                        <a:rPr lang="en-US" sz="1400">
                           <a:solidFill>
                             <a:schemeClr val="bg1"/>
                           </a:solidFill>
                           <a:effectLst/>
                           <a:latin typeface="Consolas" panose="020B0609020204030204" pitchFamily="49" charset="0"/>
-                          <a:ea typeface="Roboto" panose="02000000000000000000" pitchFamily="2" charset="0"/>
-                          <a:cs typeface="Roboto" panose="02000000000000000000" pitchFamily="2" charset="0"/>
                         </a:rPr>
                         <a:t>P</a:t>
                       </a:r>
                       <a:r>
-                        <a:rPr lang="en-US" sz="1600" baseline="-25000">
+                        <a:rPr lang="en-US" sz="1400" baseline="-25000">
                           <a:solidFill>
                             <a:schemeClr val="bg1"/>
                           </a:solidFill>
                           <a:effectLst/>
                           <a:latin typeface="Consolas" panose="020B0609020204030204" pitchFamily="49" charset="0"/>
-                          <a:ea typeface="Roboto" panose="02000000000000000000" pitchFamily="2" charset="0"/>
-                          <a:cs typeface="Roboto" panose="02000000000000000000" pitchFamily="2" charset="0"/>
                         </a:rPr>
                         <a:t>3a</a:t>
                       </a:r>
-                      <a:endParaRPr lang="en-US" sz="1600">
+                      <a:endParaRPr lang="en-US" sz="1400">
                         <a:solidFill>
                           <a:schemeClr val="bg1"/>
                         </a:solidFill>
                         <a:effectLst/>
                         <a:latin typeface="Consolas" panose="020B0609020204030204" pitchFamily="49" charset="0"/>
-                        <a:ea typeface="Roboto" panose="02000000000000000000" pitchFamily="2" charset="0"/>
-                        <a:cs typeface="Roboto" panose="02000000000000000000" pitchFamily="2" charset="0"/>
+                        <a:ea typeface="Times New Roman" panose="02020603050405020304" pitchFamily="18" charset="0"/>
+                        <a:cs typeface="Times New Roman" panose="02020603050405020304" pitchFamily="18" charset="0"/>
                       </a:endParaRPr>
                     </a:p>
                   </a:txBody>
                   <a:tcPr marL="68580" marR="68580" marT="0" marB="0" anchor="b">
                     <a:lnL w="12700" cap="flat" cmpd="sng" algn="ctr">
                       <a:solidFill>
-                        <a:schemeClr val="bg2">
-                          <a:lumMod val="25000"/>
+                        <a:schemeClr val="tx1">
+                          <a:lumMod val="75000"/>
+                          <a:lumOff val="25000"/>
                         </a:schemeClr>
                       </a:solidFill>
                       <a:prstDash val="solid"/>
@@ -23224,8 +23712,9 @@
                     </a:lnL>
                     <a:lnR w="12700" cap="flat" cmpd="sng" algn="ctr">
                       <a:solidFill>
-                        <a:schemeClr val="bg2">
-                          <a:lumMod val="25000"/>
+                        <a:schemeClr val="tx1">
+                          <a:lumMod val="75000"/>
+                          <a:lumOff val="25000"/>
                         </a:schemeClr>
                       </a:solidFill>
                       <a:prstDash val="solid"/>
@@ -23235,8 +23724,9 @@
                     </a:lnR>
                     <a:lnT w="12700" cap="flat" cmpd="sng" algn="ctr">
                       <a:solidFill>
-                        <a:schemeClr val="bg2">
-                          <a:lumMod val="25000"/>
+                        <a:schemeClr val="tx1">
+                          <a:lumMod val="75000"/>
+                          <a:lumOff val="25000"/>
                         </a:schemeClr>
                       </a:solidFill>
                       <a:prstDash val="solid"/>
@@ -23246,8 +23736,9 @@
                     </a:lnT>
                     <a:lnB w="12700" cap="flat" cmpd="sng" algn="ctr">
                       <a:solidFill>
-                        <a:schemeClr val="bg2">
-                          <a:lumMod val="25000"/>
+                        <a:schemeClr val="tx1">
+                          <a:lumMod val="75000"/>
+                          <a:lumOff val="25000"/>
                         </a:schemeClr>
                       </a:solidFill>
                       <a:prstDash val="solid"/>
@@ -23259,11 +23750,11 @@
                 </a:tc>
                 <a:extLst>
                   <a:ext uri="{0D108BD9-81ED-4DB2-BD59-A6C34878D82A}">
-                    <a16:rowId xmlns:a16="http://schemas.microsoft.com/office/drawing/2014/main" val="3435521068"/>
+                    <a16:rowId xmlns:a16="http://schemas.microsoft.com/office/drawing/2014/main" val="1852557163"/>
                   </a:ext>
                 </a:extLst>
               </a:tr>
-              <a:tr h="175895">
+              <a:tr h="248278">
                 <a:tc>
                   <a:txBody>
                     <a:bodyPr/>
@@ -23278,24 +23769,32 @@
                         </a:spcAft>
                       </a:pPr>
                       <a:r>
-                        <a:rPr lang="en-US" sz="1600">
+                        <a:rPr lang="en-US" sz="1400">
                           <a:solidFill>
                             <a:schemeClr val="bg1"/>
                           </a:solidFill>
                           <a:effectLst/>
                           <a:latin typeface="Consolas" panose="020B0609020204030204" pitchFamily="49" charset="0"/>
-                          <a:ea typeface="Roboto" panose="02000000000000000000" pitchFamily="2" charset="0"/>
-                          <a:cs typeface="Roboto" panose="02000000000000000000" pitchFamily="2" charset="0"/>
                         </a:rPr>
                         <a:t>10</a:t>
                       </a:r>
+                      <a:endParaRPr lang="en-US" sz="1400">
+                        <a:solidFill>
+                          <a:schemeClr val="bg1"/>
+                        </a:solidFill>
+                        <a:effectLst/>
+                        <a:latin typeface="Consolas" panose="020B0609020204030204" pitchFamily="49" charset="0"/>
+                        <a:ea typeface="Times New Roman" panose="02020603050405020304" pitchFamily="18" charset="0"/>
+                        <a:cs typeface="Times New Roman" panose="02020603050405020304" pitchFamily="18" charset="0"/>
+                      </a:endParaRPr>
                     </a:p>
                   </a:txBody>
                   <a:tcPr marL="68580" marR="68580" marT="0" marB="0" anchor="b">
                     <a:lnL w="12700" cap="flat" cmpd="sng" algn="ctr">
                       <a:solidFill>
-                        <a:schemeClr val="bg2">
-                          <a:lumMod val="25000"/>
+                        <a:schemeClr val="tx1">
+                          <a:lumMod val="75000"/>
+                          <a:lumOff val="25000"/>
                         </a:schemeClr>
                       </a:solidFill>
                       <a:prstDash val="solid"/>
@@ -23305,8 +23804,9 @@
                     </a:lnL>
                     <a:lnR w="12700" cap="flat" cmpd="sng" algn="ctr">
                       <a:solidFill>
-                        <a:schemeClr val="bg2">
-                          <a:lumMod val="25000"/>
+                        <a:schemeClr val="tx1">
+                          <a:lumMod val="75000"/>
+                          <a:lumOff val="25000"/>
                         </a:schemeClr>
                       </a:solidFill>
                       <a:prstDash val="solid"/>
@@ -23316,8 +23816,9 @@
                     </a:lnR>
                     <a:lnT w="12700" cap="flat" cmpd="sng" algn="ctr">
                       <a:solidFill>
-                        <a:schemeClr val="bg2">
-                          <a:lumMod val="25000"/>
+                        <a:schemeClr val="tx1">
+                          <a:lumMod val="75000"/>
+                          <a:lumOff val="25000"/>
                         </a:schemeClr>
                       </a:solidFill>
                       <a:prstDash val="solid"/>
@@ -23327,8 +23828,9 @@
                     </a:lnT>
                     <a:lnB w="12700" cap="flat" cmpd="sng" algn="ctr">
                       <a:solidFill>
-                        <a:schemeClr val="bg2">
-                          <a:lumMod val="25000"/>
+                        <a:schemeClr val="tx1">
+                          <a:lumMod val="75000"/>
+                          <a:lumOff val="25000"/>
                         </a:schemeClr>
                       </a:solidFill>
                       <a:prstDash val="solid"/>
@@ -23352,24 +23854,32 @@
                         </a:spcAft>
                       </a:pPr>
                       <a:r>
-                        <a:rPr lang="en-US" sz="1600">
+                        <a:rPr lang="en-US" sz="1400">
                           <a:solidFill>
                             <a:schemeClr val="bg1"/>
                           </a:solidFill>
                           <a:effectLst/>
                           <a:latin typeface="Consolas" panose="020B0609020204030204" pitchFamily="49" charset="0"/>
-                          <a:ea typeface="Roboto" panose="02000000000000000000" pitchFamily="2" charset="0"/>
-                          <a:cs typeface="Roboto" panose="02000000000000000000" pitchFamily="2" charset="0"/>
                         </a:rPr>
-                        <a:t>23-Oct</a:t>
+                        <a:t>11-Mar</a:t>
                       </a:r>
+                      <a:endParaRPr lang="en-US" sz="1400">
+                        <a:solidFill>
+                          <a:schemeClr val="bg1"/>
+                        </a:solidFill>
+                        <a:effectLst/>
+                        <a:latin typeface="Consolas" panose="020B0609020204030204" pitchFamily="49" charset="0"/>
+                        <a:ea typeface="Times New Roman" panose="02020603050405020304" pitchFamily="18" charset="0"/>
+                        <a:cs typeface="Times New Roman" panose="02020603050405020304" pitchFamily="18" charset="0"/>
+                      </a:endParaRPr>
                     </a:p>
                   </a:txBody>
-                  <a:tcPr marL="68580" marR="68580" marT="0" marB="0">
+                  <a:tcPr marL="68580" marR="68580" marT="0" marB="0" anchor="b">
                     <a:lnL w="12700" cap="flat" cmpd="sng" algn="ctr">
                       <a:solidFill>
-                        <a:schemeClr val="bg2">
-                          <a:lumMod val="25000"/>
+                        <a:schemeClr val="tx1">
+                          <a:lumMod val="75000"/>
+                          <a:lumOff val="25000"/>
                         </a:schemeClr>
                       </a:solidFill>
                       <a:prstDash val="solid"/>
@@ -23379,8 +23889,9 @@
                     </a:lnL>
                     <a:lnR w="12700" cap="flat" cmpd="sng" algn="ctr">
                       <a:solidFill>
-                        <a:schemeClr val="bg2">
-                          <a:lumMod val="25000"/>
+                        <a:schemeClr val="tx1">
+                          <a:lumMod val="75000"/>
+                          <a:lumOff val="25000"/>
                         </a:schemeClr>
                       </a:solidFill>
                       <a:prstDash val="solid"/>
@@ -23390,8 +23901,9 @@
                     </a:lnR>
                     <a:lnT w="12700" cap="flat" cmpd="sng" algn="ctr">
                       <a:solidFill>
-                        <a:schemeClr val="bg2">
-                          <a:lumMod val="25000"/>
+                        <a:schemeClr val="tx1">
+                          <a:lumMod val="75000"/>
+                          <a:lumOff val="25000"/>
                         </a:schemeClr>
                       </a:solidFill>
                       <a:prstDash val="solid"/>
@@ -23401,8 +23913,9 @@
                     </a:lnT>
                     <a:lnB w="12700" cap="flat" cmpd="sng" algn="ctr">
                       <a:solidFill>
-                        <a:schemeClr val="bg2">
-                          <a:lumMod val="25000"/>
+                        <a:schemeClr val="tx1">
+                          <a:lumMod val="75000"/>
+                          <a:lumOff val="25000"/>
                         </a:schemeClr>
                       </a:solidFill>
                       <a:prstDash val="solid"/>
@@ -23426,24 +23939,32 @@
                         </a:spcAft>
                       </a:pPr>
                       <a:r>
-                        <a:rPr lang="en-US" sz="1600">
+                        <a:rPr lang="en-US" sz="1400">
                           <a:solidFill>
                             <a:schemeClr val="bg1"/>
                           </a:solidFill>
                           <a:effectLst/>
                           <a:latin typeface="Consolas" panose="020B0609020204030204" pitchFamily="49" charset="0"/>
-                          <a:ea typeface="Roboto" panose="02000000000000000000" pitchFamily="2" charset="0"/>
-                          <a:cs typeface="Roboto" panose="02000000000000000000" pitchFamily="2" charset="0"/>
                         </a:rPr>
-                        <a:t>29-Oct</a:t>
+                        <a:t>17-Mar</a:t>
                       </a:r>
+                      <a:endParaRPr lang="en-US" sz="1400">
+                        <a:solidFill>
+                          <a:schemeClr val="bg1"/>
+                        </a:solidFill>
+                        <a:effectLst/>
+                        <a:latin typeface="Consolas" panose="020B0609020204030204" pitchFamily="49" charset="0"/>
+                        <a:ea typeface="Times New Roman" panose="02020603050405020304" pitchFamily="18" charset="0"/>
+                        <a:cs typeface="Times New Roman" panose="02020603050405020304" pitchFamily="18" charset="0"/>
+                      </a:endParaRPr>
                     </a:p>
                   </a:txBody>
-                  <a:tcPr marL="68580" marR="68580" marT="0" marB="0">
+                  <a:tcPr marL="68580" marR="68580" marT="0" marB="0" anchor="b">
                     <a:lnL w="12700" cap="flat" cmpd="sng" algn="ctr">
                       <a:solidFill>
-                        <a:schemeClr val="bg2">
-                          <a:lumMod val="25000"/>
+                        <a:schemeClr val="tx1">
+                          <a:lumMod val="75000"/>
+                          <a:lumOff val="25000"/>
                         </a:schemeClr>
                       </a:solidFill>
                       <a:prstDash val="solid"/>
@@ -23453,8 +23974,9 @@
                     </a:lnL>
                     <a:lnR w="12700" cap="flat" cmpd="sng" algn="ctr">
                       <a:solidFill>
-                        <a:schemeClr val="bg2">
-                          <a:lumMod val="25000"/>
+                        <a:schemeClr val="tx1">
+                          <a:lumMod val="75000"/>
+                          <a:lumOff val="25000"/>
                         </a:schemeClr>
                       </a:solidFill>
                       <a:prstDash val="solid"/>
@@ -23464,8 +23986,9 @@
                     </a:lnR>
                     <a:lnT w="12700" cap="flat" cmpd="sng" algn="ctr">
                       <a:solidFill>
-                        <a:schemeClr val="bg2">
-                          <a:lumMod val="25000"/>
+                        <a:schemeClr val="tx1">
+                          <a:lumMod val="75000"/>
+                          <a:lumOff val="25000"/>
                         </a:schemeClr>
                       </a:solidFill>
                       <a:prstDash val="solid"/>
@@ -23475,8 +23998,202 @@
                     </a:lnT>
                     <a:lnB w="12700" cap="flat" cmpd="sng" algn="ctr">
                       <a:solidFill>
-                        <a:schemeClr val="bg2">
-                          <a:lumMod val="25000"/>
+                        <a:schemeClr val="tx1">
+                          <a:lumMod val="75000"/>
+                          <a:lumOff val="25000"/>
+                        </a:schemeClr>
+                      </a:solidFill>
+                      <a:prstDash val="solid"/>
+                      <a:round/>
+                      <a:headEnd type="none" w="med" len="med"/>
+                      <a:tailEnd type="none" w="med" len="med"/>
+                    </a:lnB>
+                  </a:tcPr>
+                </a:tc>
+                <a:tc gridSpan="2">
+                  <a:txBody>
+                    <a:bodyPr/>
+                    <a:lstStyle/>
+                    <a:p>
+                      <a:pPr marL="0" marR="0" algn="ctr">
+                        <a:spcBef>
+                          <a:spcPts val="0"/>
+                        </a:spcBef>
+                        <a:spcAft>
+                          <a:spcPts val="0"/>
+                        </a:spcAft>
+                      </a:pPr>
+                      <a:r>
+                        <a:rPr lang="en-US" sz="1400" dirty="0">
+                          <a:solidFill>
+                            <a:schemeClr val="accent6">
+                              <a:lumMod val="40000"/>
+                              <a:lumOff val="60000"/>
+                            </a:schemeClr>
+                          </a:solidFill>
+                          <a:effectLst/>
+                          <a:latin typeface="Consolas" panose="020B0609020204030204" pitchFamily="49" charset="0"/>
+                        </a:rPr>
+                        <a:t>Spring Break</a:t>
+                      </a:r>
+                      <a:endParaRPr lang="en-US" sz="1400" dirty="0">
+                        <a:solidFill>
+                          <a:schemeClr val="accent6">
+                            <a:lumMod val="40000"/>
+                            <a:lumOff val="60000"/>
+                          </a:schemeClr>
+                        </a:solidFill>
+                        <a:effectLst/>
+                        <a:latin typeface="Consolas" panose="020B0609020204030204" pitchFamily="49" charset="0"/>
+                        <a:ea typeface="Times New Roman" panose="02020603050405020304" pitchFamily="18" charset="0"/>
+                        <a:cs typeface="Times New Roman" panose="02020603050405020304" pitchFamily="18" charset="0"/>
+                      </a:endParaRPr>
+                    </a:p>
+                  </a:txBody>
+                  <a:tcPr marL="68580" marR="68580" marT="0" marB="0" anchor="b">
+                    <a:lnL w="12700" cap="flat" cmpd="sng" algn="ctr">
+                      <a:solidFill>
+                        <a:schemeClr val="tx1">
+                          <a:lumMod val="75000"/>
+                          <a:lumOff val="25000"/>
+                        </a:schemeClr>
+                      </a:solidFill>
+                      <a:prstDash val="solid"/>
+                      <a:round/>
+                      <a:headEnd type="none" w="med" len="med"/>
+                      <a:tailEnd type="none" w="med" len="med"/>
+                    </a:lnL>
+                    <a:lnR w="12700" cap="flat" cmpd="sng" algn="ctr">
+                      <a:solidFill>
+                        <a:schemeClr val="tx1">
+                          <a:lumMod val="75000"/>
+                          <a:lumOff val="25000"/>
+                        </a:schemeClr>
+                      </a:solidFill>
+                      <a:prstDash val="solid"/>
+                      <a:round/>
+                      <a:headEnd type="none" w="med" len="med"/>
+                      <a:tailEnd type="none" w="med" len="med"/>
+                    </a:lnR>
+                    <a:lnT w="12700" cap="flat" cmpd="sng" algn="ctr">
+                      <a:solidFill>
+                        <a:schemeClr val="tx1">
+                          <a:lumMod val="75000"/>
+                          <a:lumOff val="25000"/>
+                        </a:schemeClr>
+                      </a:solidFill>
+                      <a:prstDash val="solid"/>
+                      <a:round/>
+                      <a:headEnd type="none" w="med" len="med"/>
+                      <a:tailEnd type="none" w="med" len="med"/>
+                    </a:lnT>
+                    <a:lnB w="12700" cap="flat" cmpd="sng" algn="ctr">
+                      <a:solidFill>
+                        <a:schemeClr val="tx1">
+                          <a:lumMod val="75000"/>
+                          <a:lumOff val="25000"/>
+                        </a:schemeClr>
+                      </a:solidFill>
+                      <a:prstDash val="solid"/>
+                      <a:round/>
+                      <a:headEnd type="none" w="med" len="med"/>
+                      <a:tailEnd type="none" w="med" len="med"/>
+                    </a:lnB>
+                  </a:tcPr>
+                </a:tc>
+                <a:tc hMerge="1">
+                  <a:txBody>
+                    <a:bodyPr/>
+                    <a:lstStyle/>
+                    <a:p>
+                      <a:endParaRPr lang="en-US"/>
+                    </a:p>
+                  </a:txBody>
+                  <a:tcPr/>
+                </a:tc>
+                <a:extLst>
+                  <a:ext uri="{0D108BD9-81ED-4DB2-BD59-A6C34878D82A}">
+                    <a16:rowId xmlns:a16="http://schemas.microsoft.com/office/drawing/2014/main" val="2216584645"/>
+                  </a:ext>
+                </a:extLst>
+              </a:tr>
+              <a:tr h="248278">
+                <a:tc>
+                  <a:txBody>
+                    <a:bodyPr/>
+                    <a:lstStyle/>
+                    <a:p>
+                      <a:pPr marL="0" marR="0" algn="ctr">
+                        <a:spcBef>
+                          <a:spcPts val="0"/>
+                        </a:spcBef>
+                        <a:spcAft>
+                          <a:spcPts val="0"/>
+                        </a:spcAft>
+                      </a:pPr>
+                      <a:r>
+                        <a:rPr lang="en-US" sz="1400">
+                          <a:solidFill>
+                            <a:schemeClr val="bg1"/>
+                          </a:solidFill>
+                          <a:effectLst/>
+                          <a:latin typeface="Consolas" panose="020B0609020204030204" pitchFamily="49" charset="0"/>
+                        </a:rPr>
+                        <a:t>11</a:t>
+                      </a:r>
+                      <a:endParaRPr lang="en-US" sz="1400">
+                        <a:solidFill>
+                          <a:schemeClr val="bg1"/>
+                        </a:solidFill>
+                        <a:effectLst/>
+                        <a:latin typeface="Consolas" panose="020B0609020204030204" pitchFamily="49" charset="0"/>
+                        <a:ea typeface="Times New Roman" panose="02020603050405020304" pitchFamily="18" charset="0"/>
+                        <a:cs typeface="Times New Roman" panose="02020603050405020304" pitchFamily="18" charset="0"/>
+                      </a:endParaRPr>
+                    </a:p>
+                  </a:txBody>
+                  <a:tcPr marL="68580" marR="68580" marT="0" marB="0" anchor="b">
+                    <a:lnL w="12700" cap="flat" cmpd="sng" algn="ctr">
+                      <a:solidFill>
+                        <a:schemeClr val="tx1">
+                          <a:lumMod val="75000"/>
+                          <a:lumOff val="25000"/>
+                        </a:schemeClr>
+                      </a:solidFill>
+                      <a:prstDash val="solid"/>
+                      <a:round/>
+                      <a:headEnd type="none" w="med" len="med"/>
+                      <a:tailEnd type="none" w="med" len="med"/>
+                    </a:lnL>
+                    <a:lnR w="12700" cap="flat" cmpd="sng" algn="ctr">
+                      <a:solidFill>
+                        <a:schemeClr val="tx1">
+                          <a:lumMod val="75000"/>
+                          <a:lumOff val="25000"/>
+                        </a:schemeClr>
+                      </a:solidFill>
+                      <a:prstDash val="solid"/>
+                      <a:round/>
+                      <a:headEnd type="none" w="med" len="med"/>
+                      <a:tailEnd type="none" w="med" len="med"/>
+                    </a:lnR>
+                    <a:lnT w="12700" cap="flat" cmpd="sng" algn="ctr">
+                      <a:solidFill>
+                        <a:schemeClr val="tx1">
+                          <a:lumMod val="75000"/>
+                          <a:lumOff val="25000"/>
+                        </a:schemeClr>
+                      </a:solidFill>
+                      <a:prstDash val="solid"/>
+                      <a:round/>
+                      <a:headEnd type="none" w="med" len="med"/>
+                      <a:tailEnd type="none" w="med" len="med"/>
+                    </a:lnT>
+                    <a:lnB w="12700" cap="flat" cmpd="sng" algn="ctr">
+                      <a:solidFill>
+                        <a:schemeClr val="tx1">
+                          <a:lumMod val="75000"/>
+                          <a:lumOff val="25000"/>
                         </a:schemeClr>
                       </a:solidFill>
                       <a:prstDash val="solid"/>
@@ -23500,24 +24217,32 @@
                         </a:spcAft>
                       </a:pPr>
                       <a:r>
-                        <a:rPr lang="en-US" sz="1600">
+                        <a:rPr lang="en-US" sz="1400">
                           <a:solidFill>
                             <a:schemeClr val="bg1"/>
                           </a:solidFill>
                           <a:effectLst/>
                           <a:latin typeface="Consolas" panose="020B0609020204030204" pitchFamily="49" charset="0"/>
-                          <a:ea typeface="Roboto" panose="02000000000000000000" pitchFamily="2" charset="0"/>
-                          <a:cs typeface="Roboto" panose="02000000000000000000" pitchFamily="2" charset="0"/>
                         </a:rPr>
-                        <a:t>Sets, Maps, &amp; Hashing</a:t>
+                        <a:t>18-Mar</a:t>
                       </a:r>
+                      <a:endParaRPr lang="en-US" sz="1400">
+                        <a:solidFill>
+                          <a:schemeClr val="bg1"/>
+                        </a:solidFill>
+                        <a:effectLst/>
+                        <a:latin typeface="Consolas" panose="020B0609020204030204" pitchFamily="49" charset="0"/>
+                        <a:ea typeface="Times New Roman" panose="02020603050405020304" pitchFamily="18" charset="0"/>
+                        <a:cs typeface="Times New Roman" panose="02020603050405020304" pitchFamily="18" charset="0"/>
+                      </a:endParaRPr>
                     </a:p>
                   </a:txBody>
                   <a:tcPr marL="68580" marR="68580" marT="0" marB="0" anchor="b">
                     <a:lnL w="12700" cap="flat" cmpd="sng" algn="ctr">
                       <a:solidFill>
-                        <a:schemeClr val="bg2">
-                          <a:lumMod val="25000"/>
+                        <a:schemeClr val="tx1">
+                          <a:lumMod val="75000"/>
+                          <a:lumOff val="25000"/>
                         </a:schemeClr>
                       </a:solidFill>
                       <a:prstDash val="solid"/>
@@ -23527,8 +24252,9 @@
                     </a:lnL>
                     <a:lnR w="12700" cap="flat" cmpd="sng" algn="ctr">
                       <a:solidFill>
-                        <a:schemeClr val="bg2">
-                          <a:lumMod val="25000"/>
+                        <a:schemeClr val="tx1">
+                          <a:lumMod val="75000"/>
+                          <a:lumOff val="25000"/>
                         </a:schemeClr>
                       </a:solidFill>
                       <a:prstDash val="solid"/>
@@ -23538,8 +24264,9 @@
                     </a:lnR>
                     <a:lnT w="12700" cap="flat" cmpd="sng" algn="ctr">
                       <a:solidFill>
-                        <a:schemeClr val="bg2">
-                          <a:lumMod val="25000"/>
+                        <a:schemeClr val="tx1">
+                          <a:lumMod val="75000"/>
+                          <a:lumOff val="25000"/>
                         </a:schemeClr>
                       </a:solidFill>
                       <a:prstDash val="solid"/>
@@ -23549,8 +24276,9 @@
                     </a:lnT>
                     <a:lnB w="12700" cap="flat" cmpd="sng" algn="ctr">
                       <a:solidFill>
-                        <a:schemeClr val="bg2">
-                          <a:lumMod val="25000"/>
+                        <a:schemeClr val="tx1">
+                          <a:lumMod val="75000"/>
+                          <a:lumOff val="25000"/>
                         </a:schemeClr>
                       </a:solidFill>
                       <a:prstDash val="solid"/>
@@ -23574,45 +24302,32 @@
                         </a:spcAft>
                       </a:pPr>
                       <a:r>
-                        <a:rPr lang="en-US" sz="1600">
+                        <a:rPr lang="en-US" sz="1400">
                           <a:solidFill>
                             <a:schemeClr val="bg1"/>
                           </a:solidFill>
                           <a:effectLst/>
                           <a:latin typeface="Consolas" panose="020B0609020204030204" pitchFamily="49" charset="0"/>
-                          <a:ea typeface="Roboto" panose="02000000000000000000" pitchFamily="2" charset="0"/>
-                          <a:cs typeface="Roboto" panose="02000000000000000000" pitchFamily="2" charset="0"/>
                         </a:rPr>
-                        <a:t>Q</a:t>
+                        <a:t>24-Mar</a:t>
                       </a:r>
-                      <a:r>
-                        <a:rPr lang="en-US" sz="1600" baseline="-25000">
-                          <a:solidFill>
-                            <a:schemeClr val="bg1"/>
-                          </a:solidFill>
-                          <a:effectLst/>
-                          <a:latin typeface="Consolas" panose="020B0609020204030204" pitchFamily="49" charset="0"/>
-                          <a:ea typeface="Roboto" panose="02000000000000000000" pitchFamily="2" charset="0"/>
-                          <a:cs typeface="Roboto" panose="02000000000000000000" pitchFamily="2" charset="0"/>
-                        </a:rPr>
-                        <a:t>7</a:t>
-                      </a:r>
-                      <a:endParaRPr lang="en-US" sz="1600">
+                      <a:endParaRPr lang="en-US" sz="1400">
                         <a:solidFill>
                           <a:schemeClr val="bg1"/>
                         </a:solidFill>
                         <a:effectLst/>
                         <a:latin typeface="Consolas" panose="020B0609020204030204" pitchFamily="49" charset="0"/>
-                        <a:ea typeface="Roboto" panose="02000000000000000000" pitchFamily="2" charset="0"/>
-                        <a:cs typeface="Roboto" panose="02000000000000000000" pitchFamily="2" charset="0"/>
+                        <a:ea typeface="Times New Roman" panose="02020603050405020304" pitchFamily="18" charset="0"/>
+                        <a:cs typeface="Times New Roman" panose="02020603050405020304" pitchFamily="18" charset="0"/>
                       </a:endParaRPr>
                     </a:p>
                   </a:txBody>
                   <a:tcPr marL="68580" marR="68580" marT="0" marB="0" anchor="b">
                     <a:lnL w="12700" cap="flat" cmpd="sng" algn="ctr">
                       <a:solidFill>
-                        <a:schemeClr val="bg2">
-                          <a:lumMod val="25000"/>
+                        <a:schemeClr val="tx1">
+                          <a:lumMod val="75000"/>
+                          <a:lumOff val="25000"/>
                         </a:schemeClr>
                       </a:solidFill>
                       <a:prstDash val="solid"/>
@@ -23622,8 +24337,9 @@
                     </a:lnL>
                     <a:lnR w="12700" cap="flat" cmpd="sng" algn="ctr">
                       <a:solidFill>
-                        <a:schemeClr val="bg2">
-                          <a:lumMod val="25000"/>
+                        <a:schemeClr val="tx1">
+                          <a:lumMod val="75000"/>
+                          <a:lumOff val="25000"/>
                         </a:schemeClr>
                       </a:solidFill>
                       <a:prstDash val="solid"/>
@@ -23633,8 +24349,9 @@
                     </a:lnR>
                     <a:lnT w="12700" cap="flat" cmpd="sng" algn="ctr">
                       <a:solidFill>
-                        <a:schemeClr val="bg2">
-                          <a:lumMod val="25000"/>
+                        <a:schemeClr val="tx1">
+                          <a:lumMod val="75000"/>
+                          <a:lumOff val="25000"/>
                         </a:schemeClr>
                       </a:solidFill>
                       <a:prstDash val="solid"/>
@@ -23644,89 +24361,9 @@
                     </a:lnT>
                     <a:lnB w="12700" cap="flat" cmpd="sng" algn="ctr">
                       <a:solidFill>
-                        <a:schemeClr val="bg2">
-                          <a:lumMod val="25000"/>
-                        </a:schemeClr>
-                      </a:solidFill>
-                      <a:prstDash val="solid"/>
-                      <a:round/>
-                      <a:headEnd type="none" w="med" len="med"/>
-                      <a:tailEnd type="none" w="med" len="med"/>
-                    </a:lnB>
-                  </a:tcPr>
-                </a:tc>
-                <a:extLst>
-                  <a:ext uri="{0D108BD9-81ED-4DB2-BD59-A6C34878D82A}">
-                    <a16:rowId xmlns:a16="http://schemas.microsoft.com/office/drawing/2014/main" val="3695321482"/>
-                  </a:ext>
-                </a:extLst>
-              </a:tr>
-              <a:tr h="175895">
-                <a:tc>
-                  <a:txBody>
-                    <a:bodyPr/>
-                    <a:lstStyle/>
-                    <a:p>
-                      <a:pPr marL="0" marR="0" algn="ctr">
-                        <a:spcBef>
-                          <a:spcPts val="0"/>
-                        </a:spcBef>
-                        <a:spcAft>
-                          <a:spcPts val="0"/>
-                        </a:spcAft>
-                      </a:pPr>
-                      <a:r>
-                        <a:rPr lang="en-US" sz="1600">
-                          <a:solidFill>
-                            <a:schemeClr val="bg1"/>
-                          </a:solidFill>
-                          <a:effectLst/>
-                          <a:latin typeface="Consolas" panose="020B0609020204030204" pitchFamily="49" charset="0"/>
-                          <a:ea typeface="Roboto" panose="02000000000000000000" pitchFamily="2" charset="0"/>
-                          <a:cs typeface="Roboto" panose="02000000000000000000" pitchFamily="2" charset="0"/>
-                        </a:rPr>
-                        <a:t>11</a:t>
-                      </a:r>
-                    </a:p>
-                  </a:txBody>
-                  <a:tcPr marL="68580" marR="68580" marT="0" marB="0" anchor="b">
-                    <a:lnL w="12700" cap="flat" cmpd="sng" algn="ctr">
-                      <a:solidFill>
-                        <a:schemeClr val="bg2">
-                          <a:lumMod val="25000"/>
-                        </a:schemeClr>
-                      </a:solidFill>
-                      <a:prstDash val="solid"/>
-                      <a:round/>
-                      <a:headEnd type="none" w="med" len="med"/>
-                      <a:tailEnd type="none" w="med" len="med"/>
-                    </a:lnL>
-                    <a:lnR w="12700" cap="flat" cmpd="sng" algn="ctr">
-                      <a:solidFill>
-                        <a:schemeClr val="bg2">
-                          <a:lumMod val="25000"/>
-                        </a:schemeClr>
-                      </a:solidFill>
-                      <a:prstDash val="solid"/>
-                      <a:round/>
-                      <a:headEnd type="none" w="med" len="med"/>
-                      <a:tailEnd type="none" w="med" len="med"/>
-                    </a:lnR>
-                    <a:lnT w="12700" cap="flat" cmpd="sng" algn="ctr">
-                      <a:solidFill>
-                        <a:schemeClr val="bg2">
-                          <a:lumMod val="25000"/>
-                        </a:schemeClr>
-                      </a:solidFill>
-                      <a:prstDash val="solid"/>
-                      <a:round/>
-                      <a:headEnd type="none" w="med" len="med"/>
-                      <a:tailEnd type="none" w="med" len="med"/>
-                    </a:lnT>
-                    <a:lnB w="12700" cap="flat" cmpd="sng" algn="ctr">
-                      <a:solidFill>
-                        <a:schemeClr val="bg2">
-                          <a:lumMod val="25000"/>
+                        <a:schemeClr val="tx1">
+                          <a:lumMod val="75000"/>
+                          <a:lumOff val="25000"/>
                         </a:schemeClr>
                       </a:solidFill>
                       <a:prstDash val="solid"/>
@@ -23750,24 +24387,32 @@
                         </a:spcAft>
                       </a:pPr>
                       <a:r>
-                        <a:rPr lang="en-US" sz="1600">
+                        <a:rPr lang="en-US" sz="1400">
                           <a:solidFill>
                             <a:schemeClr val="bg1"/>
                           </a:solidFill>
                           <a:effectLst/>
                           <a:latin typeface="Consolas" panose="020B0609020204030204" pitchFamily="49" charset="0"/>
-                          <a:ea typeface="Roboto" panose="02000000000000000000" pitchFamily="2" charset="0"/>
-                          <a:cs typeface="Roboto" panose="02000000000000000000" pitchFamily="2" charset="0"/>
                         </a:rPr>
-                        <a:t>30-Oct</a:t>
+                        <a:t>Graphs 1</a:t>
                       </a:r>
+                      <a:endParaRPr lang="en-US" sz="1400">
+                        <a:solidFill>
+                          <a:schemeClr val="bg1"/>
+                        </a:solidFill>
+                        <a:effectLst/>
+                        <a:latin typeface="Consolas" panose="020B0609020204030204" pitchFamily="49" charset="0"/>
+                        <a:ea typeface="Times New Roman" panose="02020603050405020304" pitchFamily="18" charset="0"/>
+                        <a:cs typeface="Times New Roman" panose="02020603050405020304" pitchFamily="18" charset="0"/>
+                      </a:endParaRPr>
                     </a:p>
                   </a:txBody>
-                  <a:tcPr marL="68580" marR="68580" marT="0" marB="0">
+                  <a:tcPr marL="68580" marR="68580" marT="0" marB="0" anchor="b">
                     <a:lnL w="12700" cap="flat" cmpd="sng" algn="ctr">
                       <a:solidFill>
-                        <a:schemeClr val="bg2">
-                          <a:lumMod val="25000"/>
+                        <a:schemeClr val="tx1">
+                          <a:lumMod val="75000"/>
+                          <a:lumOff val="25000"/>
                         </a:schemeClr>
                       </a:solidFill>
                       <a:prstDash val="solid"/>
@@ -23777,8 +24422,9 @@
                     </a:lnL>
                     <a:lnR w="12700" cap="flat" cmpd="sng" algn="ctr">
                       <a:solidFill>
-                        <a:schemeClr val="bg2">
-                          <a:lumMod val="25000"/>
+                        <a:schemeClr val="tx1">
+                          <a:lumMod val="75000"/>
+                          <a:lumOff val="25000"/>
                         </a:schemeClr>
                       </a:solidFill>
                       <a:prstDash val="solid"/>
@@ -23788,8 +24434,9 @@
                     </a:lnR>
                     <a:lnT w="12700" cap="flat" cmpd="sng" algn="ctr">
                       <a:solidFill>
-                        <a:schemeClr val="bg2">
-                          <a:lumMod val="25000"/>
+                        <a:schemeClr val="tx1">
+                          <a:lumMod val="75000"/>
+                          <a:lumOff val="25000"/>
                         </a:schemeClr>
                       </a:solidFill>
                       <a:prstDash val="solid"/>
@@ -23799,8 +24446,9 @@
                     </a:lnT>
                     <a:lnB w="12700" cap="flat" cmpd="sng" algn="ctr">
                       <a:solidFill>
-                        <a:schemeClr val="bg2">
-                          <a:lumMod val="25000"/>
+                        <a:schemeClr val="tx1">
+                          <a:lumMod val="75000"/>
+                          <a:lumOff val="25000"/>
                         </a:schemeClr>
                       </a:solidFill>
                       <a:prstDash val="solid"/>
@@ -23824,24 +24472,42 @@
                         </a:spcAft>
                       </a:pPr>
                       <a:r>
-                        <a:rPr lang="en-US" sz="1600">
+                        <a:rPr lang="en-US" sz="1400">
                           <a:solidFill>
                             <a:schemeClr val="bg1"/>
                           </a:solidFill>
                           <a:effectLst/>
                           <a:latin typeface="Consolas" panose="020B0609020204030204" pitchFamily="49" charset="0"/>
-                          <a:ea typeface="Roboto" panose="02000000000000000000" pitchFamily="2" charset="0"/>
-                          <a:cs typeface="Roboto" panose="02000000000000000000" pitchFamily="2" charset="0"/>
                         </a:rPr>
-                        <a:t>5-Nov</a:t>
+                        <a:t>Q</a:t>
                       </a:r>
+                      <a:r>
+                        <a:rPr lang="en-US" sz="1400" baseline="-25000">
+                          <a:solidFill>
+                            <a:schemeClr val="bg1"/>
+                          </a:solidFill>
+                          <a:effectLst/>
+                          <a:latin typeface="Consolas" panose="020B0609020204030204" pitchFamily="49" charset="0"/>
+                        </a:rPr>
+                        <a:t>7</a:t>
+                      </a:r>
+                      <a:endParaRPr lang="en-US" sz="1400">
+                        <a:solidFill>
+                          <a:schemeClr val="bg1"/>
+                        </a:solidFill>
+                        <a:effectLst/>
+                        <a:latin typeface="Consolas" panose="020B0609020204030204" pitchFamily="49" charset="0"/>
+                        <a:ea typeface="Times New Roman" panose="02020603050405020304" pitchFamily="18" charset="0"/>
+                        <a:cs typeface="Times New Roman" panose="02020603050405020304" pitchFamily="18" charset="0"/>
+                      </a:endParaRPr>
                     </a:p>
                   </a:txBody>
-                  <a:tcPr marL="68580" marR="68580" marT="0" marB="0">
+                  <a:tcPr marL="68580" marR="68580" marT="0" marB="0" anchor="b">
                     <a:lnL w="12700" cap="flat" cmpd="sng" algn="ctr">
                       <a:solidFill>
-                        <a:schemeClr val="bg2">
-                          <a:lumMod val="25000"/>
+                        <a:schemeClr val="tx1">
+                          <a:lumMod val="75000"/>
+                          <a:lumOff val="25000"/>
                         </a:schemeClr>
                       </a:solidFill>
                       <a:prstDash val="solid"/>
@@ -23851,8 +24517,9 @@
                     </a:lnL>
                     <a:lnR w="12700" cap="flat" cmpd="sng" algn="ctr">
                       <a:solidFill>
-                        <a:schemeClr val="bg2">
-                          <a:lumMod val="25000"/>
+                        <a:schemeClr val="tx1">
+                          <a:lumMod val="75000"/>
+                          <a:lumOff val="25000"/>
                         </a:schemeClr>
                       </a:solidFill>
                       <a:prstDash val="solid"/>
@@ -23862,8 +24529,9 @@
                     </a:lnR>
                     <a:lnT w="12700" cap="flat" cmpd="sng" algn="ctr">
                       <a:solidFill>
-                        <a:schemeClr val="bg2">
-                          <a:lumMod val="25000"/>
+                        <a:schemeClr val="tx1">
+                          <a:lumMod val="75000"/>
+                          <a:lumOff val="25000"/>
                         </a:schemeClr>
                       </a:solidFill>
                       <a:prstDash val="solid"/>
@@ -23873,8 +24541,101 @@
                     </a:lnT>
                     <a:lnB w="12700" cap="flat" cmpd="sng" algn="ctr">
                       <a:solidFill>
-                        <a:schemeClr val="bg2">
-                          <a:lumMod val="25000"/>
+                        <a:schemeClr val="tx1">
+                          <a:lumMod val="75000"/>
+                          <a:lumOff val="25000"/>
+                        </a:schemeClr>
+                      </a:solidFill>
+                      <a:prstDash val="solid"/>
+                      <a:round/>
+                      <a:headEnd type="none" w="med" len="med"/>
+                      <a:tailEnd type="none" w="med" len="med"/>
+                    </a:lnB>
+                  </a:tcPr>
+                </a:tc>
+                <a:extLst>
+                  <a:ext uri="{0D108BD9-81ED-4DB2-BD59-A6C34878D82A}">
+                    <a16:rowId xmlns:a16="http://schemas.microsoft.com/office/drawing/2014/main" val="248493799"/>
+                  </a:ext>
+                </a:extLst>
+              </a:tr>
+              <a:tr h="248278">
+                <a:tc>
+                  <a:txBody>
+                    <a:bodyPr/>
+                    <a:lstStyle/>
+                    <a:p>
+                      <a:pPr marL="0" marR="0" algn="ctr">
+                        <a:spcBef>
+                          <a:spcPts val="0"/>
+                        </a:spcBef>
+                        <a:spcAft>
+                          <a:spcPts val="0"/>
+                        </a:spcAft>
+                      </a:pPr>
+                      <a:r>
+                        <a:rPr lang="en-US" sz="1400">
+                          <a:solidFill>
+                            <a:schemeClr val="bg1"/>
+                          </a:solidFill>
+                          <a:effectLst/>
+                          <a:latin typeface="Consolas" panose="020B0609020204030204" pitchFamily="49" charset="0"/>
+                        </a:rPr>
+                        <a:t>12</a:t>
+                      </a:r>
+                      <a:endParaRPr lang="en-US" sz="1400">
+                        <a:solidFill>
+                          <a:schemeClr val="bg1"/>
+                        </a:solidFill>
+                        <a:effectLst/>
+                        <a:latin typeface="Consolas" panose="020B0609020204030204" pitchFamily="49" charset="0"/>
+                        <a:ea typeface="Times New Roman" panose="02020603050405020304" pitchFamily="18" charset="0"/>
+                        <a:cs typeface="Times New Roman" panose="02020603050405020304" pitchFamily="18" charset="0"/>
+                      </a:endParaRPr>
+                    </a:p>
+                  </a:txBody>
+                  <a:tcPr marL="68580" marR="68580" marT="0" marB="0" anchor="b">
+                    <a:lnL w="12700" cap="flat" cmpd="sng" algn="ctr">
+                      <a:solidFill>
+                        <a:schemeClr val="tx1">
+                          <a:lumMod val="75000"/>
+                          <a:lumOff val="25000"/>
+                        </a:schemeClr>
+                      </a:solidFill>
+                      <a:prstDash val="solid"/>
+                      <a:round/>
+                      <a:headEnd type="none" w="med" len="med"/>
+                      <a:tailEnd type="none" w="med" len="med"/>
+                    </a:lnL>
+                    <a:lnR w="12700" cap="flat" cmpd="sng" algn="ctr">
+                      <a:solidFill>
+                        <a:schemeClr val="tx1">
+                          <a:lumMod val="75000"/>
+                          <a:lumOff val="25000"/>
+                        </a:schemeClr>
+                      </a:solidFill>
+                      <a:prstDash val="solid"/>
+                      <a:round/>
+                      <a:headEnd type="none" w="med" len="med"/>
+                      <a:tailEnd type="none" w="med" len="med"/>
+                    </a:lnR>
+                    <a:lnT w="12700" cap="flat" cmpd="sng" algn="ctr">
+                      <a:solidFill>
+                        <a:schemeClr val="tx1">
+                          <a:lumMod val="75000"/>
+                          <a:lumOff val="25000"/>
+                        </a:schemeClr>
+                      </a:solidFill>
+                      <a:prstDash val="solid"/>
+                      <a:round/>
+                      <a:headEnd type="none" w="med" len="med"/>
+                      <a:tailEnd type="none" w="med" len="med"/>
+                    </a:lnT>
+                    <a:lnB w="12700" cap="flat" cmpd="sng" algn="ctr">
+                      <a:solidFill>
+                        <a:schemeClr val="tx1">
+                          <a:lumMod val="75000"/>
+                          <a:lumOff val="25000"/>
                         </a:schemeClr>
                       </a:solidFill>
                       <a:prstDash val="solid"/>
@@ -23898,24 +24659,32 @@
                         </a:spcAft>
                       </a:pPr>
                       <a:r>
-                        <a:rPr lang="en-US" sz="1600">
+                        <a:rPr lang="en-US" sz="1400">
                           <a:solidFill>
                             <a:schemeClr val="bg1"/>
                           </a:solidFill>
                           <a:effectLst/>
                           <a:latin typeface="Consolas" panose="020B0609020204030204" pitchFamily="49" charset="0"/>
-                          <a:ea typeface="Roboto" panose="02000000000000000000" pitchFamily="2" charset="0"/>
-                          <a:cs typeface="Roboto" panose="02000000000000000000" pitchFamily="2" charset="0"/>
                         </a:rPr>
-                        <a:t>Graphs 1</a:t>
+                        <a:t>25-Mar</a:t>
                       </a:r>
+                      <a:endParaRPr lang="en-US" sz="1400">
+                        <a:solidFill>
+                          <a:schemeClr val="bg1"/>
+                        </a:solidFill>
+                        <a:effectLst/>
+                        <a:latin typeface="Consolas" panose="020B0609020204030204" pitchFamily="49" charset="0"/>
+                        <a:ea typeface="Times New Roman" panose="02020603050405020304" pitchFamily="18" charset="0"/>
+                        <a:cs typeface="Times New Roman" panose="02020603050405020304" pitchFamily="18" charset="0"/>
+                      </a:endParaRPr>
                     </a:p>
                   </a:txBody>
                   <a:tcPr marL="68580" marR="68580" marT="0" marB="0" anchor="b">
                     <a:lnL w="12700" cap="flat" cmpd="sng" algn="ctr">
                       <a:solidFill>
-                        <a:schemeClr val="bg2">
-                          <a:lumMod val="25000"/>
+                        <a:schemeClr val="tx1">
+                          <a:lumMod val="75000"/>
+                          <a:lumOff val="25000"/>
                         </a:schemeClr>
                       </a:solidFill>
                       <a:prstDash val="solid"/>
@@ -23925,8 +24694,9 @@
                     </a:lnL>
                     <a:lnR w="12700" cap="flat" cmpd="sng" algn="ctr">
                       <a:solidFill>
-                        <a:schemeClr val="bg2">
-                          <a:lumMod val="25000"/>
+                        <a:schemeClr val="tx1">
+                          <a:lumMod val="75000"/>
+                          <a:lumOff val="25000"/>
                         </a:schemeClr>
                       </a:solidFill>
                       <a:prstDash val="solid"/>
@@ -23936,8 +24706,9 @@
                     </a:lnR>
                     <a:lnT w="12700" cap="flat" cmpd="sng" algn="ctr">
                       <a:solidFill>
-                        <a:schemeClr val="bg2">
-                          <a:lumMod val="25000"/>
+                        <a:schemeClr val="tx1">
+                          <a:lumMod val="75000"/>
+                          <a:lumOff val="25000"/>
                         </a:schemeClr>
                       </a:solidFill>
                       <a:prstDash val="solid"/>
@@ -23947,8 +24718,9 @@
                     </a:lnT>
                     <a:lnB w="12700" cap="flat" cmpd="sng" algn="ctr">
                       <a:solidFill>
-                        <a:schemeClr val="bg2">
-                          <a:lumMod val="25000"/>
+                        <a:schemeClr val="tx1">
+                          <a:lumMod val="75000"/>
+                          <a:lumOff val="25000"/>
                         </a:schemeClr>
                       </a:solidFill>
                       <a:prstDash val="solid"/>
@@ -23972,45 +24744,32 @@
                         </a:spcAft>
                       </a:pPr>
                       <a:r>
-                        <a:rPr lang="en-US" sz="1600">
+                        <a:rPr lang="en-US" sz="1400">
                           <a:solidFill>
                             <a:schemeClr val="bg1"/>
                           </a:solidFill>
                           <a:effectLst/>
                           <a:latin typeface="Consolas" panose="020B0609020204030204" pitchFamily="49" charset="0"/>
-                          <a:ea typeface="Roboto" panose="02000000000000000000" pitchFamily="2" charset="0"/>
-                          <a:cs typeface="Roboto" panose="02000000000000000000" pitchFamily="2" charset="0"/>
                         </a:rPr>
-                        <a:t>Q</a:t>
+                        <a:t>31-Mar</a:t>
                       </a:r>
-                      <a:r>
-                        <a:rPr lang="en-US" sz="1600" baseline="-25000">
-                          <a:solidFill>
-                            <a:schemeClr val="bg1"/>
-                          </a:solidFill>
-                          <a:effectLst/>
-                          <a:latin typeface="Consolas" panose="020B0609020204030204" pitchFamily="49" charset="0"/>
-                          <a:ea typeface="Roboto" panose="02000000000000000000" pitchFamily="2" charset="0"/>
-                          <a:cs typeface="Roboto" panose="02000000000000000000" pitchFamily="2" charset="0"/>
-                        </a:rPr>
-                        <a:t>8</a:t>
-                      </a:r>
-                      <a:endParaRPr lang="en-US" sz="1600">
+                      <a:endParaRPr lang="en-US" sz="1400">
                         <a:solidFill>
                           <a:schemeClr val="bg1"/>
                         </a:solidFill>
                         <a:effectLst/>
                         <a:latin typeface="Consolas" panose="020B0609020204030204" pitchFamily="49" charset="0"/>
-                        <a:ea typeface="Roboto" panose="02000000000000000000" pitchFamily="2" charset="0"/>
-                        <a:cs typeface="Roboto" panose="02000000000000000000" pitchFamily="2" charset="0"/>
+                        <a:ea typeface="Times New Roman" panose="02020603050405020304" pitchFamily="18" charset="0"/>
+                        <a:cs typeface="Times New Roman" panose="02020603050405020304" pitchFamily="18" charset="0"/>
                       </a:endParaRPr>
                     </a:p>
                   </a:txBody>
                   <a:tcPr marL="68580" marR="68580" marT="0" marB="0" anchor="b">
                     <a:lnL w="12700" cap="flat" cmpd="sng" algn="ctr">
                       <a:solidFill>
-                        <a:schemeClr val="bg2">
-                          <a:lumMod val="25000"/>
+                        <a:schemeClr val="tx1">
+                          <a:lumMod val="75000"/>
+                          <a:lumOff val="25000"/>
                         </a:schemeClr>
                       </a:solidFill>
                       <a:prstDash val="solid"/>
@@ -24020,8 +24779,9 @@
                     </a:lnL>
                     <a:lnR w="12700" cap="flat" cmpd="sng" algn="ctr">
                       <a:solidFill>
-                        <a:schemeClr val="bg2">
-                          <a:lumMod val="25000"/>
+                        <a:schemeClr val="tx1">
+                          <a:lumMod val="75000"/>
+                          <a:lumOff val="25000"/>
                         </a:schemeClr>
                       </a:solidFill>
                       <a:prstDash val="solid"/>
@@ -24031,8 +24791,9 @@
                     </a:lnR>
                     <a:lnT w="12700" cap="flat" cmpd="sng" algn="ctr">
                       <a:solidFill>
-                        <a:schemeClr val="bg2">
-                          <a:lumMod val="25000"/>
+                        <a:schemeClr val="tx1">
+                          <a:lumMod val="75000"/>
+                          <a:lumOff val="25000"/>
                         </a:schemeClr>
                       </a:solidFill>
                       <a:prstDash val="solid"/>
@@ -24042,89 +24803,9 @@
                     </a:lnT>
                     <a:lnB w="12700" cap="flat" cmpd="sng" algn="ctr">
                       <a:solidFill>
-                        <a:schemeClr val="bg2">
-                          <a:lumMod val="25000"/>
-                        </a:schemeClr>
-                      </a:solidFill>
-                      <a:prstDash val="solid"/>
-                      <a:round/>
-                      <a:headEnd type="none" w="med" len="med"/>
-                      <a:tailEnd type="none" w="med" len="med"/>
-                    </a:lnB>
-                  </a:tcPr>
-                </a:tc>
-                <a:extLst>
-                  <a:ext uri="{0D108BD9-81ED-4DB2-BD59-A6C34878D82A}">
-                    <a16:rowId xmlns:a16="http://schemas.microsoft.com/office/drawing/2014/main" val="16225435"/>
-                  </a:ext>
-                </a:extLst>
-              </a:tr>
-              <a:tr h="175895">
-                <a:tc>
-                  <a:txBody>
-                    <a:bodyPr/>
-                    <a:lstStyle/>
-                    <a:p>
-                      <a:pPr marL="0" marR="0" algn="ctr">
-                        <a:spcBef>
-                          <a:spcPts val="0"/>
-                        </a:spcBef>
-                        <a:spcAft>
-                          <a:spcPts val="0"/>
-                        </a:spcAft>
-                      </a:pPr>
-                      <a:r>
-                        <a:rPr lang="en-US" sz="1600">
-                          <a:solidFill>
-                            <a:schemeClr val="bg1"/>
-                          </a:solidFill>
-                          <a:effectLst/>
-                          <a:latin typeface="Consolas" panose="020B0609020204030204" pitchFamily="49" charset="0"/>
-                          <a:ea typeface="Roboto" panose="02000000000000000000" pitchFamily="2" charset="0"/>
-                          <a:cs typeface="Roboto" panose="02000000000000000000" pitchFamily="2" charset="0"/>
-                        </a:rPr>
-                        <a:t>12</a:t>
-                      </a:r>
-                    </a:p>
-                  </a:txBody>
-                  <a:tcPr marL="68580" marR="68580" marT="0" marB="0" anchor="b">
-                    <a:lnL w="12700" cap="flat" cmpd="sng" algn="ctr">
-                      <a:solidFill>
-                        <a:schemeClr val="bg2">
-                          <a:lumMod val="25000"/>
-                        </a:schemeClr>
-                      </a:solidFill>
-                      <a:prstDash val="solid"/>
-                      <a:round/>
-                      <a:headEnd type="none" w="med" len="med"/>
-                      <a:tailEnd type="none" w="med" len="med"/>
-                    </a:lnL>
-                    <a:lnR w="12700" cap="flat" cmpd="sng" algn="ctr">
-                      <a:solidFill>
-                        <a:schemeClr val="bg2">
-                          <a:lumMod val="25000"/>
-                        </a:schemeClr>
-                      </a:solidFill>
-                      <a:prstDash val="solid"/>
-                      <a:round/>
-                      <a:headEnd type="none" w="med" len="med"/>
-                      <a:tailEnd type="none" w="med" len="med"/>
-                    </a:lnR>
-                    <a:lnT w="12700" cap="flat" cmpd="sng" algn="ctr">
-                      <a:solidFill>
-                        <a:schemeClr val="bg2">
-                          <a:lumMod val="25000"/>
-                        </a:schemeClr>
-                      </a:solidFill>
-                      <a:prstDash val="solid"/>
-                      <a:round/>
-                      <a:headEnd type="none" w="med" len="med"/>
-                      <a:tailEnd type="none" w="med" len="med"/>
-                    </a:lnT>
-                    <a:lnB w="12700" cap="flat" cmpd="sng" algn="ctr">
-                      <a:solidFill>
-                        <a:schemeClr val="bg2">
-                          <a:lumMod val="25000"/>
+                        <a:schemeClr val="tx1">
+                          <a:lumMod val="75000"/>
+                          <a:lumOff val="25000"/>
                         </a:schemeClr>
                       </a:solidFill>
                       <a:prstDash val="solid"/>
@@ -24148,24 +24829,32 @@
                         </a:spcAft>
                       </a:pPr>
                       <a:r>
-                        <a:rPr lang="en-US" sz="1600">
+                        <a:rPr lang="en-US" sz="1400">
                           <a:solidFill>
                             <a:schemeClr val="bg1"/>
                           </a:solidFill>
                           <a:effectLst/>
                           <a:latin typeface="Consolas" panose="020B0609020204030204" pitchFamily="49" charset="0"/>
-                          <a:ea typeface="Roboto" panose="02000000000000000000" pitchFamily="2" charset="0"/>
-                          <a:cs typeface="Roboto" panose="02000000000000000000" pitchFamily="2" charset="0"/>
                         </a:rPr>
-                        <a:t>6-Nov</a:t>
+                        <a:t>Graphs 2</a:t>
                       </a:r>
+                      <a:endParaRPr lang="en-US" sz="1400">
+                        <a:solidFill>
+                          <a:schemeClr val="bg1"/>
+                        </a:solidFill>
+                        <a:effectLst/>
+                        <a:latin typeface="Consolas" panose="020B0609020204030204" pitchFamily="49" charset="0"/>
+                        <a:ea typeface="Times New Roman" panose="02020603050405020304" pitchFamily="18" charset="0"/>
+                        <a:cs typeface="Times New Roman" panose="02020603050405020304" pitchFamily="18" charset="0"/>
+                      </a:endParaRPr>
                     </a:p>
                   </a:txBody>
-                  <a:tcPr marL="68580" marR="68580" marT="0" marB="0">
+                  <a:tcPr marL="68580" marR="68580" marT="0" marB="0" anchor="b">
                     <a:lnL w="12700" cap="flat" cmpd="sng" algn="ctr">
                       <a:solidFill>
-                        <a:schemeClr val="bg2">
-                          <a:lumMod val="25000"/>
+                        <a:schemeClr val="tx1">
+                          <a:lumMod val="75000"/>
+                          <a:lumOff val="25000"/>
                         </a:schemeClr>
                       </a:solidFill>
                       <a:prstDash val="solid"/>
@@ -24175,8 +24864,9 @@
                     </a:lnL>
                     <a:lnR w="12700" cap="flat" cmpd="sng" algn="ctr">
                       <a:solidFill>
-                        <a:schemeClr val="bg2">
-                          <a:lumMod val="25000"/>
+                        <a:schemeClr val="tx1">
+                          <a:lumMod val="75000"/>
+                          <a:lumOff val="25000"/>
                         </a:schemeClr>
                       </a:solidFill>
                       <a:prstDash val="solid"/>
@@ -24186,8 +24876,9 @@
                     </a:lnR>
                     <a:lnT w="12700" cap="flat" cmpd="sng" algn="ctr">
                       <a:solidFill>
-                        <a:schemeClr val="bg2">
-                          <a:lumMod val="25000"/>
+                        <a:schemeClr val="tx1">
+                          <a:lumMod val="75000"/>
+                          <a:lumOff val="25000"/>
                         </a:schemeClr>
                       </a:solidFill>
                       <a:prstDash val="solid"/>
@@ -24197,8 +24888,9 @@
                     </a:lnT>
                     <a:lnB w="12700" cap="flat" cmpd="sng" algn="ctr">
                       <a:solidFill>
-                        <a:schemeClr val="bg2">
-                          <a:lumMod val="25000"/>
+                        <a:schemeClr val="tx1">
+                          <a:lumMod val="75000"/>
+                          <a:lumOff val="25000"/>
                         </a:schemeClr>
                       </a:solidFill>
                       <a:prstDash val="solid"/>
@@ -24222,24 +24914,42 @@
                         </a:spcAft>
                       </a:pPr>
                       <a:r>
-                        <a:rPr lang="en-US" sz="1600">
+                        <a:rPr lang="en-US" sz="1400">
                           <a:solidFill>
                             <a:schemeClr val="bg1"/>
                           </a:solidFill>
                           <a:effectLst/>
                           <a:latin typeface="Consolas" panose="020B0609020204030204" pitchFamily="49" charset="0"/>
-                          <a:ea typeface="Roboto" panose="02000000000000000000" pitchFamily="2" charset="0"/>
-                          <a:cs typeface="Roboto" panose="02000000000000000000" pitchFamily="2" charset="0"/>
                         </a:rPr>
-                        <a:t>12-Nov</a:t>
+                        <a:t>Q</a:t>
                       </a:r>
+                      <a:r>
+                        <a:rPr lang="en-US" sz="1400" baseline="-25000">
+                          <a:solidFill>
+                            <a:schemeClr val="bg1"/>
+                          </a:solidFill>
+                          <a:effectLst/>
+                          <a:latin typeface="Consolas" panose="020B0609020204030204" pitchFamily="49" charset="0"/>
+                        </a:rPr>
+                        <a:t>8</a:t>
+                      </a:r>
+                      <a:endParaRPr lang="en-US" sz="1400">
+                        <a:solidFill>
+                          <a:schemeClr val="bg1"/>
+                        </a:solidFill>
+                        <a:effectLst/>
+                        <a:latin typeface="Consolas" panose="020B0609020204030204" pitchFamily="49" charset="0"/>
+                        <a:ea typeface="Times New Roman" panose="02020603050405020304" pitchFamily="18" charset="0"/>
+                        <a:cs typeface="Times New Roman" panose="02020603050405020304" pitchFamily="18" charset="0"/>
+                      </a:endParaRPr>
                     </a:p>
                   </a:txBody>
-                  <a:tcPr marL="68580" marR="68580" marT="0" marB="0">
+                  <a:tcPr marL="68580" marR="68580" marT="0" marB="0" anchor="b">
                     <a:lnL w="12700" cap="flat" cmpd="sng" algn="ctr">
                       <a:solidFill>
-                        <a:schemeClr val="bg2">
-                          <a:lumMod val="25000"/>
+                        <a:schemeClr val="tx1">
+                          <a:lumMod val="75000"/>
+                          <a:lumOff val="25000"/>
                         </a:schemeClr>
                       </a:solidFill>
                       <a:prstDash val="solid"/>
@@ -24249,8 +24959,9 @@
                     </a:lnL>
                     <a:lnR w="12700" cap="flat" cmpd="sng" algn="ctr">
                       <a:solidFill>
-                        <a:schemeClr val="bg2">
-                          <a:lumMod val="25000"/>
+                        <a:schemeClr val="tx1">
+                          <a:lumMod val="75000"/>
+                          <a:lumOff val="25000"/>
                         </a:schemeClr>
                       </a:solidFill>
                       <a:prstDash val="solid"/>
@@ -24260,8 +24971,9 @@
                     </a:lnR>
                     <a:lnT w="12700" cap="flat" cmpd="sng" algn="ctr">
                       <a:solidFill>
-                        <a:schemeClr val="bg2">
-                          <a:lumMod val="25000"/>
+                        <a:schemeClr val="tx1">
+                          <a:lumMod val="75000"/>
+                          <a:lumOff val="25000"/>
                         </a:schemeClr>
                       </a:solidFill>
                       <a:prstDash val="solid"/>
@@ -24271,8 +24983,101 @@
                     </a:lnT>
                     <a:lnB w="12700" cap="flat" cmpd="sng" algn="ctr">
                       <a:solidFill>
-                        <a:schemeClr val="bg2">
-                          <a:lumMod val="25000"/>
+                        <a:schemeClr val="tx1">
+                          <a:lumMod val="75000"/>
+                          <a:lumOff val="25000"/>
+                        </a:schemeClr>
+                      </a:solidFill>
+                      <a:prstDash val="solid"/>
+                      <a:round/>
+                      <a:headEnd type="none" w="med" len="med"/>
+                      <a:tailEnd type="none" w="med" len="med"/>
+                    </a:lnB>
+                  </a:tcPr>
+                </a:tc>
+                <a:extLst>
+                  <a:ext uri="{0D108BD9-81ED-4DB2-BD59-A6C34878D82A}">
+                    <a16:rowId xmlns:a16="http://schemas.microsoft.com/office/drawing/2014/main" val="3751310200"/>
+                  </a:ext>
+                </a:extLst>
+              </a:tr>
+              <a:tr h="248278">
+                <a:tc>
+                  <a:txBody>
+                    <a:bodyPr/>
+                    <a:lstStyle/>
+                    <a:p>
+                      <a:pPr marL="0" marR="0" algn="ctr">
+                        <a:spcBef>
+                          <a:spcPts val="0"/>
+                        </a:spcBef>
+                        <a:spcAft>
+                          <a:spcPts val="0"/>
+                        </a:spcAft>
+                      </a:pPr>
+                      <a:r>
+                        <a:rPr lang="en-US" sz="1400">
+                          <a:solidFill>
+                            <a:schemeClr val="bg1"/>
+                          </a:solidFill>
+                          <a:effectLst/>
+                          <a:latin typeface="Consolas" panose="020B0609020204030204" pitchFamily="49" charset="0"/>
+                        </a:rPr>
+                        <a:t>13</a:t>
+                      </a:r>
+                      <a:endParaRPr lang="en-US" sz="1400">
+                        <a:solidFill>
+                          <a:schemeClr val="bg1"/>
+                        </a:solidFill>
+                        <a:effectLst/>
+                        <a:latin typeface="Consolas" panose="020B0609020204030204" pitchFamily="49" charset="0"/>
+                        <a:ea typeface="Times New Roman" panose="02020603050405020304" pitchFamily="18" charset="0"/>
+                        <a:cs typeface="Times New Roman" panose="02020603050405020304" pitchFamily="18" charset="0"/>
+                      </a:endParaRPr>
+                    </a:p>
+                  </a:txBody>
+                  <a:tcPr marL="68580" marR="68580" marT="0" marB="0" anchor="b">
+                    <a:lnL w="12700" cap="flat" cmpd="sng" algn="ctr">
+                      <a:solidFill>
+                        <a:schemeClr val="tx1">
+                          <a:lumMod val="75000"/>
+                          <a:lumOff val="25000"/>
+                        </a:schemeClr>
+                      </a:solidFill>
+                      <a:prstDash val="solid"/>
+                      <a:round/>
+                      <a:headEnd type="none" w="med" len="med"/>
+                      <a:tailEnd type="none" w="med" len="med"/>
+                    </a:lnL>
+                    <a:lnR w="12700" cap="flat" cmpd="sng" algn="ctr">
+                      <a:solidFill>
+                        <a:schemeClr val="tx1">
+                          <a:lumMod val="75000"/>
+                          <a:lumOff val="25000"/>
+                        </a:schemeClr>
+                      </a:solidFill>
+                      <a:prstDash val="solid"/>
+                      <a:round/>
+                      <a:headEnd type="none" w="med" len="med"/>
+                      <a:tailEnd type="none" w="med" len="med"/>
+                    </a:lnR>
+                    <a:lnT w="12700" cap="flat" cmpd="sng" algn="ctr">
+                      <a:solidFill>
+                        <a:schemeClr val="tx1">
+                          <a:lumMod val="75000"/>
+                          <a:lumOff val="25000"/>
+                        </a:schemeClr>
+                      </a:solidFill>
+                      <a:prstDash val="solid"/>
+                      <a:round/>
+                      <a:headEnd type="none" w="med" len="med"/>
+                      <a:tailEnd type="none" w="med" len="med"/>
+                    </a:lnT>
+                    <a:lnB w="12700" cap="flat" cmpd="sng" algn="ctr">
+                      <a:solidFill>
+                        <a:schemeClr val="tx1">
+                          <a:lumMod val="75000"/>
+                          <a:lumOff val="25000"/>
                         </a:schemeClr>
                       </a:solidFill>
                       <a:prstDash val="solid"/>
@@ -24296,24 +25101,32 @@
                         </a:spcAft>
                       </a:pPr>
                       <a:r>
-                        <a:rPr lang="en-US" sz="1600" dirty="0">
+                        <a:rPr lang="en-US" sz="1400">
                           <a:solidFill>
                             <a:schemeClr val="bg1"/>
                           </a:solidFill>
                           <a:effectLst/>
                           <a:latin typeface="Consolas" panose="020B0609020204030204" pitchFamily="49" charset="0"/>
-                          <a:ea typeface="Roboto" panose="02000000000000000000" pitchFamily="2" charset="0"/>
-                          <a:cs typeface="Roboto" panose="02000000000000000000" pitchFamily="2" charset="0"/>
                         </a:rPr>
-                        <a:t>Graphs 2</a:t>
+                        <a:t>1-Apr</a:t>
                       </a:r>
+                      <a:endParaRPr lang="en-US" sz="1400">
+                        <a:solidFill>
+                          <a:schemeClr val="bg1"/>
+                        </a:solidFill>
+                        <a:effectLst/>
+                        <a:latin typeface="Consolas" panose="020B0609020204030204" pitchFamily="49" charset="0"/>
+                        <a:ea typeface="Times New Roman" panose="02020603050405020304" pitchFamily="18" charset="0"/>
+                        <a:cs typeface="Times New Roman" panose="02020603050405020304" pitchFamily="18" charset="0"/>
+                      </a:endParaRPr>
                     </a:p>
                   </a:txBody>
                   <a:tcPr marL="68580" marR="68580" marT="0" marB="0" anchor="b">
                     <a:lnL w="12700" cap="flat" cmpd="sng" algn="ctr">
                       <a:solidFill>
-                        <a:schemeClr val="bg2">
-                          <a:lumMod val="25000"/>
+                        <a:schemeClr val="tx1">
+                          <a:lumMod val="75000"/>
+                          <a:lumOff val="25000"/>
                         </a:schemeClr>
                       </a:solidFill>
                       <a:prstDash val="solid"/>
@@ -24323,8 +25136,9 @@
                     </a:lnL>
                     <a:lnR w="12700" cap="flat" cmpd="sng" algn="ctr">
                       <a:solidFill>
-                        <a:schemeClr val="bg2">
-                          <a:lumMod val="25000"/>
+                        <a:schemeClr val="tx1">
+                          <a:lumMod val="75000"/>
+                          <a:lumOff val="25000"/>
                         </a:schemeClr>
                       </a:solidFill>
                       <a:prstDash val="solid"/>
@@ -24334,8 +25148,9 @@
                     </a:lnR>
                     <a:lnT w="12700" cap="flat" cmpd="sng" algn="ctr">
                       <a:solidFill>
-                        <a:schemeClr val="bg2">
-                          <a:lumMod val="25000"/>
+                        <a:schemeClr val="tx1">
+                          <a:lumMod val="75000"/>
+                          <a:lumOff val="25000"/>
                         </a:schemeClr>
                       </a:solidFill>
                       <a:prstDash val="solid"/>
@@ -24345,8 +25160,9 @@
                     </a:lnT>
                     <a:lnB w="12700" cap="flat" cmpd="sng" algn="ctr">
                       <a:solidFill>
-                        <a:schemeClr val="bg2">
-                          <a:lumMod val="25000"/>
+                        <a:schemeClr val="tx1">
+                          <a:lumMod val="75000"/>
+                          <a:lumOff val="25000"/>
                         </a:schemeClr>
                       </a:solidFill>
                       <a:prstDash val="solid"/>
@@ -24370,45 +25186,32 @@
                         </a:spcAft>
                       </a:pPr>
                       <a:r>
-                        <a:rPr lang="en-US" sz="1600">
+                        <a:rPr lang="en-US" sz="1400">
                           <a:solidFill>
                             <a:schemeClr val="bg1"/>
                           </a:solidFill>
                           <a:effectLst/>
                           <a:latin typeface="Consolas" panose="020B0609020204030204" pitchFamily="49" charset="0"/>
-                          <a:ea typeface="Roboto" panose="02000000000000000000" pitchFamily="2" charset="0"/>
-                          <a:cs typeface="Roboto" panose="02000000000000000000" pitchFamily="2" charset="0"/>
                         </a:rPr>
-                        <a:t>P</a:t>
+                        <a:t>7-Apr</a:t>
                       </a:r>
-                      <a:r>
-                        <a:rPr lang="en-US" sz="1600" baseline="-25000">
-                          <a:solidFill>
-                            <a:schemeClr val="bg1"/>
-                          </a:solidFill>
-                          <a:effectLst/>
-                          <a:latin typeface="Consolas" panose="020B0609020204030204" pitchFamily="49" charset="0"/>
-                          <a:ea typeface="Roboto" panose="02000000000000000000" pitchFamily="2" charset="0"/>
-                          <a:cs typeface="Roboto" panose="02000000000000000000" pitchFamily="2" charset="0"/>
-                        </a:rPr>
-                        <a:t>2</a:t>
-                      </a:r>
-                      <a:endParaRPr lang="en-US" sz="1600">
+                      <a:endParaRPr lang="en-US" sz="1400">
                         <a:solidFill>
                           <a:schemeClr val="bg1"/>
                         </a:solidFill>
                         <a:effectLst/>
                         <a:latin typeface="Consolas" panose="020B0609020204030204" pitchFamily="49" charset="0"/>
-                        <a:ea typeface="Roboto" panose="02000000000000000000" pitchFamily="2" charset="0"/>
-                        <a:cs typeface="Roboto" panose="02000000000000000000" pitchFamily="2" charset="0"/>
+                        <a:ea typeface="Times New Roman" panose="02020603050405020304" pitchFamily="18" charset="0"/>
+                        <a:cs typeface="Times New Roman" panose="02020603050405020304" pitchFamily="18" charset="0"/>
                       </a:endParaRPr>
                     </a:p>
                   </a:txBody>
                   <a:tcPr marL="68580" marR="68580" marT="0" marB="0" anchor="b">
                     <a:lnL w="12700" cap="flat" cmpd="sng" algn="ctr">
                       <a:solidFill>
-                        <a:schemeClr val="bg2">
-                          <a:lumMod val="25000"/>
+                        <a:schemeClr val="tx1">
+                          <a:lumMod val="75000"/>
+                          <a:lumOff val="25000"/>
                         </a:schemeClr>
                       </a:solidFill>
                       <a:prstDash val="solid"/>
@@ -24418,8 +25221,9 @@
                     </a:lnL>
                     <a:lnR w="12700" cap="flat" cmpd="sng" algn="ctr">
                       <a:solidFill>
-                        <a:schemeClr val="bg2">
-                          <a:lumMod val="25000"/>
+                        <a:schemeClr val="tx1">
+                          <a:lumMod val="75000"/>
+                          <a:lumOff val="25000"/>
                         </a:schemeClr>
                       </a:solidFill>
                       <a:prstDash val="solid"/>
@@ -24429,8 +25233,9 @@
                     </a:lnR>
                     <a:lnT w="12700" cap="flat" cmpd="sng" algn="ctr">
                       <a:solidFill>
-                        <a:schemeClr val="bg2">
-                          <a:lumMod val="25000"/>
+                        <a:schemeClr val="tx1">
+                          <a:lumMod val="75000"/>
+                          <a:lumOff val="25000"/>
                         </a:schemeClr>
                       </a:solidFill>
                       <a:prstDash val="solid"/>
@@ -24440,89 +25245,9 @@
                     </a:lnT>
                     <a:lnB w="12700" cap="flat" cmpd="sng" algn="ctr">
                       <a:solidFill>
-                        <a:schemeClr val="bg2">
-                          <a:lumMod val="25000"/>
-                        </a:schemeClr>
-                      </a:solidFill>
-                      <a:prstDash val="solid"/>
-                      <a:round/>
-                      <a:headEnd type="none" w="med" len="med"/>
-                      <a:tailEnd type="none" w="med" len="med"/>
-                    </a:lnB>
-                  </a:tcPr>
-                </a:tc>
-                <a:extLst>
-                  <a:ext uri="{0D108BD9-81ED-4DB2-BD59-A6C34878D82A}">
-                    <a16:rowId xmlns:a16="http://schemas.microsoft.com/office/drawing/2014/main" val="2746069819"/>
-                  </a:ext>
-                </a:extLst>
-              </a:tr>
-              <a:tr h="175895">
-                <a:tc>
-                  <a:txBody>
-                    <a:bodyPr/>
-                    <a:lstStyle/>
-                    <a:p>
-                      <a:pPr marL="0" marR="0" algn="ctr">
-                        <a:spcBef>
-                          <a:spcPts val="0"/>
-                        </a:spcBef>
-                        <a:spcAft>
-                          <a:spcPts val="0"/>
-                        </a:spcAft>
-                      </a:pPr>
-                      <a:r>
-                        <a:rPr lang="en-US" sz="1600">
-                          <a:solidFill>
-                            <a:schemeClr val="bg1"/>
-                          </a:solidFill>
-                          <a:effectLst/>
-                          <a:latin typeface="Consolas" panose="020B0609020204030204" pitchFamily="49" charset="0"/>
-                          <a:ea typeface="Roboto" panose="02000000000000000000" pitchFamily="2" charset="0"/>
-                          <a:cs typeface="Roboto" panose="02000000000000000000" pitchFamily="2" charset="0"/>
-                        </a:rPr>
-                        <a:t>13</a:t>
-                      </a:r>
-                    </a:p>
-                  </a:txBody>
-                  <a:tcPr marL="68580" marR="68580" marT="0" marB="0" anchor="b">
-                    <a:lnL w="12700" cap="flat" cmpd="sng" algn="ctr">
-                      <a:solidFill>
-                        <a:schemeClr val="bg2">
-                          <a:lumMod val="25000"/>
-                        </a:schemeClr>
-                      </a:solidFill>
-                      <a:prstDash val="solid"/>
-                      <a:round/>
-                      <a:headEnd type="none" w="med" len="med"/>
-                      <a:tailEnd type="none" w="med" len="med"/>
-                    </a:lnL>
-                    <a:lnR w="12700" cap="flat" cmpd="sng" algn="ctr">
-                      <a:solidFill>
-                        <a:schemeClr val="bg2">
-                          <a:lumMod val="25000"/>
-                        </a:schemeClr>
-                      </a:solidFill>
-                      <a:prstDash val="solid"/>
-                      <a:round/>
-                      <a:headEnd type="none" w="med" len="med"/>
-                      <a:tailEnd type="none" w="med" len="med"/>
-                    </a:lnR>
-                    <a:lnT w="12700" cap="flat" cmpd="sng" algn="ctr">
-                      <a:solidFill>
-                        <a:schemeClr val="bg2">
-                          <a:lumMod val="25000"/>
-                        </a:schemeClr>
-                      </a:solidFill>
-                      <a:prstDash val="solid"/>
-                      <a:round/>
-                      <a:headEnd type="none" w="med" len="med"/>
-                      <a:tailEnd type="none" w="med" len="med"/>
-                    </a:lnT>
-                    <a:lnB w="12700" cap="flat" cmpd="sng" algn="ctr">
-                      <a:solidFill>
-                        <a:schemeClr val="bg2">
-                          <a:lumMod val="25000"/>
+                        <a:schemeClr val="tx1">
+                          <a:lumMod val="75000"/>
+                          <a:lumOff val="25000"/>
                         </a:schemeClr>
                       </a:solidFill>
                       <a:prstDash val="solid"/>
@@ -24546,24 +25271,32 @@
                         </a:spcAft>
                       </a:pPr>
                       <a:r>
-                        <a:rPr lang="en-US" sz="1600">
+                        <a:rPr lang="en-US" sz="1400">
                           <a:solidFill>
                             <a:schemeClr val="bg1"/>
                           </a:solidFill>
                           <a:effectLst/>
                           <a:latin typeface="Consolas" panose="020B0609020204030204" pitchFamily="49" charset="0"/>
-                          <a:ea typeface="Roboto" panose="02000000000000000000" pitchFamily="2" charset="0"/>
-                          <a:cs typeface="Roboto" panose="02000000000000000000" pitchFamily="2" charset="0"/>
                         </a:rPr>
-                        <a:t>13-Nov</a:t>
+                        <a:t>Greedy Algorithms</a:t>
                       </a:r>
+                      <a:endParaRPr lang="en-US" sz="1400">
+                        <a:solidFill>
+                          <a:schemeClr val="bg1"/>
+                        </a:solidFill>
+                        <a:effectLst/>
+                        <a:latin typeface="Consolas" panose="020B0609020204030204" pitchFamily="49" charset="0"/>
+                        <a:ea typeface="Times New Roman" panose="02020603050405020304" pitchFamily="18" charset="0"/>
+                        <a:cs typeface="Times New Roman" panose="02020603050405020304" pitchFamily="18" charset="0"/>
+                      </a:endParaRPr>
                     </a:p>
                   </a:txBody>
-                  <a:tcPr marL="68580" marR="68580" marT="0" marB="0">
+                  <a:tcPr marL="68580" marR="68580" marT="0" marB="0" anchor="b">
                     <a:lnL w="12700" cap="flat" cmpd="sng" algn="ctr">
                       <a:solidFill>
-                        <a:schemeClr val="bg2">
-                          <a:lumMod val="25000"/>
+                        <a:schemeClr val="tx1">
+                          <a:lumMod val="75000"/>
+                          <a:lumOff val="25000"/>
                         </a:schemeClr>
                       </a:solidFill>
                       <a:prstDash val="solid"/>
@@ -24573,8 +25306,9 @@
                     </a:lnL>
                     <a:lnR w="12700" cap="flat" cmpd="sng" algn="ctr">
                       <a:solidFill>
-                        <a:schemeClr val="bg2">
-                          <a:lumMod val="25000"/>
+                        <a:schemeClr val="tx1">
+                          <a:lumMod val="75000"/>
+                          <a:lumOff val="25000"/>
                         </a:schemeClr>
                       </a:solidFill>
                       <a:prstDash val="solid"/>
@@ -24584,8 +25318,9 @@
                     </a:lnR>
                     <a:lnT w="12700" cap="flat" cmpd="sng" algn="ctr">
                       <a:solidFill>
-                        <a:schemeClr val="bg2">
-                          <a:lumMod val="25000"/>
+                        <a:schemeClr val="tx1">
+                          <a:lumMod val="75000"/>
+                          <a:lumOff val="25000"/>
                         </a:schemeClr>
                       </a:solidFill>
                       <a:prstDash val="solid"/>
@@ -24595,8 +25330,9 @@
                     </a:lnT>
                     <a:lnB w="12700" cap="flat" cmpd="sng" algn="ctr">
                       <a:solidFill>
-                        <a:schemeClr val="bg2">
-                          <a:lumMod val="25000"/>
+                        <a:schemeClr val="tx1">
+                          <a:lumMod val="75000"/>
+                          <a:lumOff val="25000"/>
                         </a:schemeClr>
                       </a:solidFill>
                       <a:prstDash val="solid"/>
@@ -24620,24 +25356,62 @@
                         </a:spcAft>
                       </a:pPr>
                       <a:r>
-                        <a:rPr lang="en-US" sz="1600">
+                        <a:rPr lang="en-US" sz="1400">
                           <a:solidFill>
                             <a:schemeClr val="bg1"/>
                           </a:solidFill>
                           <a:effectLst/>
                           <a:latin typeface="Consolas" panose="020B0609020204030204" pitchFamily="49" charset="0"/>
-                          <a:ea typeface="Roboto" panose="02000000000000000000" pitchFamily="2" charset="0"/>
-                          <a:cs typeface="Roboto" panose="02000000000000000000" pitchFamily="2" charset="0"/>
                         </a:rPr>
-                        <a:t>19-Nov</a:t>
+                        <a:t>P</a:t>
                       </a:r>
+                      <a:r>
+                        <a:rPr lang="en-US" sz="1400" baseline="-25000">
+                          <a:solidFill>
+                            <a:schemeClr val="bg1"/>
+                          </a:solidFill>
+                          <a:effectLst/>
+                          <a:latin typeface="Consolas" panose="020B0609020204030204" pitchFamily="49" charset="0"/>
+                        </a:rPr>
+                        <a:t>2,</a:t>
+                      </a:r>
+                      <a:r>
+                        <a:rPr lang="en-US" sz="1400">
+                          <a:solidFill>
+                            <a:schemeClr val="bg1"/>
+                          </a:solidFill>
+                          <a:effectLst/>
+                          <a:latin typeface="Consolas" panose="020B0609020204030204" pitchFamily="49" charset="0"/>
+                        </a:rPr>
+                        <a:t> Q</a:t>
+                      </a:r>
+                      <a:r>
+                        <a:rPr lang="en-US" sz="1400" baseline="-25000">
+                          <a:solidFill>
+                            <a:schemeClr val="bg1"/>
+                          </a:solidFill>
+                          <a:effectLst/>
+                          <a:latin typeface="Consolas" panose="020B0609020204030204" pitchFamily="49" charset="0"/>
+                        </a:rPr>
+                        <a:t>9</a:t>
+                      </a:r>
+                      <a:endParaRPr lang="en-US" sz="1400">
+                        <a:solidFill>
+                          <a:schemeClr val="bg1"/>
+                        </a:solidFill>
+                        <a:effectLst/>
+                        <a:latin typeface="Consolas" panose="020B0609020204030204" pitchFamily="49" charset="0"/>
+                        <a:ea typeface="Times New Roman" panose="02020603050405020304" pitchFamily="18" charset="0"/>
+                        <a:cs typeface="Times New Roman" panose="02020603050405020304" pitchFamily="18" charset="0"/>
+                      </a:endParaRPr>
                     </a:p>
                   </a:txBody>
-                  <a:tcPr marL="68580" marR="68580" marT="0" marB="0">
+                  <a:tcPr marL="68580" marR="68580" marT="0" marB="0" anchor="b">
                     <a:lnL w="12700" cap="flat" cmpd="sng" algn="ctr">
                       <a:solidFill>
-                        <a:schemeClr val="bg2">
-                          <a:lumMod val="25000"/>
+                        <a:schemeClr val="tx1">
+                          <a:lumMod val="75000"/>
+                          <a:lumOff val="25000"/>
                         </a:schemeClr>
                       </a:solidFill>
                       <a:prstDash val="solid"/>
@@ -24647,8 +25421,9 @@
                     </a:lnL>
                     <a:lnR w="12700" cap="flat" cmpd="sng" algn="ctr">
                       <a:solidFill>
-                        <a:schemeClr val="bg2">
-                          <a:lumMod val="25000"/>
+                        <a:schemeClr val="tx1">
+                          <a:lumMod val="75000"/>
+                          <a:lumOff val="25000"/>
                         </a:schemeClr>
                       </a:solidFill>
                       <a:prstDash val="solid"/>
@@ -24658,8 +25433,9 @@
                     </a:lnR>
                     <a:lnT w="12700" cap="flat" cmpd="sng" algn="ctr">
                       <a:solidFill>
-                        <a:schemeClr val="bg2">
-                          <a:lumMod val="25000"/>
+                        <a:schemeClr val="tx1">
+                          <a:lumMod val="75000"/>
+                          <a:lumOff val="25000"/>
                         </a:schemeClr>
                       </a:solidFill>
                       <a:prstDash val="solid"/>
@@ -24669,8 +25445,101 @@
                     </a:lnT>
                     <a:lnB w="12700" cap="flat" cmpd="sng" algn="ctr">
                       <a:solidFill>
-                        <a:schemeClr val="bg2">
-                          <a:lumMod val="25000"/>
+                        <a:schemeClr val="tx1">
+                          <a:lumMod val="75000"/>
+                          <a:lumOff val="25000"/>
+                        </a:schemeClr>
+                      </a:solidFill>
+                      <a:prstDash val="solid"/>
+                      <a:round/>
+                      <a:headEnd type="none" w="med" len="med"/>
+                      <a:tailEnd type="none" w="med" len="med"/>
+                    </a:lnB>
+                  </a:tcPr>
+                </a:tc>
+                <a:extLst>
+                  <a:ext uri="{0D108BD9-81ED-4DB2-BD59-A6C34878D82A}">
+                    <a16:rowId xmlns:a16="http://schemas.microsoft.com/office/drawing/2014/main" val="3910410839"/>
+                  </a:ext>
+                </a:extLst>
+              </a:tr>
+              <a:tr h="248278">
+                <a:tc>
+                  <a:txBody>
+                    <a:bodyPr/>
+                    <a:lstStyle/>
+                    <a:p>
+                      <a:pPr marL="0" marR="0" algn="ctr">
+                        <a:spcBef>
+                          <a:spcPts val="0"/>
+                        </a:spcBef>
+                        <a:spcAft>
+                          <a:spcPts val="0"/>
+                        </a:spcAft>
+                      </a:pPr>
+                      <a:r>
+                        <a:rPr lang="en-US" sz="1400">
+                          <a:solidFill>
+                            <a:schemeClr val="bg1"/>
+                          </a:solidFill>
+                          <a:effectLst/>
+                          <a:latin typeface="Consolas" panose="020B0609020204030204" pitchFamily="49" charset="0"/>
+                        </a:rPr>
+                        <a:t>14</a:t>
+                      </a:r>
+                      <a:endParaRPr lang="en-US" sz="1400">
+                        <a:solidFill>
+                          <a:schemeClr val="bg1"/>
+                        </a:solidFill>
+                        <a:effectLst/>
+                        <a:latin typeface="Consolas" panose="020B0609020204030204" pitchFamily="49" charset="0"/>
+                        <a:ea typeface="Times New Roman" panose="02020603050405020304" pitchFamily="18" charset="0"/>
+                        <a:cs typeface="Times New Roman" panose="02020603050405020304" pitchFamily="18" charset="0"/>
+                      </a:endParaRPr>
+                    </a:p>
+                  </a:txBody>
+                  <a:tcPr marL="68580" marR="68580" marT="0" marB="0" anchor="b">
+                    <a:lnL w="12700" cap="flat" cmpd="sng" algn="ctr">
+                      <a:solidFill>
+                        <a:schemeClr val="tx1">
+                          <a:lumMod val="75000"/>
+                          <a:lumOff val="25000"/>
+                        </a:schemeClr>
+                      </a:solidFill>
+                      <a:prstDash val="solid"/>
+                      <a:round/>
+                      <a:headEnd type="none" w="med" len="med"/>
+                      <a:tailEnd type="none" w="med" len="med"/>
+                    </a:lnL>
+                    <a:lnR w="12700" cap="flat" cmpd="sng" algn="ctr">
+                      <a:solidFill>
+                        <a:schemeClr val="tx1">
+                          <a:lumMod val="75000"/>
+                          <a:lumOff val="25000"/>
+                        </a:schemeClr>
+                      </a:solidFill>
+                      <a:prstDash val="solid"/>
+                      <a:round/>
+                      <a:headEnd type="none" w="med" len="med"/>
+                      <a:tailEnd type="none" w="med" len="med"/>
+                    </a:lnR>
+                    <a:lnT w="12700" cap="flat" cmpd="sng" algn="ctr">
+                      <a:solidFill>
+                        <a:schemeClr val="tx1">
+                          <a:lumMod val="75000"/>
+                          <a:lumOff val="25000"/>
+                        </a:schemeClr>
+                      </a:solidFill>
+                      <a:prstDash val="solid"/>
+                      <a:round/>
+                      <a:headEnd type="none" w="med" len="med"/>
+                      <a:tailEnd type="none" w="med" len="med"/>
+                    </a:lnT>
+                    <a:lnB w="12700" cap="flat" cmpd="sng" algn="ctr">
+                      <a:solidFill>
+                        <a:schemeClr val="tx1">
+                          <a:lumMod val="75000"/>
+                          <a:lumOff val="25000"/>
                         </a:schemeClr>
                       </a:solidFill>
                       <a:prstDash val="solid"/>
@@ -24694,24 +25563,32 @@
                         </a:spcAft>
                       </a:pPr>
                       <a:r>
-                        <a:rPr lang="en-US" sz="1600">
+                        <a:rPr lang="en-US" sz="1400">
                           <a:solidFill>
                             <a:schemeClr val="bg1"/>
                           </a:solidFill>
                           <a:effectLst/>
                           <a:latin typeface="Consolas" panose="020B0609020204030204" pitchFamily="49" charset="0"/>
-                          <a:ea typeface="Roboto" panose="02000000000000000000" pitchFamily="2" charset="0"/>
-                          <a:cs typeface="Roboto" panose="02000000000000000000" pitchFamily="2" charset="0"/>
                         </a:rPr>
-                        <a:t>Greedy Algorithms</a:t>
+                        <a:t>8-Apr</a:t>
                       </a:r>
+                      <a:endParaRPr lang="en-US" sz="1400">
+                        <a:solidFill>
+                          <a:schemeClr val="bg1"/>
+                        </a:solidFill>
+                        <a:effectLst/>
+                        <a:latin typeface="Consolas" panose="020B0609020204030204" pitchFamily="49" charset="0"/>
+                        <a:ea typeface="Times New Roman" panose="02020603050405020304" pitchFamily="18" charset="0"/>
+                        <a:cs typeface="Times New Roman" panose="02020603050405020304" pitchFamily="18" charset="0"/>
+                      </a:endParaRPr>
                     </a:p>
                   </a:txBody>
                   <a:tcPr marL="68580" marR="68580" marT="0" marB="0" anchor="b">
                     <a:lnL w="12700" cap="flat" cmpd="sng" algn="ctr">
                       <a:solidFill>
-                        <a:schemeClr val="bg2">
-                          <a:lumMod val="25000"/>
+                        <a:schemeClr val="tx1">
+                          <a:lumMod val="75000"/>
+                          <a:lumOff val="25000"/>
                         </a:schemeClr>
                       </a:solidFill>
                       <a:prstDash val="solid"/>
@@ -24721,8 +25598,9 @@
                     </a:lnL>
                     <a:lnR w="12700" cap="flat" cmpd="sng" algn="ctr">
                       <a:solidFill>
-                        <a:schemeClr val="bg2">
-                          <a:lumMod val="25000"/>
+                        <a:schemeClr val="tx1">
+                          <a:lumMod val="75000"/>
+                          <a:lumOff val="25000"/>
                         </a:schemeClr>
                       </a:solidFill>
                       <a:prstDash val="solid"/>
@@ -24732,8 +25610,9 @@
                     </a:lnR>
                     <a:lnT w="12700" cap="flat" cmpd="sng" algn="ctr">
                       <a:solidFill>
-                        <a:schemeClr val="bg2">
-                          <a:lumMod val="25000"/>
+                        <a:schemeClr val="tx1">
+                          <a:lumMod val="75000"/>
+                          <a:lumOff val="25000"/>
                         </a:schemeClr>
                       </a:solidFill>
                       <a:prstDash val="solid"/>
@@ -24743,8 +25622,9 @@
                     </a:lnT>
                     <a:lnB w="12700" cap="flat" cmpd="sng" algn="ctr">
                       <a:solidFill>
-                        <a:schemeClr val="bg2">
-                          <a:lumMod val="25000"/>
+                        <a:schemeClr val="tx1">
+                          <a:lumMod val="75000"/>
+                          <a:lumOff val="25000"/>
                         </a:schemeClr>
                       </a:solidFill>
                       <a:prstDash val="solid"/>
@@ -24768,45 +25648,32 @@
                         </a:spcAft>
                       </a:pPr>
                       <a:r>
-                        <a:rPr lang="en-US" sz="1600">
+                        <a:rPr lang="en-US" sz="1400">
                           <a:solidFill>
                             <a:schemeClr val="bg1"/>
                           </a:solidFill>
                           <a:effectLst/>
                           <a:latin typeface="Consolas" panose="020B0609020204030204" pitchFamily="49" charset="0"/>
-                          <a:ea typeface="Roboto" panose="02000000000000000000" pitchFamily="2" charset="0"/>
-                          <a:cs typeface="Roboto" panose="02000000000000000000" pitchFamily="2" charset="0"/>
                         </a:rPr>
-                        <a:t>Q</a:t>
+                        <a:t>14-Apr</a:t>
                       </a:r>
-                      <a:r>
-                        <a:rPr lang="en-US" sz="1600" baseline="-25000">
-                          <a:solidFill>
-                            <a:schemeClr val="bg1"/>
-                          </a:solidFill>
-                          <a:effectLst/>
-                          <a:latin typeface="Consolas" panose="020B0609020204030204" pitchFamily="49" charset="0"/>
-                          <a:ea typeface="Roboto" panose="02000000000000000000" pitchFamily="2" charset="0"/>
-                          <a:cs typeface="Roboto" panose="02000000000000000000" pitchFamily="2" charset="0"/>
-                        </a:rPr>
-                        <a:t>9</a:t>
-                      </a:r>
-                      <a:endParaRPr lang="en-US" sz="1600">
+                      <a:endParaRPr lang="en-US" sz="1400">
                         <a:solidFill>
                           <a:schemeClr val="bg1"/>
                         </a:solidFill>
                         <a:effectLst/>
                         <a:latin typeface="Consolas" panose="020B0609020204030204" pitchFamily="49" charset="0"/>
-                        <a:ea typeface="Roboto" panose="02000000000000000000" pitchFamily="2" charset="0"/>
-                        <a:cs typeface="Roboto" panose="02000000000000000000" pitchFamily="2" charset="0"/>
+                        <a:ea typeface="Times New Roman" panose="02020603050405020304" pitchFamily="18" charset="0"/>
+                        <a:cs typeface="Times New Roman" panose="02020603050405020304" pitchFamily="18" charset="0"/>
                       </a:endParaRPr>
                     </a:p>
                   </a:txBody>
                   <a:tcPr marL="68580" marR="68580" marT="0" marB="0" anchor="b">
                     <a:lnL w="12700" cap="flat" cmpd="sng" algn="ctr">
                       <a:solidFill>
-                        <a:schemeClr val="bg2">
-                          <a:lumMod val="25000"/>
+                        <a:schemeClr val="tx1">
+                          <a:lumMod val="75000"/>
+                          <a:lumOff val="25000"/>
                         </a:schemeClr>
                       </a:solidFill>
                       <a:prstDash val="solid"/>
@@ -24816,8 +25683,9 @@
                     </a:lnL>
                     <a:lnR w="12700" cap="flat" cmpd="sng" algn="ctr">
                       <a:solidFill>
-                        <a:schemeClr val="bg2">
-                          <a:lumMod val="25000"/>
+                        <a:schemeClr val="tx1">
+                          <a:lumMod val="75000"/>
+                          <a:lumOff val="25000"/>
                         </a:schemeClr>
                       </a:solidFill>
                       <a:prstDash val="solid"/>
@@ -24827,8 +25695,9 @@
                     </a:lnR>
                     <a:lnT w="12700" cap="flat" cmpd="sng" algn="ctr">
                       <a:solidFill>
-                        <a:schemeClr val="bg2">
-                          <a:lumMod val="25000"/>
+                        <a:schemeClr val="tx1">
+                          <a:lumMod val="75000"/>
+                          <a:lumOff val="25000"/>
                         </a:schemeClr>
                       </a:solidFill>
                       <a:prstDash val="solid"/>
@@ -24838,89 +25707,9 @@
                     </a:lnT>
                     <a:lnB w="12700" cap="flat" cmpd="sng" algn="ctr">
                       <a:solidFill>
-                        <a:schemeClr val="bg2">
-                          <a:lumMod val="25000"/>
-                        </a:schemeClr>
-                      </a:solidFill>
-                      <a:prstDash val="solid"/>
-                      <a:round/>
-                      <a:headEnd type="none" w="med" len="med"/>
-                      <a:tailEnd type="none" w="med" len="med"/>
-                    </a:lnB>
-                  </a:tcPr>
-                </a:tc>
-                <a:extLst>
-                  <a:ext uri="{0D108BD9-81ED-4DB2-BD59-A6C34878D82A}">
-                    <a16:rowId xmlns:a16="http://schemas.microsoft.com/office/drawing/2014/main" val="1920829527"/>
-                  </a:ext>
-                </a:extLst>
-              </a:tr>
-              <a:tr h="175895">
-                <a:tc>
-                  <a:txBody>
-                    <a:bodyPr/>
-                    <a:lstStyle/>
-                    <a:p>
-                      <a:pPr marL="0" marR="0" algn="ctr">
-                        <a:spcBef>
-                          <a:spcPts val="0"/>
-                        </a:spcBef>
-                        <a:spcAft>
-                          <a:spcPts val="0"/>
-                        </a:spcAft>
-                      </a:pPr>
-                      <a:r>
-                        <a:rPr lang="en-US" sz="1600">
-                          <a:solidFill>
-                            <a:schemeClr val="bg1"/>
-                          </a:solidFill>
-                          <a:effectLst/>
-                          <a:latin typeface="Consolas" panose="020B0609020204030204" pitchFamily="49" charset="0"/>
-                          <a:ea typeface="Roboto" panose="02000000000000000000" pitchFamily="2" charset="0"/>
-                          <a:cs typeface="Roboto" panose="02000000000000000000" pitchFamily="2" charset="0"/>
-                        </a:rPr>
-                        <a:t>14</a:t>
-                      </a:r>
-                    </a:p>
-                  </a:txBody>
-                  <a:tcPr marL="68580" marR="68580" marT="0" marB="0" anchor="b">
-                    <a:lnL w="12700" cap="flat" cmpd="sng" algn="ctr">
-                      <a:solidFill>
-                        <a:schemeClr val="bg2">
-                          <a:lumMod val="25000"/>
-                        </a:schemeClr>
-                      </a:solidFill>
-                      <a:prstDash val="solid"/>
-                      <a:round/>
-                      <a:headEnd type="none" w="med" len="med"/>
-                      <a:tailEnd type="none" w="med" len="med"/>
-                    </a:lnL>
-                    <a:lnR w="12700" cap="flat" cmpd="sng" algn="ctr">
-                      <a:solidFill>
-                        <a:schemeClr val="bg2">
-                          <a:lumMod val="25000"/>
-                        </a:schemeClr>
-                      </a:solidFill>
-                      <a:prstDash val="solid"/>
-                      <a:round/>
-                      <a:headEnd type="none" w="med" len="med"/>
-                      <a:tailEnd type="none" w="med" len="med"/>
-                    </a:lnR>
-                    <a:lnT w="12700" cap="flat" cmpd="sng" algn="ctr">
-                      <a:solidFill>
-                        <a:schemeClr val="bg2">
-                          <a:lumMod val="25000"/>
-                        </a:schemeClr>
-                      </a:solidFill>
-                      <a:prstDash val="solid"/>
-                      <a:round/>
-                      <a:headEnd type="none" w="med" len="med"/>
-                      <a:tailEnd type="none" w="med" len="med"/>
-                    </a:lnT>
-                    <a:lnB w="12700" cap="flat" cmpd="sng" algn="ctr">
-                      <a:solidFill>
-                        <a:schemeClr val="bg2">
-                          <a:lumMod val="25000"/>
+                        <a:schemeClr val="tx1">
+                          <a:lumMod val="75000"/>
+                          <a:lumOff val="25000"/>
                         </a:schemeClr>
                       </a:solidFill>
                       <a:prstDash val="solid"/>
@@ -24944,24 +25733,38 @@
                         </a:spcAft>
                       </a:pPr>
                       <a:r>
-                        <a:rPr lang="en-US" sz="1600">
+                        <a:rPr lang="en-US" sz="1400" dirty="0">
                           <a:solidFill>
-                            <a:schemeClr val="bg1"/>
+                            <a:schemeClr val="accent2">
+                              <a:lumMod val="20000"/>
+                              <a:lumOff val="80000"/>
+                            </a:schemeClr>
                           </a:solidFill>
                           <a:effectLst/>
                           <a:latin typeface="Consolas" panose="020B0609020204030204" pitchFamily="49" charset="0"/>
-                          <a:ea typeface="Roboto" panose="02000000000000000000" pitchFamily="2" charset="0"/>
-                          <a:cs typeface="Roboto" panose="02000000000000000000" pitchFamily="2" charset="0"/>
                         </a:rPr>
-                        <a:t>20-Nov</a:t>
+                        <a:t>Exam 2 (April 12)</a:t>
                       </a:r>
+                      <a:endParaRPr lang="en-US" sz="1400" dirty="0">
+                        <a:solidFill>
+                          <a:schemeClr val="accent2">
+                            <a:lumMod val="20000"/>
+                            <a:lumOff val="80000"/>
+                          </a:schemeClr>
+                        </a:solidFill>
+                        <a:effectLst/>
+                        <a:latin typeface="Consolas" panose="020B0609020204030204" pitchFamily="49" charset="0"/>
+                        <a:ea typeface="Times New Roman" panose="02020603050405020304" pitchFamily="18" charset="0"/>
+                        <a:cs typeface="Times New Roman" panose="02020603050405020304" pitchFamily="18" charset="0"/>
+                      </a:endParaRPr>
                     </a:p>
                   </a:txBody>
-                  <a:tcPr marL="68580" marR="68580" marT="0" marB="0">
+                  <a:tcPr marL="68580" marR="68580" marT="0" marB="0" anchor="b">
                     <a:lnL w="12700" cap="flat" cmpd="sng" algn="ctr">
                       <a:solidFill>
-                        <a:schemeClr val="bg2">
-                          <a:lumMod val="25000"/>
+                        <a:schemeClr val="tx1">
+                          <a:lumMod val="75000"/>
+                          <a:lumOff val="25000"/>
                         </a:schemeClr>
                       </a:solidFill>
                       <a:prstDash val="solid"/>
@@ -24971,8 +25774,9 @@
                     </a:lnL>
                     <a:lnR w="12700" cap="flat" cmpd="sng" algn="ctr">
                       <a:solidFill>
-                        <a:schemeClr val="bg2">
-                          <a:lumMod val="25000"/>
+                        <a:schemeClr val="tx1">
+                          <a:lumMod val="75000"/>
+                          <a:lumOff val="25000"/>
                         </a:schemeClr>
                       </a:solidFill>
                       <a:prstDash val="solid"/>
@@ -24982,8 +25786,9 @@
                     </a:lnR>
                     <a:lnT w="12700" cap="flat" cmpd="sng" algn="ctr">
                       <a:solidFill>
-                        <a:schemeClr val="bg2">
-                          <a:lumMod val="25000"/>
+                        <a:schemeClr val="tx1">
+                          <a:lumMod val="75000"/>
+                          <a:lumOff val="25000"/>
                         </a:schemeClr>
                       </a:solidFill>
                       <a:prstDash val="solid"/>
@@ -24993,8 +25798,9 @@
                     </a:lnT>
                     <a:lnB w="12700" cap="flat" cmpd="sng" algn="ctr">
                       <a:solidFill>
-                        <a:schemeClr val="bg2">
-                          <a:lumMod val="25000"/>
+                        <a:schemeClr val="tx1">
+                          <a:lumMod val="75000"/>
+                          <a:lumOff val="25000"/>
                         </a:schemeClr>
                       </a:solidFill>
                       <a:prstDash val="solid"/>
@@ -25018,24 +25824,42 @@
                         </a:spcAft>
                       </a:pPr>
                       <a:r>
-                        <a:rPr lang="en-US" sz="1600">
+                        <a:rPr lang="en-US" sz="1400">
                           <a:solidFill>
                             <a:schemeClr val="bg1"/>
                           </a:solidFill>
                           <a:effectLst/>
                           <a:latin typeface="Consolas" panose="020B0609020204030204" pitchFamily="49" charset="0"/>
-                          <a:ea typeface="Roboto" panose="02000000000000000000" pitchFamily="2" charset="0"/>
-                          <a:cs typeface="Roboto" panose="02000000000000000000" pitchFamily="2" charset="0"/>
                         </a:rPr>
-                        <a:t>26-Nov</a:t>
+                        <a:t>E</a:t>
                       </a:r>
+                      <a:r>
+                        <a:rPr lang="en-US" sz="1400" baseline="-25000">
+                          <a:solidFill>
+                            <a:schemeClr val="bg1"/>
+                          </a:solidFill>
+                          <a:effectLst/>
+                          <a:latin typeface="Consolas" panose="020B0609020204030204" pitchFamily="49" charset="0"/>
+                        </a:rPr>
+                        <a:t>2</a:t>
+                      </a:r>
+                      <a:endParaRPr lang="en-US" sz="1400">
+                        <a:solidFill>
+                          <a:schemeClr val="bg1"/>
+                        </a:solidFill>
+                        <a:effectLst/>
+                        <a:latin typeface="Consolas" panose="020B0609020204030204" pitchFamily="49" charset="0"/>
+                        <a:ea typeface="Times New Roman" panose="02020603050405020304" pitchFamily="18" charset="0"/>
+                        <a:cs typeface="Times New Roman" panose="02020603050405020304" pitchFamily="18" charset="0"/>
+                      </a:endParaRPr>
                     </a:p>
                   </a:txBody>
-                  <a:tcPr marL="68580" marR="68580" marT="0" marB="0">
+                  <a:tcPr marL="68580" marR="68580" marT="0" marB="0" anchor="b">
                     <a:lnL w="12700" cap="flat" cmpd="sng" algn="ctr">
                       <a:solidFill>
-                        <a:schemeClr val="bg2">
-                          <a:lumMod val="25000"/>
+                        <a:schemeClr val="tx1">
+                          <a:lumMod val="75000"/>
+                          <a:lumOff val="25000"/>
                         </a:schemeClr>
                       </a:solidFill>
                       <a:prstDash val="solid"/>
@@ -25045,8 +25869,9 @@
                     </a:lnL>
                     <a:lnR w="12700" cap="flat" cmpd="sng" algn="ctr">
                       <a:solidFill>
-                        <a:schemeClr val="bg2">
-                          <a:lumMod val="25000"/>
+                        <a:schemeClr val="tx1">
+                          <a:lumMod val="75000"/>
+                          <a:lumOff val="25000"/>
                         </a:schemeClr>
                       </a:solidFill>
                       <a:prstDash val="solid"/>
@@ -25056,8 +25881,9 @@
                     </a:lnR>
                     <a:lnT w="12700" cap="flat" cmpd="sng" algn="ctr">
                       <a:solidFill>
-                        <a:schemeClr val="bg2">
-                          <a:lumMod val="25000"/>
+                        <a:schemeClr val="tx1">
+                          <a:lumMod val="75000"/>
+                          <a:lumOff val="25000"/>
                         </a:schemeClr>
                       </a:solidFill>
                       <a:prstDash val="solid"/>
@@ -25067,8 +25893,101 @@
                     </a:lnT>
                     <a:lnB w="12700" cap="flat" cmpd="sng" algn="ctr">
                       <a:solidFill>
-                        <a:schemeClr val="bg2">
-                          <a:lumMod val="25000"/>
+                        <a:schemeClr val="tx1">
+                          <a:lumMod val="75000"/>
+                          <a:lumOff val="25000"/>
+                        </a:schemeClr>
+                      </a:solidFill>
+                      <a:prstDash val="solid"/>
+                      <a:round/>
+                      <a:headEnd type="none" w="med" len="med"/>
+                      <a:tailEnd type="none" w="med" len="med"/>
+                    </a:lnB>
+                  </a:tcPr>
+                </a:tc>
+                <a:extLst>
+                  <a:ext uri="{0D108BD9-81ED-4DB2-BD59-A6C34878D82A}">
+                    <a16:rowId xmlns:a16="http://schemas.microsoft.com/office/drawing/2014/main" val="1366744528"/>
+                  </a:ext>
+                </a:extLst>
+              </a:tr>
+              <a:tr h="248278">
+                <a:tc>
+                  <a:txBody>
+                    <a:bodyPr/>
+                    <a:lstStyle/>
+                    <a:p>
+                      <a:pPr marL="0" marR="0" algn="ctr">
+                        <a:spcBef>
+                          <a:spcPts val="0"/>
+                        </a:spcBef>
+                        <a:spcAft>
+                          <a:spcPts val="0"/>
+                        </a:spcAft>
+                      </a:pPr>
+                      <a:r>
+                        <a:rPr lang="en-US" sz="1400">
+                          <a:solidFill>
+                            <a:schemeClr val="bg1"/>
+                          </a:solidFill>
+                          <a:effectLst/>
+                          <a:latin typeface="Consolas" panose="020B0609020204030204" pitchFamily="49" charset="0"/>
+                        </a:rPr>
+                        <a:t>15</a:t>
+                      </a:r>
+                      <a:endParaRPr lang="en-US" sz="1400">
+                        <a:solidFill>
+                          <a:schemeClr val="bg1"/>
+                        </a:solidFill>
+                        <a:effectLst/>
+                        <a:latin typeface="Consolas" panose="020B0609020204030204" pitchFamily="49" charset="0"/>
+                        <a:ea typeface="Times New Roman" panose="02020603050405020304" pitchFamily="18" charset="0"/>
+                        <a:cs typeface="Times New Roman" panose="02020603050405020304" pitchFamily="18" charset="0"/>
+                      </a:endParaRPr>
+                    </a:p>
+                  </a:txBody>
+                  <a:tcPr marL="68580" marR="68580" marT="0" marB="0" anchor="b">
+                    <a:lnL w="12700" cap="flat" cmpd="sng" algn="ctr">
+                      <a:solidFill>
+                        <a:schemeClr val="tx1">
+                          <a:lumMod val="75000"/>
+                          <a:lumOff val="25000"/>
+                        </a:schemeClr>
+                      </a:solidFill>
+                      <a:prstDash val="solid"/>
+                      <a:round/>
+                      <a:headEnd type="none" w="med" len="med"/>
+                      <a:tailEnd type="none" w="med" len="med"/>
+                    </a:lnL>
+                    <a:lnR w="12700" cap="flat" cmpd="sng" algn="ctr">
+                      <a:solidFill>
+                        <a:schemeClr val="tx1">
+                          <a:lumMod val="75000"/>
+                          <a:lumOff val="25000"/>
+                        </a:schemeClr>
+                      </a:solidFill>
+                      <a:prstDash val="solid"/>
+                      <a:round/>
+                      <a:headEnd type="none" w="med" len="med"/>
+                      <a:tailEnd type="none" w="med" len="med"/>
+                    </a:lnR>
+                    <a:lnT w="12700" cap="flat" cmpd="sng" algn="ctr">
+                      <a:solidFill>
+                        <a:schemeClr val="tx1">
+                          <a:lumMod val="75000"/>
+                          <a:lumOff val="25000"/>
+                        </a:schemeClr>
+                      </a:solidFill>
+                      <a:prstDash val="solid"/>
+                      <a:round/>
+                      <a:headEnd type="none" w="med" len="med"/>
+                      <a:tailEnd type="none" w="med" len="med"/>
+                    </a:lnT>
+                    <a:lnB w="12700" cap="flat" cmpd="sng" algn="ctr">
+                      <a:solidFill>
+                        <a:schemeClr val="tx1">
+                          <a:lumMod val="75000"/>
+                          <a:lumOff val="25000"/>
                         </a:schemeClr>
                       </a:solidFill>
                       <a:prstDash val="solid"/>
@@ -25092,24 +26011,32 @@
                         </a:spcAft>
                       </a:pPr>
                       <a:r>
-                        <a:rPr lang="en-US" sz="1600">
+                        <a:rPr lang="en-US" sz="1400">
                           <a:solidFill>
                             <a:schemeClr val="bg1"/>
                           </a:solidFill>
                           <a:effectLst/>
                           <a:latin typeface="Consolas" panose="020B0609020204030204" pitchFamily="49" charset="0"/>
-                          <a:ea typeface="Roboto" panose="02000000000000000000" pitchFamily="2" charset="0"/>
-                          <a:cs typeface="Roboto" panose="02000000000000000000" pitchFamily="2" charset="0"/>
                         </a:rPr>
-                        <a:t>Dynamic Programming</a:t>
+                        <a:t>15-Apr</a:t>
                       </a:r>
+                      <a:endParaRPr lang="en-US" sz="1400">
+                        <a:solidFill>
+                          <a:schemeClr val="bg1"/>
+                        </a:solidFill>
+                        <a:effectLst/>
+                        <a:latin typeface="Consolas" panose="020B0609020204030204" pitchFamily="49" charset="0"/>
+                        <a:ea typeface="Times New Roman" panose="02020603050405020304" pitchFamily="18" charset="0"/>
+                        <a:cs typeface="Times New Roman" panose="02020603050405020304" pitchFamily="18" charset="0"/>
+                      </a:endParaRPr>
                     </a:p>
                   </a:txBody>
                   <a:tcPr marL="68580" marR="68580" marT="0" marB="0" anchor="b">
                     <a:lnL w="12700" cap="flat" cmpd="sng" algn="ctr">
                       <a:solidFill>
-                        <a:schemeClr val="bg2">
-                          <a:lumMod val="25000"/>
+                        <a:schemeClr val="tx1">
+                          <a:lumMod val="75000"/>
+                          <a:lumOff val="25000"/>
                         </a:schemeClr>
                       </a:solidFill>
                       <a:prstDash val="solid"/>
@@ -25119,8 +26046,9 @@
                     </a:lnL>
                     <a:lnR w="12700" cap="flat" cmpd="sng" algn="ctr">
                       <a:solidFill>
-                        <a:schemeClr val="bg2">
-                          <a:lumMod val="25000"/>
+                        <a:schemeClr val="tx1">
+                          <a:lumMod val="75000"/>
+                          <a:lumOff val="25000"/>
                         </a:schemeClr>
                       </a:solidFill>
                       <a:prstDash val="solid"/>
@@ -25130,8 +26058,9 @@
                     </a:lnR>
                     <a:lnT w="12700" cap="flat" cmpd="sng" algn="ctr">
                       <a:solidFill>
-                        <a:schemeClr val="bg2">
-                          <a:lumMod val="25000"/>
+                        <a:schemeClr val="tx1">
+                          <a:lumMod val="75000"/>
+                          <a:lumOff val="25000"/>
                         </a:schemeClr>
                       </a:solidFill>
                       <a:prstDash val="solid"/>
@@ -25141,8 +26070,9 @@
                     </a:lnT>
                     <a:lnB w="12700" cap="flat" cmpd="sng" algn="ctr">
                       <a:solidFill>
-                        <a:schemeClr val="bg2">
-                          <a:lumMod val="25000"/>
+                        <a:schemeClr val="tx1">
+                          <a:lumMod val="75000"/>
+                          <a:lumOff val="25000"/>
                         </a:schemeClr>
                       </a:solidFill>
                       <a:prstDash val="solid"/>
@@ -25166,45 +26096,32 @@
                         </a:spcAft>
                       </a:pPr>
                       <a:r>
-                        <a:rPr lang="en-US" sz="1600">
+                        <a:rPr lang="en-US" sz="1400">
                           <a:solidFill>
                             <a:schemeClr val="bg1"/>
                           </a:solidFill>
                           <a:effectLst/>
                           <a:latin typeface="Consolas" panose="020B0609020204030204" pitchFamily="49" charset="0"/>
-                          <a:ea typeface="Roboto" panose="02000000000000000000" pitchFamily="2" charset="0"/>
-                          <a:cs typeface="Roboto" panose="02000000000000000000" pitchFamily="2" charset="0"/>
                         </a:rPr>
-                        <a:t>Q</a:t>
+                        <a:t>21-Apr</a:t>
                       </a:r>
-                      <a:r>
-                        <a:rPr lang="en-US" sz="1600" baseline="-25000">
-                          <a:solidFill>
-                            <a:schemeClr val="bg1"/>
-                          </a:solidFill>
-                          <a:effectLst/>
-                          <a:latin typeface="Consolas" panose="020B0609020204030204" pitchFamily="49" charset="0"/>
-                          <a:ea typeface="Roboto" panose="02000000000000000000" pitchFamily="2" charset="0"/>
-                          <a:cs typeface="Roboto" panose="02000000000000000000" pitchFamily="2" charset="0"/>
-                        </a:rPr>
-                        <a:t>10</a:t>
-                      </a:r>
-                      <a:endParaRPr lang="en-US" sz="1600">
+                      <a:endParaRPr lang="en-US" sz="1400">
                         <a:solidFill>
                           <a:schemeClr val="bg1"/>
                         </a:solidFill>
                         <a:effectLst/>
                         <a:latin typeface="Consolas" panose="020B0609020204030204" pitchFamily="49" charset="0"/>
-                        <a:ea typeface="Roboto" panose="02000000000000000000" pitchFamily="2" charset="0"/>
-                        <a:cs typeface="Roboto" panose="02000000000000000000" pitchFamily="2" charset="0"/>
+                        <a:ea typeface="Times New Roman" panose="02020603050405020304" pitchFamily="18" charset="0"/>
+                        <a:cs typeface="Times New Roman" panose="02020603050405020304" pitchFamily="18" charset="0"/>
                       </a:endParaRPr>
                     </a:p>
                   </a:txBody>
                   <a:tcPr marL="68580" marR="68580" marT="0" marB="0" anchor="b">
                     <a:lnL w="12700" cap="flat" cmpd="sng" algn="ctr">
                       <a:solidFill>
-                        <a:schemeClr val="bg2">
-                          <a:lumMod val="25000"/>
+                        <a:schemeClr val="tx1">
+                          <a:lumMod val="75000"/>
+                          <a:lumOff val="25000"/>
                         </a:schemeClr>
                       </a:solidFill>
                       <a:prstDash val="solid"/>
@@ -25214,8 +26131,9 @@
                     </a:lnL>
                     <a:lnR w="12700" cap="flat" cmpd="sng" algn="ctr">
                       <a:solidFill>
-                        <a:schemeClr val="bg2">
-                          <a:lumMod val="25000"/>
+                        <a:schemeClr val="tx1">
+                          <a:lumMod val="75000"/>
+                          <a:lumOff val="25000"/>
                         </a:schemeClr>
                       </a:solidFill>
                       <a:prstDash val="solid"/>
@@ -25225,8 +26143,9 @@
                     </a:lnR>
                     <a:lnT w="12700" cap="flat" cmpd="sng" algn="ctr">
                       <a:solidFill>
-                        <a:schemeClr val="bg2">
-                          <a:lumMod val="25000"/>
+                        <a:schemeClr val="tx1">
+                          <a:lumMod val="75000"/>
+                          <a:lumOff val="25000"/>
                         </a:schemeClr>
                       </a:solidFill>
                       <a:prstDash val="solid"/>
@@ -25236,89 +26155,9 @@
                     </a:lnT>
                     <a:lnB w="12700" cap="flat" cmpd="sng" algn="ctr">
                       <a:solidFill>
-                        <a:schemeClr val="bg2">
-                          <a:lumMod val="25000"/>
-                        </a:schemeClr>
-                      </a:solidFill>
-                      <a:prstDash val="solid"/>
-                      <a:round/>
-                      <a:headEnd type="none" w="med" len="med"/>
-                      <a:tailEnd type="none" w="med" len="med"/>
-                    </a:lnB>
-                  </a:tcPr>
-                </a:tc>
-                <a:extLst>
-                  <a:ext uri="{0D108BD9-81ED-4DB2-BD59-A6C34878D82A}">
-                    <a16:rowId xmlns:a16="http://schemas.microsoft.com/office/drawing/2014/main" val="1521940841"/>
-                  </a:ext>
-                </a:extLst>
-              </a:tr>
-              <a:tr h="175895">
-                <a:tc>
-                  <a:txBody>
-                    <a:bodyPr/>
-                    <a:lstStyle/>
-                    <a:p>
-                      <a:pPr marL="0" marR="0" algn="ctr">
-                        <a:spcBef>
-                          <a:spcPts val="0"/>
-                        </a:spcBef>
-                        <a:spcAft>
-                          <a:spcPts val="0"/>
-                        </a:spcAft>
-                      </a:pPr>
-                      <a:r>
-                        <a:rPr lang="en-US" sz="1600">
-                          <a:solidFill>
-                            <a:schemeClr val="bg1"/>
-                          </a:solidFill>
-                          <a:effectLst/>
-                          <a:latin typeface="Consolas" panose="020B0609020204030204" pitchFamily="49" charset="0"/>
-                          <a:ea typeface="Roboto" panose="02000000000000000000" pitchFamily="2" charset="0"/>
-                          <a:cs typeface="Roboto" panose="02000000000000000000" pitchFamily="2" charset="0"/>
-                        </a:rPr>
-                        <a:t>15</a:t>
-                      </a:r>
-                    </a:p>
-                  </a:txBody>
-                  <a:tcPr marL="68580" marR="68580" marT="0" marB="0" anchor="b">
-                    <a:lnL w="12700" cap="flat" cmpd="sng" algn="ctr">
-                      <a:solidFill>
-                        <a:schemeClr val="bg2">
-                          <a:lumMod val="25000"/>
-                        </a:schemeClr>
-                      </a:solidFill>
-                      <a:prstDash val="solid"/>
-                      <a:round/>
-                      <a:headEnd type="none" w="med" len="med"/>
-                      <a:tailEnd type="none" w="med" len="med"/>
-                    </a:lnL>
-                    <a:lnR w="12700" cap="flat" cmpd="sng" algn="ctr">
-                      <a:solidFill>
-                        <a:schemeClr val="bg2">
-                          <a:lumMod val="25000"/>
-                        </a:schemeClr>
-                      </a:solidFill>
-                      <a:prstDash val="solid"/>
-                      <a:round/>
-                      <a:headEnd type="none" w="med" len="med"/>
-                      <a:tailEnd type="none" w="med" len="med"/>
-                    </a:lnR>
-                    <a:lnT w="12700" cap="flat" cmpd="sng" algn="ctr">
-                      <a:solidFill>
-                        <a:schemeClr val="bg2">
-                          <a:lumMod val="25000"/>
-                        </a:schemeClr>
-                      </a:solidFill>
-                      <a:prstDash val="solid"/>
-                      <a:round/>
-                      <a:headEnd type="none" w="med" len="med"/>
-                      <a:tailEnd type="none" w="med" len="med"/>
-                    </a:lnT>
-                    <a:lnB w="12700" cap="flat" cmpd="sng" algn="ctr">
-                      <a:solidFill>
-                        <a:schemeClr val="bg2">
-                          <a:lumMod val="25000"/>
+                        <a:schemeClr val="tx1">
+                          <a:lumMod val="75000"/>
+                          <a:lumOff val="25000"/>
                         </a:schemeClr>
                       </a:solidFill>
                       <a:prstDash val="solid"/>
@@ -25342,24 +26181,32 @@
                         </a:spcAft>
                       </a:pPr>
                       <a:r>
-                        <a:rPr lang="en-US" sz="1600">
+                        <a:rPr lang="en-US" sz="1400">
                           <a:solidFill>
                             <a:schemeClr val="bg1"/>
                           </a:solidFill>
                           <a:effectLst/>
                           <a:latin typeface="Consolas" panose="020B0609020204030204" pitchFamily="49" charset="0"/>
-                          <a:ea typeface="Roboto" panose="02000000000000000000" pitchFamily="2" charset="0"/>
-                          <a:cs typeface="Roboto" panose="02000000000000000000" pitchFamily="2" charset="0"/>
                         </a:rPr>
-                        <a:t>27-Nov</a:t>
+                        <a:t>Dynamic Programming</a:t>
                       </a:r>
+                      <a:endParaRPr lang="en-US" sz="1400">
+                        <a:solidFill>
+                          <a:schemeClr val="bg1"/>
+                        </a:solidFill>
+                        <a:effectLst/>
+                        <a:latin typeface="Consolas" panose="020B0609020204030204" pitchFamily="49" charset="0"/>
+                        <a:ea typeface="Times New Roman" panose="02020603050405020304" pitchFamily="18" charset="0"/>
+                        <a:cs typeface="Times New Roman" panose="02020603050405020304" pitchFamily="18" charset="0"/>
+                      </a:endParaRPr>
                     </a:p>
                   </a:txBody>
-                  <a:tcPr marL="68580" marR="68580" marT="0" marB="0">
+                  <a:tcPr marL="68580" marR="68580" marT="0" marB="0" anchor="b">
                     <a:lnL w="12700" cap="flat" cmpd="sng" algn="ctr">
                       <a:solidFill>
-                        <a:schemeClr val="bg2">
-                          <a:lumMod val="25000"/>
+                        <a:schemeClr val="tx1">
+                          <a:lumMod val="75000"/>
+                          <a:lumOff val="25000"/>
                         </a:schemeClr>
                       </a:solidFill>
                       <a:prstDash val="solid"/>
@@ -25369,8 +26216,9 @@
                     </a:lnL>
                     <a:lnR w="12700" cap="flat" cmpd="sng" algn="ctr">
                       <a:solidFill>
-                        <a:schemeClr val="bg2">
-                          <a:lumMod val="25000"/>
+                        <a:schemeClr val="tx1">
+                          <a:lumMod val="75000"/>
+                          <a:lumOff val="25000"/>
                         </a:schemeClr>
                       </a:solidFill>
                       <a:prstDash val="solid"/>
@@ -25380,8 +26228,9 @@
                     </a:lnR>
                     <a:lnT w="12700" cap="flat" cmpd="sng" algn="ctr">
                       <a:solidFill>
-                        <a:schemeClr val="bg2">
-                          <a:lumMod val="25000"/>
+                        <a:schemeClr val="tx1">
+                          <a:lumMod val="75000"/>
+                          <a:lumOff val="25000"/>
                         </a:schemeClr>
                       </a:solidFill>
                       <a:prstDash val="solid"/>
@@ -25391,8 +26240,9 @@
                     </a:lnT>
                     <a:lnB w="12700" cap="flat" cmpd="sng" algn="ctr">
                       <a:solidFill>
-                        <a:schemeClr val="bg2">
-                          <a:lumMod val="25000"/>
+                        <a:schemeClr val="tx1">
+                          <a:lumMod val="75000"/>
+                          <a:lumOff val="25000"/>
                         </a:schemeClr>
                       </a:solidFill>
                       <a:prstDash val="solid"/>
@@ -25416,24 +26266,42 @@
                         </a:spcAft>
                       </a:pPr>
                       <a:r>
-                        <a:rPr lang="en-US" sz="1600">
+                        <a:rPr lang="en-US" sz="1400">
                           <a:solidFill>
                             <a:schemeClr val="bg1"/>
                           </a:solidFill>
                           <a:effectLst/>
                           <a:latin typeface="Consolas" panose="020B0609020204030204" pitchFamily="49" charset="0"/>
-                          <a:ea typeface="Roboto" panose="02000000000000000000" pitchFamily="2" charset="0"/>
-                          <a:cs typeface="Roboto" panose="02000000000000000000" pitchFamily="2" charset="0"/>
                         </a:rPr>
-                        <a:t>3-Dec</a:t>
+                        <a:t>Q</a:t>
                       </a:r>
+                      <a:r>
+                        <a:rPr lang="en-US" sz="1400" baseline="-25000">
+                          <a:solidFill>
+                            <a:schemeClr val="bg1"/>
+                          </a:solidFill>
+                          <a:effectLst/>
+                          <a:latin typeface="Consolas" panose="020B0609020204030204" pitchFamily="49" charset="0"/>
+                        </a:rPr>
+                        <a:t>10</a:t>
+                      </a:r>
+                      <a:endParaRPr lang="en-US" sz="1400">
+                        <a:solidFill>
+                          <a:schemeClr val="bg1"/>
+                        </a:solidFill>
+                        <a:effectLst/>
+                        <a:latin typeface="Consolas" panose="020B0609020204030204" pitchFamily="49" charset="0"/>
+                        <a:ea typeface="Times New Roman" panose="02020603050405020304" pitchFamily="18" charset="0"/>
+                        <a:cs typeface="Times New Roman" panose="02020603050405020304" pitchFamily="18" charset="0"/>
+                      </a:endParaRPr>
                     </a:p>
                   </a:txBody>
-                  <a:tcPr marL="68580" marR="68580" marT="0" marB="0">
+                  <a:tcPr marL="68580" marR="68580" marT="0" marB="0" anchor="b">
                     <a:lnL w="12700" cap="flat" cmpd="sng" algn="ctr">
                       <a:solidFill>
-                        <a:schemeClr val="bg2">
-                          <a:lumMod val="25000"/>
+                        <a:schemeClr val="tx1">
+                          <a:lumMod val="75000"/>
+                          <a:lumOff val="25000"/>
                         </a:schemeClr>
                       </a:solidFill>
                       <a:prstDash val="solid"/>
@@ -25443,8 +26311,9 @@
                     </a:lnL>
                     <a:lnR w="12700" cap="flat" cmpd="sng" algn="ctr">
                       <a:solidFill>
-                        <a:schemeClr val="bg2">
-                          <a:lumMod val="25000"/>
+                        <a:schemeClr val="tx1">
+                          <a:lumMod val="75000"/>
+                          <a:lumOff val="25000"/>
                         </a:schemeClr>
                       </a:solidFill>
                       <a:prstDash val="solid"/>
@@ -25454,8 +26323,9 @@
                     </a:lnR>
                     <a:lnT w="12700" cap="flat" cmpd="sng" algn="ctr">
                       <a:solidFill>
-                        <a:schemeClr val="bg2">
-                          <a:lumMod val="25000"/>
+                        <a:schemeClr val="tx1">
+                          <a:lumMod val="75000"/>
+                          <a:lumOff val="25000"/>
                         </a:schemeClr>
                       </a:solidFill>
                       <a:prstDash val="solid"/>
@@ -25465,8 +26335,101 @@
                     </a:lnT>
                     <a:lnB w="12700" cap="flat" cmpd="sng" algn="ctr">
                       <a:solidFill>
-                        <a:schemeClr val="bg2">
-                          <a:lumMod val="25000"/>
+                        <a:schemeClr val="tx1">
+                          <a:lumMod val="75000"/>
+                          <a:lumOff val="25000"/>
+                        </a:schemeClr>
+                      </a:solidFill>
+                      <a:prstDash val="solid"/>
+                      <a:round/>
+                      <a:headEnd type="none" w="med" len="med"/>
+                      <a:tailEnd type="none" w="med" len="med"/>
+                    </a:lnB>
+                  </a:tcPr>
+                </a:tc>
+                <a:extLst>
+                  <a:ext uri="{0D108BD9-81ED-4DB2-BD59-A6C34878D82A}">
+                    <a16:rowId xmlns:a16="http://schemas.microsoft.com/office/drawing/2014/main" val="2534403489"/>
+                  </a:ext>
+                </a:extLst>
+              </a:tr>
+              <a:tr h="248278">
+                <a:tc>
+                  <a:txBody>
+                    <a:bodyPr/>
+                    <a:lstStyle/>
+                    <a:p>
+                      <a:pPr marL="0" marR="0" algn="ctr">
+                        <a:spcBef>
+                          <a:spcPts val="0"/>
+                        </a:spcBef>
+                        <a:spcAft>
+                          <a:spcPts val="0"/>
+                        </a:spcAft>
+                      </a:pPr>
+                      <a:r>
+                        <a:rPr lang="en-US" sz="1400">
+                          <a:solidFill>
+                            <a:schemeClr val="bg1"/>
+                          </a:solidFill>
+                          <a:effectLst/>
+                          <a:latin typeface="Consolas" panose="020B0609020204030204" pitchFamily="49" charset="0"/>
+                        </a:rPr>
+                        <a:t>16</a:t>
+                      </a:r>
+                      <a:endParaRPr lang="en-US" sz="1400">
+                        <a:solidFill>
+                          <a:schemeClr val="bg1"/>
+                        </a:solidFill>
+                        <a:effectLst/>
+                        <a:latin typeface="Consolas" panose="020B0609020204030204" pitchFamily="49" charset="0"/>
+                        <a:ea typeface="Times New Roman" panose="02020603050405020304" pitchFamily="18" charset="0"/>
+                        <a:cs typeface="Times New Roman" panose="02020603050405020304" pitchFamily="18" charset="0"/>
+                      </a:endParaRPr>
+                    </a:p>
+                  </a:txBody>
+                  <a:tcPr marL="68580" marR="68580" marT="0" marB="0" anchor="b">
+                    <a:lnL w="12700" cap="flat" cmpd="sng" algn="ctr">
+                      <a:solidFill>
+                        <a:schemeClr val="tx1">
+                          <a:lumMod val="75000"/>
+                          <a:lumOff val="25000"/>
+                        </a:schemeClr>
+                      </a:solidFill>
+                      <a:prstDash val="solid"/>
+                      <a:round/>
+                      <a:headEnd type="none" w="med" len="med"/>
+                      <a:tailEnd type="none" w="med" len="med"/>
+                    </a:lnL>
+                    <a:lnR w="12700" cap="flat" cmpd="sng" algn="ctr">
+                      <a:solidFill>
+                        <a:schemeClr val="tx1">
+                          <a:lumMod val="75000"/>
+                          <a:lumOff val="25000"/>
+                        </a:schemeClr>
+                      </a:solidFill>
+                      <a:prstDash val="solid"/>
+                      <a:round/>
+                      <a:headEnd type="none" w="med" len="med"/>
+                      <a:tailEnd type="none" w="med" len="med"/>
+                    </a:lnR>
+                    <a:lnT w="12700" cap="flat" cmpd="sng" algn="ctr">
+                      <a:solidFill>
+                        <a:schemeClr val="tx1">
+                          <a:lumMod val="75000"/>
+                          <a:lumOff val="25000"/>
+                        </a:schemeClr>
+                      </a:solidFill>
+                      <a:prstDash val="solid"/>
+                      <a:round/>
+                      <a:headEnd type="none" w="med" len="med"/>
+                      <a:tailEnd type="none" w="med" len="med"/>
+                    </a:lnT>
+                    <a:lnB w="12700" cap="flat" cmpd="sng" algn="ctr">
+                      <a:solidFill>
+                        <a:schemeClr val="tx1">
+                          <a:lumMod val="75000"/>
+                          <a:lumOff val="25000"/>
                         </a:schemeClr>
                       </a:solidFill>
                       <a:prstDash val="solid"/>
@@ -25490,24 +26453,32 @@
                         </a:spcAft>
                       </a:pPr>
                       <a:r>
-                        <a:rPr lang="en-US" sz="1600" dirty="0">
+                        <a:rPr lang="en-US" sz="1400">
                           <a:solidFill>
-                            <a:schemeClr val="accent2"/>
+                            <a:schemeClr val="bg1"/>
                           </a:solidFill>
                           <a:effectLst/>
                           <a:latin typeface="Consolas" panose="020B0609020204030204" pitchFamily="49" charset="0"/>
-                          <a:ea typeface="Roboto" panose="02000000000000000000" pitchFamily="2" charset="0"/>
-                          <a:cs typeface="Roboto" panose="02000000000000000000" pitchFamily="2" charset="0"/>
                         </a:rPr>
-                        <a:t>Exam 2 – November 30</a:t>
+                        <a:t>22-Apr</a:t>
                       </a:r>
+                      <a:endParaRPr lang="en-US" sz="1400">
+                        <a:solidFill>
+                          <a:schemeClr val="bg1"/>
+                        </a:solidFill>
+                        <a:effectLst/>
+                        <a:latin typeface="Consolas" panose="020B0609020204030204" pitchFamily="49" charset="0"/>
+                        <a:ea typeface="Times New Roman" panose="02020603050405020304" pitchFamily="18" charset="0"/>
+                        <a:cs typeface="Times New Roman" panose="02020603050405020304" pitchFamily="18" charset="0"/>
+                      </a:endParaRPr>
                     </a:p>
                   </a:txBody>
                   <a:tcPr marL="68580" marR="68580" marT="0" marB="0" anchor="b">
                     <a:lnL w="12700" cap="flat" cmpd="sng" algn="ctr">
                       <a:solidFill>
-                        <a:schemeClr val="bg2">
-                          <a:lumMod val="25000"/>
+                        <a:schemeClr val="tx1">
+                          <a:lumMod val="75000"/>
+                          <a:lumOff val="25000"/>
                         </a:schemeClr>
                       </a:solidFill>
                       <a:prstDash val="solid"/>
@@ -25517,8 +26488,9 @@
                     </a:lnL>
                     <a:lnR w="12700" cap="flat" cmpd="sng" algn="ctr">
                       <a:solidFill>
-                        <a:schemeClr val="bg2">
-                          <a:lumMod val="25000"/>
+                        <a:schemeClr val="tx1">
+                          <a:lumMod val="75000"/>
+                          <a:lumOff val="25000"/>
                         </a:schemeClr>
                       </a:solidFill>
                       <a:prstDash val="solid"/>
@@ -25528,8 +26500,9 @@
                     </a:lnR>
                     <a:lnT w="12700" cap="flat" cmpd="sng" algn="ctr">
                       <a:solidFill>
-                        <a:schemeClr val="bg2">
-                          <a:lumMod val="25000"/>
+                        <a:schemeClr val="tx1">
+                          <a:lumMod val="75000"/>
+                          <a:lumOff val="25000"/>
                         </a:schemeClr>
                       </a:solidFill>
                       <a:prstDash val="solid"/>
@@ -25539,8 +26512,9 @@
                     </a:lnT>
                     <a:lnB w="12700" cap="flat" cmpd="sng" algn="ctr">
                       <a:solidFill>
-                        <a:schemeClr val="bg2">
-                          <a:lumMod val="25000"/>
+                        <a:schemeClr val="tx1">
+                          <a:lumMod val="75000"/>
+                          <a:lumOff val="25000"/>
                         </a:schemeClr>
                       </a:solidFill>
                       <a:prstDash val="solid"/>
@@ -25564,45 +26538,32 @@
                         </a:spcAft>
                       </a:pPr>
                       <a:r>
-                        <a:rPr lang="en-US" sz="1600">
+                        <a:rPr lang="en-US" sz="1400">
                           <a:solidFill>
                             <a:schemeClr val="bg1"/>
                           </a:solidFill>
                           <a:effectLst/>
                           <a:latin typeface="Consolas" panose="020B0609020204030204" pitchFamily="49" charset="0"/>
-                          <a:ea typeface="Roboto" panose="02000000000000000000" pitchFamily="2" charset="0"/>
-                          <a:cs typeface="Roboto" panose="02000000000000000000" pitchFamily="2" charset="0"/>
                         </a:rPr>
-                        <a:t>E</a:t>
+                        <a:t>24-Apr</a:t>
                       </a:r>
-                      <a:r>
-                        <a:rPr lang="en-US" sz="1600" baseline="-25000">
-                          <a:solidFill>
-                            <a:schemeClr val="bg1"/>
-                          </a:solidFill>
-                          <a:effectLst/>
-                          <a:latin typeface="Consolas" panose="020B0609020204030204" pitchFamily="49" charset="0"/>
-                          <a:ea typeface="Roboto" panose="02000000000000000000" pitchFamily="2" charset="0"/>
-                          <a:cs typeface="Roboto" panose="02000000000000000000" pitchFamily="2" charset="0"/>
-                        </a:rPr>
-                        <a:t>2</a:t>
-                      </a:r>
-                      <a:endParaRPr lang="en-US" sz="1600">
+                      <a:endParaRPr lang="en-US" sz="1400">
                         <a:solidFill>
                           <a:schemeClr val="bg1"/>
                         </a:solidFill>
                         <a:effectLst/>
                         <a:latin typeface="Consolas" panose="020B0609020204030204" pitchFamily="49" charset="0"/>
-                        <a:ea typeface="Roboto" panose="02000000000000000000" pitchFamily="2" charset="0"/>
-                        <a:cs typeface="Roboto" panose="02000000000000000000" pitchFamily="2" charset="0"/>
+                        <a:ea typeface="Times New Roman" panose="02020603050405020304" pitchFamily="18" charset="0"/>
+                        <a:cs typeface="Times New Roman" panose="02020603050405020304" pitchFamily="18" charset="0"/>
                       </a:endParaRPr>
                     </a:p>
                   </a:txBody>
                   <a:tcPr marL="68580" marR="68580" marT="0" marB="0" anchor="b">
                     <a:lnL w="12700" cap="flat" cmpd="sng" algn="ctr">
                       <a:solidFill>
-                        <a:schemeClr val="bg2">
-                          <a:lumMod val="25000"/>
+                        <a:schemeClr val="tx1">
+                          <a:lumMod val="75000"/>
+                          <a:lumOff val="25000"/>
                         </a:schemeClr>
                       </a:solidFill>
                       <a:prstDash val="solid"/>
@@ -25612,8 +26573,9 @@
                     </a:lnL>
                     <a:lnR w="12700" cap="flat" cmpd="sng" algn="ctr">
                       <a:solidFill>
-                        <a:schemeClr val="bg2">
-                          <a:lumMod val="25000"/>
+                        <a:schemeClr val="tx1">
+                          <a:lumMod val="75000"/>
+                          <a:lumOff val="25000"/>
                         </a:schemeClr>
                       </a:solidFill>
                       <a:prstDash val="solid"/>
@@ -25623,8 +26585,9 @@
                     </a:lnR>
                     <a:lnT w="12700" cap="flat" cmpd="sng" algn="ctr">
                       <a:solidFill>
-                        <a:schemeClr val="bg2">
-                          <a:lumMod val="25000"/>
+                        <a:schemeClr val="tx1">
+                          <a:lumMod val="75000"/>
+                          <a:lumOff val="25000"/>
                         </a:schemeClr>
                       </a:solidFill>
                       <a:prstDash val="solid"/>
@@ -25634,89 +26597,9 @@
                     </a:lnT>
                     <a:lnB w="12700" cap="flat" cmpd="sng" algn="ctr">
                       <a:solidFill>
-                        <a:schemeClr val="bg2">
-                          <a:lumMod val="25000"/>
-                        </a:schemeClr>
-                      </a:solidFill>
-                      <a:prstDash val="solid"/>
-                      <a:round/>
-                      <a:headEnd type="none" w="med" len="med"/>
-                      <a:tailEnd type="none" w="med" len="med"/>
-                    </a:lnB>
-                  </a:tcPr>
-                </a:tc>
-                <a:extLst>
-                  <a:ext uri="{0D108BD9-81ED-4DB2-BD59-A6C34878D82A}">
-                    <a16:rowId xmlns:a16="http://schemas.microsoft.com/office/drawing/2014/main" val="4217005215"/>
-                  </a:ext>
-                </a:extLst>
-              </a:tr>
-              <a:tr h="175895">
-                <a:tc>
-                  <a:txBody>
-                    <a:bodyPr/>
-                    <a:lstStyle/>
-                    <a:p>
-                      <a:pPr marL="0" marR="0" algn="ctr">
-                        <a:spcBef>
-                          <a:spcPts val="0"/>
-                        </a:spcBef>
-                        <a:spcAft>
-                          <a:spcPts val="0"/>
-                        </a:spcAft>
-                      </a:pPr>
-                      <a:r>
-                        <a:rPr lang="en-US" sz="1600">
-                          <a:solidFill>
-                            <a:schemeClr val="bg1"/>
-                          </a:solidFill>
-                          <a:effectLst/>
-                          <a:latin typeface="Consolas" panose="020B0609020204030204" pitchFamily="49" charset="0"/>
-                          <a:ea typeface="Roboto" panose="02000000000000000000" pitchFamily="2" charset="0"/>
-                          <a:cs typeface="Roboto" panose="02000000000000000000" pitchFamily="2" charset="0"/>
-                        </a:rPr>
-                        <a:t>16</a:t>
-                      </a:r>
-                    </a:p>
-                  </a:txBody>
-                  <a:tcPr marL="68580" marR="68580" marT="0" marB="0" anchor="b">
-                    <a:lnL w="12700" cap="flat" cmpd="sng" algn="ctr">
-                      <a:solidFill>
-                        <a:schemeClr val="bg2">
-                          <a:lumMod val="25000"/>
-                        </a:schemeClr>
-                      </a:solidFill>
-                      <a:prstDash val="solid"/>
-                      <a:round/>
-                      <a:headEnd type="none" w="med" len="med"/>
-                      <a:tailEnd type="none" w="med" len="med"/>
-                    </a:lnL>
-                    <a:lnR w="12700" cap="flat" cmpd="sng" algn="ctr">
-                      <a:solidFill>
-                        <a:schemeClr val="bg2">
-                          <a:lumMod val="25000"/>
-                        </a:schemeClr>
-                      </a:solidFill>
-                      <a:prstDash val="solid"/>
-                      <a:round/>
-                      <a:headEnd type="none" w="med" len="med"/>
-                      <a:tailEnd type="none" w="med" len="med"/>
-                    </a:lnR>
-                    <a:lnT w="12700" cap="flat" cmpd="sng" algn="ctr">
-                      <a:solidFill>
-                        <a:schemeClr val="bg2">
-                          <a:lumMod val="25000"/>
-                        </a:schemeClr>
-                      </a:solidFill>
-                      <a:prstDash val="solid"/>
-                      <a:round/>
-                      <a:headEnd type="none" w="med" len="med"/>
-                      <a:tailEnd type="none" w="med" len="med"/>
-                    </a:lnT>
-                    <a:lnB w="12700" cap="flat" cmpd="sng" algn="ctr">
-                      <a:solidFill>
-                        <a:schemeClr val="bg2">
-                          <a:lumMod val="25000"/>
+                        <a:schemeClr val="tx1">
+                          <a:lumMod val="75000"/>
+                          <a:lumOff val="25000"/>
                         </a:schemeClr>
                       </a:solidFill>
                       <a:prstDash val="solid"/>
@@ -25740,24 +26623,32 @@
                         </a:spcAft>
                       </a:pPr>
                       <a:r>
-                        <a:rPr lang="en-US" sz="1600">
+                        <a:rPr lang="en-US" sz="1400">
                           <a:solidFill>
                             <a:schemeClr val="bg1"/>
                           </a:solidFill>
                           <a:effectLst/>
                           <a:latin typeface="Consolas" panose="020B0609020204030204" pitchFamily="49" charset="0"/>
-                          <a:ea typeface="Roboto" panose="02000000000000000000" pitchFamily="2" charset="0"/>
-                          <a:cs typeface="Roboto" panose="02000000000000000000" pitchFamily="2" charset="0"/>
                         </a:rPr>
-                        <a:t>4-Dec</a:t>
+                        <a:t>Complexity Theory</a:t>
                       </a:r>
+                      <a:endParaRPr lang="en-US" sz="1400">
+                        <a:solidFill>
+                          <a:schemeClr val="bg1"/>
+                        </a:solidFill>
+                        <a:effectLst/>
+                        <a:latin typeface="Consolas" panose="020B0609020204030204" pitchFamily="49" charset="0"/>
+                        <a:ea typeface="Times New Roman" panose="02020603050405020304" pitchFamily="18" charset="0"/>
+                        <a:cs typeface="Times New Roman" panose="02020603050405020304" pitchFamily="18" charset="0"/>
+                      </a:endParaRPr>
                     </a:p>
                   </a:txBody>
-                  <a:tcPr marL="68580" marR="68580" marT="0" marB="0">
+                  <a:tcPr marL="68580" marR="68580" marT="0" marB="0" anchor="b">
                     <a:lnL w="12700" cap="flat" cmpd="sng" algn="ctr">
                       <a:solidFill>
-                        <a:schemeClr val="bg2">
-                          <a:lumMod val="25000"/>
+                        <a:schemeClr val="tx1">
+                          <a:lumMod val="75000"/>
+                          <a:lumOff val="25000"/>
                         </a:schemeClr>
                       </a:solidFill>
                       <a:prstDash val="solid"/>
@@ -25767,8 +26658,9 @@
                     </a:lnL>
                     <a:lnR w="12700" cap="flat" cmpd="sng" algn="ctr">
                       <a:solidFill>
-                        <a:schemeClr val="bg2">
-                          <a:lumMod val="25000"/>
+                        <a:schemeClr val="tx1">
+                          <a:lumMod val="75000"/>
+                          <a:lumOff val="25000"/>
                         </a:schemeClr>
                       </a:solidFill>
                       <a:prstDash val="solid"/>
@@ -25778,8 +26670,9 @@
                     </a:lnR>
                     <a:lnT w="12700" cap="flat" cmpd="sng" algn="ctr">
                       <a:solidFill>
-                        <a:schemeClr val="bg2">
-                          <a:lumMod val="25000"/>
+                        <a:schemeClr val="tx1">
+                          <a:lumMod val="75000"/>
+                          <a:lumOff val="25000"/>
                         </a:schemeClr>
                       </a:solidFill>
                       <a:prstDash val="solid"/>
@@ -25789,8 +26682,9 @@
                     </a:lnT>
                     <a:lnB w="12700" cap="flat" cmpd="sng" algn="ctr">
                       <a:solidFill>
-                        <a:schemeClr val="bg2">
-                          <a:lumMod val="25000"/>
+                        <a:schemeClr val="tx1">
+                          <a:lumMod val="75000"/>
+                          <a:lumOff val="25000"/>
                         </a:schemeClr>
                       </a:solidFill>
                       <a:prstDash val="solid"/>
@@ -25814,193 +26708,42 @@
                         </a:spcAft>
                       </a:pPr>
                       <a:r>
-                        <a:rPr lang="en-US" sz="1600">
+                        <a:rPr lang="en-US" sz="1400">
                           <a:solidFill>
                             <a:schemeClr val="bg1"/>
                           </a:solidFill>
                           <a:effectLst/>
                           <a:latin typeface="Consolas" panose="020B0609020204030204" pitchFamily="49" charset="0"/>
-                          <a:ea typeface="Roboto" panose="02000000000000000000" pitchFamily="2" charset="0"/>
-                          <a:cs typeface="Roboto" panose="02000000000000000000" pitchFamily="2" charset="0"/>
                         </a:rPr>
-                        <a:t>6-Dec</a:t>
+                        <a:t>P</a:t>
                       </a:r>
-                    </a:p>
-                  </a:txBody>
-                  <a:tcPr marL="68580" marR="68580" marT="0" marB="0">
-                    <a:lnL w="12700" cap="flat" cmpd="sng" algn="ctr">
-                      <a:solidFill>
-                        <a:schemeClr val="bg2">
-                          <a:lumMod val="25000"/>
-                        </a:schemeClr>
-                      </a:solidFill>
-                      <a:prstDash val="solid"/>
-                      <a:round/>
-                      <a:headEnd type="none" w="med" len="med"/>
-                      <a:tailEnd type="none" w="med" len="med"/>
-                    </a:lnL>
-                    <a:lnR w="12700" cap="flat" cmpd="sng" algn="ctr">
-                      <a:solidFill>
-                        <a:schemeClr val="bg2">
-                          <a:lumMod val="25000"/>
-                        </a:schemeClr>
-                      </a:solidFill>
-                      <a:prstDash val="solid"/>
-                      <a:round/>
-                      <a:headEnd type="none" w="med" len="med"/>
-                      <a:tailEnd type="none" w="med" len="med"/>
-                    </a:lnR>
-                    <a:lnT w="12700" cap="flat" cmpd="sng" algn="ctr">
-                      <a:solidFill>
-                        <a:schemeClr val="bg2">
-                          <a:lumMod val="25000"/>
-                        </a:schemeClr>
-                      </a:solidFill>
-                      <a:prstDash val="solid"/>
-                      <a:round/>
-                      <a:headEnd type="none" w="med" len="med"/>
-                      <a:tailEnd type="none" w="med" len="med"/>
-                    </a:lnT>
-                    <a:lnB w="12700" cap="flat" cmpd="sng" algn="ctr">
-                      <a:solidFill>
-                        <a:schemeClr val="bg2">
-                          <a:lumMod val="25000"/>
-                        </a:schemeClr>
-                      </a:solidFill>
-                      <a:prstDash val="solid"/>
-                      <a:round/>
-                      <a:headEnd type="none" w="med" len="med"/>
-                      <a:tailEnd type="none" w="med" len="med"/>
-                    </a:lnB>
-                  </a:tcPr>
-                </a:tc>
-                <a:tc>
-                  <a:txBody>
-                    <a:bodyPr/>
-                    <a:lstStyle/>
-                    <a:p>
-                      <a:pPr marL="0" marR="0" algn="ctr">
-                        <a:spcBef>
-                          <a:spcPts val="0"/>
-                        </a:spcBef>
-                        <a:spcAft>
-                          <a:spcPts val="0"/>
-                        </a:spcAft>
-                      </a:pPr>
                       <a:r>
-                        <a:rPr lang="en-US" sz="1600">
+                        <a:rPr lang="en-US" sz="1400" baseline="-25000">
                           <a:solidFill>
                             <a:schemeClr val="bg1"/>
                           </a:solidFill>
                           <a:effectLst/>
                           <a:latin typeface="Consolas" panose="020B0609020204030204" pitchFamily="49" charset="0"/>
-                          <a:ea typeface="Roboto" panose="02000000000000000000" pitchFamily="2" charset="0"/>
-                          <a:cs typeface="Roboto" panose="02000000000000000000" pitchFamily="2" charset="0"/>
-                        </a:rPr>
-                        <a:t>Complexity Theory</a:t>
-                      </a:r>
-                    </a:p>
-                  </a:txBody>
-                  <a:tcPr marL="68580" marR="68580" marT="0" marB="0" anchor="b">
-                    <a:lnL w="12700" cap="flat" cmpd="sng" algn="ctr">
-                      <a:solidFill>
-                        <a:schemeClr val="bg2">
-                          <a:lumMod val="25000"/>
-                        </a:schemeClr>
-                      </a:solidFill>
-                      <a:prstDash val="solid"/>
-                      <a:round/>
-                      <a:headEnd type="none" w="med" len="med"/>
-                      <a:tailEnd type="none" w="med" len="med"/>
-                    </a:lnL>
-                    <a:lnR w="12700" cap="flat" cmpd="sng" algn="ctr">
-                      <a:solidFill>
-                        <a:schemeClr val="bg2">
-                          <a:lumMod val="25000"/>
-                        </a:schemeClr>
-                      </a:solidFill>
-                      <a:prstDash val="solid"/>
-                      <a:round/>
-                      <a:headEnd type="none" w="med" len="med"/>
-                      <a:tailEnd type="none" w="med" len="med"/>
-                    </a:lnR>
-                    <a:lnT w="12700" cap="flat" cmpd="sng" algn="ctr">
-                      <a:solidFill>
-                        <a:schemeClr val="bg2">
-                          <a:lumMod val="25000"/>
-                        </a:schemeClr>
-                      </a:solidFill>
-                      <a:prstDash val="solid"/>
-                      <a:round/>
-                      <a:headEnd type="none" w="med" len="med"/>
-                      <a:tailEnd type="none" w="med" len="med"/>
-                    </a:lnT>
-                    <a:lnB w="12700" cap="flat" cmpd="sng" algn="ctr">
-                      <a:solidFill>
-                        <a:schemeClr val="bg2">
-                          <a:lumMod val="25000"/>
-                        </a:schemeClr>
-                      </a:solidFill>
-                      <a:prstDash val="solid"/>
-                      <a:round/>
-                      <a:headEnd type="none" w="med" len="med"/>
-                      <a:tailEnd type="none" w="med" len="med"/>
-                    </a:lnB>
-                  </a:tcPr>
-                </a:tc>
-                <a:tc>
-                  <a:txBody>
-                    <a:bodyPr/>
-                    <a:lstStyle/>
-                    <a:p>
-                      <a:pPr marL="0" marR="0" algn="ctr">
-                        <a:spcBef>
-                          <a:spcPts val="0"/>
-                        </a:spcBef>
-                        <a:spcAft>
-                          <a:spcPts val="0"/>
-                        </a:spcAft>
-                      </a:pPr>
-                      <a:r>
-                        <a:rPr lang="en-US" sz="1600">
-                          <a:solidFill>
-                            <a:schemeClr val="bg1"/>
-                          </a:solidFill>
-                          <a:effectLst/>
-                          <a:latin typeface="Consolas" panose="020B0609020204030204" pitchFamily="49" charset="0"/>
-                          <a:ea typeface="Roboto" panose="02000000000000000000" pitchFamily="2" charset="0"/>
-                          <a:cs typeface="Roboto" panose="02000000000000000000" pitchFamily="2" charset="0"/>
-                        </a:rPr>
-                        <a:t>P</a:t>
-                      </a:r>
-                      <a:r>
-                        <a:rPr lang="en-US" sz="1600" baseline="-25000">
-                          <a:solidFill>
-                            <a:schemeClr val="bg1"/>
-                          </a:solidFill>
-                          <a:effectLst/>
-                          <a:latin typeface="Consolas" panose="020B0609020204030204" pitchFamily="49" charset="0"/>
-                          <a:ea typeface="Roboto" panose="02000000000000000000" pitchFamily="2" charset="0"/>
-                          <a:cs typeface="Roboto" panose="02000000000000000000" pitchFamily="2" charset="0"/>
                         </a:rPr>
                         <a:t>3b</a:t>
                       </a:r>
-                      <a:endParaRPr lang="en-US" sz="1600">
+                      <a:endParaRPr lang="en-US" sz="1400">
                         <a:solidFill>
                           <a:schemeClr val="bg1"/>
                         </a:solidFill>
                         <a:effectLst/>
                         <a:latin typeface="Consolas" panose="020B0609020204030204" pitchFamily="49" charset="0"/>
-                        <a:ea typeface="Roboto" panose="02000000000000000000" pitchFamily="2" charset="0"/>
-                        <a:cs typeface="Roboto" panose="02000000000000000000" pitchFamily="2" charset="0"/>
+                        <a:ea typeface="Times New Roman" panose="02020603050405020304" pitchFamily="18" charset="0"/>
+                        <a:cs typeface="Times New Roman" panose="02020603050405020304" pitchFamily="18" charset="0"/>
                       </a:endParaRPr>
                     </a:p>
                   </a:txBody>
                   <a:tcPr marL="68580" marR="68580" marT="0" marB="0" anchor="b">
                     <a:lnL w="12700" cap="flat" cmpd="sng" algn="ctr">
                       <a:solidFill>
-                        <a:schemeClr val="bg2">
-                          <a:lumMod val="25000"/>
+                        <a:schemeClr val="tx1">
+                          <a:lumMod val="75000"/>
+                          <a:lumOff val="25000"/>
                         </a:schemeClr>
                       </a:solidFill>
                       <a:prstDash val="solid"/>
@@ -26010,8 +26753,9 @@
                     </a:lnL>
                     <a:lnR w="12700" cap="flat" cmpd="sng" algn="ctr">
                       <a:solidFill>
-                        <a:schemeClr val="bg2">
-                          <a:lumMod val="25000"/>
+                        <a:schemeClr val="tx1">
+                          <a:lumMod val="75000"/>
+                          <a:lumOff val="25000"/>
                         </a:schemeClr>
                       </a:solidFill>
                       <a:prstDash val="solid"/>
@@ -26021,8 +26765,9 @@
                     </a:lnR>
                     <a:lnT w="12700" cap="flat" cmpd="sng" algn="ctr">
                       <a:solidFill>
-                        <a:schemeClr val="bg2">
-                          <a:lumMod val="25000"/>
+                        <a:schemeClr val="tx1">
+                          <a:lumMod val="75000"/>
+                          <a:lumOff val="25000"/>
                         </a:schemeClr>
                       </a:solidFill>
                       <a:prstDash val="solid"/>
@@ -26032,8 +26777,9 @@
                     </a:lnT>
                     <a:lnB w="12700" cap="flat" cmpd="sng" algn="ctr">
                       <a:solidFill>
-                        <a:schemeClr val="bg2">
-                          <a:lumMod val="25000"/>
+                        <a:schemeClr val="tx1">
+                          <a:lumMod val="75000"/>
+                          <a:lumOff val="25000"/>
                         </a:schemeClr>
                       </a:solidFill>
                       <a:prstDash val="solid"/>
@@ -26045,11 +26791,11 @@
                 </a:tc>
                 <a:extLst>
                   <a:ext uri="{0D108BD9-81ED-4DB2-BD59-A6C34878D82A}">
-                    <a16:rowId xmlns:a16="http://schemas.microsoft.com/office/drawing/2014/main" val="824249199"/>
+                    <a16:rowId xmlns:a16="http://schemas.microsoft.com/office/drawing/2014/main" val="3410213490"/>
                   </a:ext>
                 </a:extLst>
               </a:tr>
-              <a:tr h="237490">
+              <a:tr h="387207">
                 <a:tc gridSpan="5">
                   <a:txBody>
                     <a:bodyPr/>
@@ -26064,97 +26810,91 @@
                         </a:spcAft>
                       </a:pPr>
                       <a:r>
-                        <a:rPr lang="en-US" sz="1100" dirty="0">
+                        <a:rPr lang="en-US" sz="1050" dirty="0">
+                          <a:solidFill>
+                            <a:srgbClr val="EB6E19"/>
+                          </a:solidFill>
+                          <a:effectLst/>
+                          <a:latin typeface="Consolas" panose="020B0609020204030204" pitchFamily="49" charset="0"/>
+                        </a:rPr>
+                        <a:t>Legend:</a:t>
+                      </a:r>
+                      <a:r>
+                        <a:rPr lang="en-US" sz="1050" dirty="0">
                           <a:solidFill>
                             <a:schemeClr val="bg1"/>
                           </a:solidFill>
                           <a:effectLst/>
                           <a:latin typeface="Consolas" panose="020B0609020204030204" pitchFamily="49" charset="0"/>
-                          <a:ea typeface="Roboto" panose="02000000000000000000" pitchFamily="2" charset="0"/>
-                          <a:cs typeface="Roboto" panose="02000000000000000000" pitchFamily="2" charset="0"/>
                         </a:rPr>
-                        <a:t>Legend: Q</a:t>
+                        <a:t> Q</a:t>
                       </a:r>
                       <a:r>
-                        <a:rPr lang="en-US" sz="1100" baseline="-25000" dirty="0">
+                        <a:rPr lang="en-US" sz="1050" baseline="-25000" dirty="0">
                           <a:solidFill>
                             <a:schemeClr val="bg1"/>
                           </a:solidFill>
                           <a:effectLst/>
                           <a:latin typeface="Consolas" panose="020B0609020204030204" pitchFamily="49" charset="0"/>
-                          <a:ea typeface="Roboto" panose="02000000000000000000" pitchFamily="2" charset="0"/>
-                          <a:cs typeface="Roboto" panose="02000000000000000000" pitchFamily="2" charset="0"/>
                         </a:rPr>
                         <a:t>N</a:t>
                       </a:r>
                       <a:r>
-                        <a:rPr lang="en-US" sz="1100" dirty="0">
+                        <a:rPr lang="en-US" sz="1050" dirty="0">
                           <a:solidFill>
                             <a:schemeClr val="bg1"/>
                           </a:solidFill>
                           <a:effectLst/>
                           <a:latin typeface="Consolas" panose="020B0609020204030204" pitchFamily="49" charset="0"/>
-                          <a:ea typeface="Roboto" panose="02000000000000000000" pitchFamily="2" charset="0"/>
-                          <a:cs typeface="Roboto" panose="02000000000000000000" pitchFamily="2" charset="0"/>
                         </a:rPr>
                         <a:t> = Quiz N, P</a:t>
                       </a:r>
                       <a:r>
-                        <a:rPr lang="en-US" sz="1100" baseline="-25000" dirty="0">
+                        <a:rPr lang="en-US" sz="1050" baseline="-25000" dirty="0">
                           <a:solidFill>
                             <a:schemeClr val="bg1"/>
                           </a:solidFill>
                           <a:effectLst/>
                           <a:latin typeface="Consolas" panose="020B0609020204030204" pitchFamily="49" charset="0"/>
-                          <a:ea typeface="Roboto" panose="02000000000000000000" pitchFamily="2" charset="0"/>
-                          <a:cs typeface="Roboto" panose="02000000000000000000" pitchFamily="2" charset="0"/>
                         </a:rPr>
                         <a:t>N</a:t>
                       </a:r>
                       <a:r>
-                        <a:rPr lang="en-US" sz="1100" dirty="0">
+                        <a:rPr lang="en-US" sz="1050" dirty="0">
                           <a:solidFill>
                             <a:schemeClr val="bg1"/>
                           </a:solidFill>
                           <a:effectLst/>
                           <a:latin typeface="Consolas" panose="020B0609020204030204" pitchFamily="49" charset="0"/>
-                          <a:ea typeface="Roboto" panose="02000000000000000000" pitchFamily="2" charset="0"/>
-                          <a:cs typeface="Roboto" panose="02000000000000000000" pitchFamily="2" charset="0"/>
                         </a:rPr>
                         <a:t> = Project N, E</a:t>
                       </a:r>
                       <a:r>
-                        <a:rPr lang="en-US" sz="1100" baseline="-25000" dirty="0">
+                        <a:rPr lang="en-US" sz="1050" baseline="-25000" dirty="0">
                           <a:solidFill>
                             <a:schemeClr val="bg1"/>
                           </a:solidFill>
                           <a:effectLst/>
                           <a:latin typeface="Consolas" panose="020B0609020204030204" pitchFamily="49" charset="0"/>
-                          <a:ea typeface="Roboto" panose="02000000000000000000" pitchFamily="2" charset="0"/>
-                          <a:cs typeface="Roboto" panose="02000000000000000000" pitchFamily="2" charset="0"/>
                         </a:rPr>
                         <a:t>N </a:t>
                       </a:r>
                       <a:r>
-                        <a:rPr lang="en-US" sz="1100" dirty="0">
+                        <a:rPr lang="en-US" sz="1050" dirty="0">
                           <a:solidFill>
                             <a:schemeClr val="bg1"/>
                           </a:solidFill>
                           <a:effectLst/>
                           <a:latin typeface="Consolas" panose="020B0609020204030204" pitchFamily="49" charset="0"/>
-                          <a:ea typeface="Roboto" panose="02000000000000000000" pitchFamily="2" charset="0"/>
-                          <a:cs typeface="Roboto" panose="02000000000000000000" pitchFamily="2" charset="0"/>
                         </a:rPr>
                         <a:t>= Exam N</a:t>
                       </a:r>
-                      <a:endParaRPr lang="en-US" sz="1600" dirty="0">
+                      <a:endParaRPr lang="en-US" sz="1400" dirty="0">
                         <a:solidFill>
                           <a:schemeClr val="bg1"/>
                         </a:solidFill>
                         <a:effectLst/>
                         <a:latin typeface="Consolas" panose="020B0609020204030204" pitchFamily="49" charset="0"/>
-                        <a:ea typeface="Roboto" panose="02000000000000000000" pitchFamily="2" charset="0"/>
-                        <a:cs typeface="Roboto" panose="02000000000000000000" pitchFamily="2" charset="0"/>
                       </a:endParaRPr>
                     </a:p>
                     <a:p>
@@ -26167,33 +26907,42 @@
                         </a:spcAft>
                       </a:pPr>
                       <a:r>
-                        <a:rPr lang="en-US" sz="1100" dirty="0">
+                        <a:rPr lang="en-US" sz="1050" dirty="0">
+                          <a:solidFill>
+                            <a:srgbClr val="EB6E19"/>
+                          </a:solidFill>
+                          <a:effectLst/>
+                          <a:latin typeface="Consolas" panose="020B0609020204030204" pitchFamily="49" charset="0"/>
+                        </a:rPr>
+                        <a:t>Note: </a:t>
+                      </a:r>
+                      <a:r>
+                        <a:rPr lang="en-US" sz="1050" dirty="0">
                           <a:solidFill>
                             <a:schemeClr val="bg1"/>
                           </a:solidFill>
                           <a:effectLst/>
                           <a:latin typeface="Consolas" panose="020B0609020204030204" pitchFamily="49" charset="0"/>
-                          <a:ea typeface="Roboto" panose="02000000000000000000" pitchFamily="2" charset="0"/>
-                          <a:cs typeface="Roboto" panose="02000000000000000000" pitchFamily="2" charset="0"/>
                         </a:rPr>
-                        <a:t>Note: The Instructor will be traveling for official work on Sep 19 and Dec 5 and these two lectures will be prerecorded.</a:t>
+                        <a:t>The instructor will be traveling for official work on Mar 20 and Mar 22 and these two lectures will be prerecorded.</a:t>
                       </a:r>
-                      <a:endParaRPr lang="en-US" sz="1600" dirty="0">
+                      <a:endParaRPr lang="en-US" sz="1400" dirty="0">
                         <a:solidFill>
                           <a:schemeClr val="bg1"/>
                         </a:solidFill>
                         <a:effectLst/>
                         <a:latin typeface="Consolas" panose="020B0609020204030204" pitchFamily="49" charset="0"/>
-                        <a:ea typeface="Roboto" panose="02000000000000000000" pitchFamily="2" charset="0"/>
-                        <a:cs typeface="Roboto" panose="02000000000000000000" pitchFamily="2" charset="0"/>
+                        <a:ea typeface="Times New Roman" panose="02020603050405020304" pitchFamily="18" charset="0"/>
+                        <a:cs typeface="Times New Roman" panose="02020603050405020304" pitchFamily="18" charset="0"/>
                       </a:endParaRPr>
                     </a:p>
                   </a:txBody>
                   <a:tcPr marL="68580" marR="68580" marT="0" marB="0" anchor="ctr">
                     <a:lnL w="12700" cap="flat" cmpd="sng" algn="ctr">
                       <a:solidFill>
-                        <a:schemeClr val="bg2">
-                          <a:lumMod val="25000"/>
+                        <a:schemeClr val="tx1">
+                          <a:lumMod val="75000"/>
+                          <a:lumOff val="25000"/>
                         </a:schemeClr>
                       </a:solidFill>
                       <a:prstDash val="solid"/>
@@ -26203,8 +26952,9 @@
                     </a:lnL>
                     <a:lnR w="12700" cap="flat" cmpd="sng" algn="ctr">
                       <a:solidFill>
-                        <a:schemeClr val="bg2">
-                          <a:lumMod val="25000"/>
+                        <a:schemeClr val="tx1">
+                          <a:lumMod val="75000"/>
+                          <a:lumOff val="25000"/>
                         </a:schemeClr>
                       </a:solidFill>
                       <a:prstDash val="solid"/>
@@ -26214,8 +26964,9 @@
                     </a:lnR>
                     <a:lnT w="12700" cap="flat" cmpd="sng" algn="ctr">
                       <a:solidFill>
-                        <a:schemeClr val="bg2">
-                          <a:lumMod val="25000"/>
+                        <a:schemeClr val="tx1">
+                          <a:lumMod val="75000"/>
+                          <a:lumOff val="25000"/>
                         </a:schemeClr>
                       </a:solidFill>
                       <a:prstDash val="solid"/>
@@ -26225,8 +26976,9 @@
                     </a:lnT>
                     <a:lnB w="12700" cap="flat" cmpd="sng" algn="ctr">
                       <a:solidFill>
-                        <a:schemeClr val="bg2">
-                          <a:lumMod val="25000"/>
+                        <a:schemeClr val="tx1">
+                          <a:lumMod val="75000"/>
+                          <a:lumOff val="25000"/>
                         </a:schemeClr>
                       </a:solidFill>
                       <a:prstDash val="solid"/>
@@ -26278,7 +27030,7 @@
                 </a:tc>
                 <a:extLst>
                   <a:ext uri="{0D108BD9-81ED-4DB2-BD59-A6C34878D82A}">
-                    <a16:rowId xmlns:a16="http://schemas.microsoft.com/office/drawing/2014/main" val="2639733892"/>
+                    <a16:rowId xmlns:a16="http://schemas.microsoft.com/office/drawing/2014/main" val="4213434349"/>
                   </a:ext>
                 </a:extLst>
               </a:tr>
@@ -36404,7 +37156,7 @@
                 </a:solidFill>
                 <a:latin typeface="Gotham Bold" pitchFamily="50" charset="0"/>
               </a:rPr>
-              <a:t>2221 3644</a:t>
+              <a:t>4217 4682</a:t>
             </a:r>
           </a:p>
         </p:txBody>
@@ -36537,10 +37289,10 @@
       </p:grpSp>
       <p:pic>
         <p:nvPicPr>
-          <p:cNvPr id="10" name="Picture 9" descr="A qr code on a white background&#10;&#10;Description automatically generated">
+          <p:cNvPr id="8" name="Picture 7" descr="A qr code on a white background&#10;&#10;Description automatically generated">
             <a:extLst>
               <a:ext uri="{FF2B5EF4-FFF2-40B4-BE49-F238E27FC236}">
-                <a16:creationId xmlns:a16="http://schemas.microsoft.com/office/drawing/2014/main" id="{109E8FD2-108C-E590-4EBF-984ED48A04CF}"/>
+                <a16:creationId xmlns:a16="http://schemas.microsoft.com/office/drawing/2014/main" id="{88538232-C053-BE70-7102-F5F2A41A13F2}"/>
               </a:ext>
             </a:extLst>
           </p:cNvPr>
@@ -36563,8 +37315,8 @@
         </p:blipFill>
         <p:spPr>
           <a:xfrm>
-            <a:off x="6771955" y="2236744"/>
-            <a:ext cx="3677289" cy="3677289"/>
+            <a:off x="6977268" y="1910746"/>
+            <a:ext cx="4078357" cy="4078357"/>
           </a:xfrm>
           <a:prstGeom prst="rect">
             <a:avLst/>
@@ -38441,7 +39193,7 @@
               </a:ln>
               <a:extLst>
                 <a:ext uri="{909E8E84-426E-40dd-AFC4-6F175D3DCCD1}">
-                  <a14:hiddenFill xmlns:a14="http://schemas.microsoft.com/office/drawing/2010/main" xmlns="">
+                  <a14:hiddenFill xmlns="" xmlns:a14="http://schemas.microsoft.com/office/drawing/2010/main">
                     <a:solidFill>
                       <a:srgbClr val="FFFFFF"/>
                     </a:solidFill>
@@ -38641,7 +39393,7 @@
               </a:ln>
               <a:extLst>
                 <a:ext uri="{909E8E84-426E-40dd-AFC4-6F175D3DCCD1}">
-                  <a14:hiddenFill xmlns:a14="http://schemas.microsoft.com/office/drawing/2010/main" xmlns="">
+                  <a14:hiddenFill xmlns="" xmlns:a14="http://schemas.microsoft.com/office/drawing/2010/main">
                     <a:noFill/>
                   </a14:hiddenFill>
                 </a:ext>
@@ -38683,7 +39435,7 @@
               </a:ln>
               <a:extLst>
                 <a:ext uri="{909E8E84-426E-40dd-AFC4-6F175D3DCCD1}">
-                  <a14:hiddenFill xmlns:a14="http://schemas.microsoft.com/office/drawing/2010/main" xmlns="">
+                  <a14:hiddenFill xmlns="" xmlns:a14="http://schemas.microsoft.com/office/drawing/2010/main">
                     <a:noFill/>
                   </a14:hiddenFill>
                 </a:ext>
@@ -38916,7 +39668,7 @@
               </a:ln>
               <a:extLst>
                 <a:ext uri="{909E8E84-426E-40dd-AFC4-6F175D3DCCD1}">
-                  <a14:hiddenFill xmlns:a14="http://schemas.microsoft.com/office/drawing/2010/main" xmlns="">
+                  <a14:hiddenFill xmlns="" xmlns:a14="http://schemas.microsoft.com/office/drawing/2010/main">
                     <a:noFill/>
                   </a14:hiddenFill>
                 </a:ext>
@@ -38960,7 +39712,7 @@
               </a:ln>
               <a:extLst>
                 <a:ext uri="{909E8E84-426E-40dd-AFC4-6F175D3DCCD1}">
-                  <a14:hiddenFill xmlns:a14="http://schemas.microsoft.com/office/drawing/2010/main" xmlns="">
+                  <a14:hiddenFill xmlns="" xmlns:a14="http://schemas.microsoft.com/office/drawing/2010/main">
                     <a:noFill/>
                   </a14:hiddenFill>
                 </a:ext>
@@ -39004,7 +39756,7 @@
               </a:ln>
               <a:extLst>
                 <a:ext uri="{909E8E84-426E-40dd-AFC4-6F175D3DCCD1}">
-                  <a14:hiddenFill xmlns:a14="http://schemas.microsoft.com/office/drawing/2010/main" xmlns="">
+                  <a14:hiddenFill xmlns="" xmlns:a14="http://schemas.microsoft.com/office/drawing/2010/main">
                     <a:noFill/>
                   </a14:hiddenFill>
                 </a:ext>
@@ -39047,7 +39799,7 @@
               </a:ln>
               <a:extLst>
                 <a:ext uri="{909E8E84-426E-40dd-AFC4-6F175D3DCCD1}">
-                  <a14:hiddenFill xmlns:a14="http://schemas.microsoft.com/office/drawing/2010/main" xmlns="">
+                  <a14:hiddenFill xmlns="" xmlns:a14="http://schemas.microsoft.com/office/drawing/2010/main">
                     <a:noFill/>
                   </a14:hiddenFill>
                 </a:ext>
